--- a/FeasibilityStudy_07_09_2023.pptx
+++ b/FeasibilityStudy_07_09_2023.pptx
@@ -8,18 +8,11 @@
     <p:sldId id="256" r:id="rId5"/>
     <p:sldId id="257" r:id="rId6"/>
     <p:sldId id="262" r:id="rId7"/>
-    <p:sldId id="263" r:id="rId8"/>
-    <p:sldId id="264" r:id="rId9"/>
-    <p:sldId id="265" r:id="rId10"/>
-    <p:sldId id="266" r:id="rId11"/>
-    <p:sldId id="267" r:id="rId12"/>
-    <p:sldId id="261" r:id="rId13"/>
-    <p:sldId id="268" r:id="rId14"/>
-    <p:sldId id="270" r:id="rId15"/>
-    <p:sldId id="269" r:id="rId16"/>
-    <p:sldId id="271" r:id="rId17"/>
-    <p:sldId id="259" r:id="rId18"/>
-    <p:sldId id="260" r:id="rId19"/>
+    <p:sldId id="272" r:id="rId8"/>
+    <p:sldId id="273" r:id="rId9"/>
+    <p:sldId id="274" r:id="rId10"/>
+    <p:sldId id="260" r:id="rId11"/>
+    <p:sldId id="259" r:id="rId12"/>
   </p:sldIdLst>
   <p:sldSz cx="12192000" cy="6858000"/>
   <p:notesSz cx="6858000" cy="9144000"/>
@@ -124,6 +117,918 @@
     </p:ext>
   </p:extLst>
 </p:presentation>
+</file>
+
+<file path=ppt/charts/chart1.xml><?xml version="1.0" encoding="utf-8"?>
+<c:chartSpace xmlns:c="http://schemas.openxmlformats.org/drawingml/2006/chart" xmlns:a="http://schemas.openxmlformats.org/drawingml/2006/main" xmlns:r="http://schemas.openxmlformats.org/officeDocument/2006/relationships" xmlns:c16r2="http://schemas.microsoft.com/office/drawing/2015/06/chart">
+  <c:date1904 val="0"/>
+  <c:lang val="en-US"/>
+  <c:roundedCorners val="0"/>
+  <mc:AlternateContent xmlns:mc="http://schemas.openxmlformats.org/markup-compatibility/2006">
+    <mc:Choice xmlns:c14="http://schemas.microsoft.com/office/drawing/2007/8/2/chart" Requires="c14">
+      <c14:style val="102"/>
+    </mc:Choice>
+    <mc:Fallback>
+      <c:style val="2"/>
+    </mc:Fallback>
+  </mc:AlternateContent>
+  <c:chart>
+    <c:title>
+      <c:tx>
+        <c:rich>
+          <a:bodyPr rot="0" spcFirstLastPara="1" vertOverflow="ellipsis" vert="horz" wrap="square" anchor="ctr" anchorCtr="1"/>
+          <a:lstStyle/>
+          <a:p>
+            <a:pPr>
+              <a:defRPr sz="1862" b="0" i="0" u="none" strike="noStrike" kern="1200" spc="0" baseline="0">
+                <a:solidFill>
+                  <a:schemeClr val="tx1">
+                    <a:lumMod val="65000"/>
+                    <a:lumOff val="35000"/>
+                  </a:schemeClr>
+                </a:solidFill>
+                <a:latin typeface="+mn-lt"/>
+                <a:ea typeface="+mn-ea"/>
+                <a:cs typeface="+mn-cs"/>
+              </a:defRPr>
+            </a:pPr>
+            <a:r>
+              <a:rPr lang="en-US" dirty="0"/>
+              <a:t>Late Churn (x)</a:t>
+            </a:r>
+            <a:r>
+              <a:rPr lang="en-US" baseline="0" dirty="0"/>
+              <a:t> vs Reward Proportion (y)</a:t>
+            </a:r>
+            <a:endParaRPr lang="en-US" dirty="0"/>
+          </a:p>
+        </c:rich>
+      </c:tx>
+      <c:layout>
+        <c:manualLayout>
+          <c:xMode val="edge"/>
+          <c:yMode val="edge"/>
+          <c:x val="0.18150187805494519"/>
+          <c:y val="2.3626231162673345E-2"/>
+        </c:manualLayout>
+      </c:layout>
+      <c:overlay val="0"/>
+      <c:spPr>
+        <a:noFill/>
+        <a:ln>
+          <a:noFill/>
+        </a:ln>
+        <a:effectLst/>
+      </c:spPr>
+      <c:txPr>
+        <a:bodyPr rot="0" spcFirstLastPara="1" vertOverflow="ellipsis" vert="horz" wrap="square" anchor="ctr" anchorCtr="1"/>
+        <a:lstStyle/>
+        <a:p>
+          <a:pPr>
+            <a:defRPr sz="1862" b="0" i="0" u="none" strike="noStrike" kern="1200" spc="0" baseline="0">
+              <a:solidFill>
+                <a:schemeClr val="tx1">
+                  <a:lumMod val="65000"/>
+                  <a:lumOff val="35000"/>
+                </a:schemeClr>
+              </a:solidFill>
+              <a:latin typeface="+mn-lt"/>
+              <a:ea typeface="+mn-ea"/>
+              <a:cs typeface="+mn-cs"/>
+            </a:defRPr>
+          </a:pPr>
+          <a:endParaRPr lang="en-US"/>
+        </a:p>
+      </c:txPr>
+    </c:title>
+    <c:autoTitleDeleted val="0"/>
+    <c:plotArea>
+      <c:layout/>
+      <c:scatterChart>
+        <c:scatterStyle val="lineMarker"/>
+        <c:varyColors val="0"/>
+        <c:ser>
+          <c:idx val="0"/>
+          <c:order val="0"/>
+          <c:tx>
+            <c:strRef>
+              <c:f>Sheet1!$B$1</c:f>
+              <c:strCache>
+                <c:ptCount val="1"/>
+                <c:pt idx="0">
+                  <c:v>Y-Values</c:v>
+                </c:pt>
+              </c:strCache>
+            </c:strRef>
+          </c:tx>
+          <c:spPr>
+            <a:ln w="19050" cap="rnd">
+              <a:noFill/>
+              <a:round/>
+            </a:ln>
+            <a:effectLst/>
+          </c:spPr>
+          <c:marker>
+            <c:symbol val="circle"/>
+            <c:size val="5"/>
+            <c:spPr>
+              <a:solidFill>
+                <a:schemeClr val="accent1"/>
+              </a:solidFill>
+              <a:ln w="9525">
+                <a:solidFill>
+                  <a:schemeClr val="accent1"/>
+                </a:solidFill>
+              </a:ln>
+              <a:effectLst/>
+            </c:spPr>
+          </c:marker>
+          <c:xVal>
+            <c:numRef>
+              <c:f>Sheet1!$A$2:$A$6</c:f>
+              <c:numCache>
+                <c:formatCode>General</c:formatCode>
+                <c:ptCount val="5"/>
+                <c:pt idx="0">
+                  <c:v>1.4</c:v>
+                </c:pt>
+                <c:pt idx="1">
+                  <c:v>1.9</c:v>
+                </c:pt>
+                <c:pt idx="2">
+                  <c:v>2.6</c:v>
+                </c:pt>
+                <c:pt idx="3">
+                  <c:v>1.8</c:v>
+                </c:pt>
+                <c:pt idx="4">
+                  <c:v>1.5</c:v>
+                </c:pt>
+              </c:numCache>
+            </c:numRef>
+          </c:xVal>
+          <c:yVal>
+            <c:numRef>
+              <c:f>Sheet1!$B$2:$B$6</c:f>
+              <c:numCache>
+                <c:formatCode>General</c:formatCode>
+                <c:ptCount val="5"/>
+                <c:pt idx="0">
+                  <c:v>20.9</c:v>
+                </c:pt>
+                <c:pt idx="1">
+                  <c:v>3.3</c:v>
+                </c:pt>
+                <c:pt idx="2">
+                  <c:v>0.6</c:v>
+                </c:pt>
+                <c:pt idx="3">
+                  <c:v>23.6</c:v>
+                </c:pt>
+                <c:pt idx="4">
+                  <c:v>1.4</c:v>
+                </c:pt>
+              </c:numCache>
+            </c:numRef>
+          </c:yVal>
+          <c:smooth val="0"/>
+          <c:extLst>
+            <c:ext xmlns:c16="http://schemas.microsoft.com/office/drawing/2014/chart" uri="{C3380CC4-5D6E-409C-BE32-E72D297353CC}">
+              <c16:uniqueId val="{00000000-AD36-408D-9FD2-D69062EA10E4}"/>
+            </c:ext>
+          </c:extLst>
+        </c:ser>
+        <c:dLbls>
+          <c:showLegendKey val="0"/>
+          <c:showVal val="0"/>
+          <c:showCatName val="0"/>
+          <c:showSerName val="0"/>
+          <c:showPercent val="0"/>
+          <c:showBubbleSize val="0"/>
+        </c:dLbls>
+        <c:axId val="970683679"/>
+        <c:axId val="976303407"/>
+      </c:scatterChart>
+      <c:valAx>
+        <c:axId val="970683679"/>
+        <c:scaling>
+          <c:orientation val="minMax"/>
+        </c:scaling>
+        <c:delete val="0"/>
+        <c:axPos val="b"/>
+        <c:majorGridlines>
+          <c:spPr>
+            <a:ln w="9525" cap="flat" cmpd="sng" algn="ctr">
+              <a:solidFill>
+                <a:schemeClr val="tx1">
+                  <a:lumMod val="15000"/>
+                  <a:lumOff val="85000"/>
+                </a:schemeClr>
+              </a:solidFill>
+              <a:round/>
+            </a:ln>
+            <a:effectLst/>
+          </c:spPr>
+        </c:majorGridlines>
+        <c:numFmt formatCode="General" sourceLinked="1"/>
+        <c:majorTickMark val="none"/>
+        <c:minorTickMark val="none"/>
+        <c:tickLblPos val="nextTo"/>
+        <c:spPr>
+          <a:noFill/>
+          <a:ln w="9525" cap="flat" cmpd="sng" algn="ctr">
+            <a:solidFill>
+              <a:schemeClr val="tx1">
+                <a:lumMod val="25000"/>
+                <a:lumOff val="75000"/>
+              </a:schemeClr>
+            </a:solidFill>
+            <a:round/>
+          </a:ln>
+          <a:effectLst/>
+        </c:spPr>
+        <c:txPr>
+          <a:bodyPr rot="-60000000" spcFirstLastPara="1" vertOverflow="ellipsis" vert="horz" wrap="square" anchor="ctr" anchorCtr="1"/>
+          <a:lstStyle/>
+          <a:p>
+            <a:pPr>
+              <a:defRPr sz="1197" b="0" i="0" u="none" strike="noStrike" kern="1200" baseline="0">
+                <a:solidFill>
+                  <a:schemeClr val="tx1">
+                    <a:lumMod val="65000"/>
+                    <a:lumOff val="35000"/>
+                  </a:schemeClr>
+                </a:solidFill>
+                <a:latin typeface="+mn-lt"/>
+                <a:ea typeface="+mn-ea"/>
+                <a:cs typeface="+mn-cs"/>
+              </a:defRPr>
+            </a:pPr>
+            <a:endParaRPr lang="en-US"/>
+          </a:p>
+        </c:txPr>
+        <c:crossAx val="976303407"/>
+        <c:crosses val="autoZero"/>
+        <c:crossBetween val="midCat"/>
+      </c:valAx>
+      <c:valAx>
+        <c:axId val="976303407"/>
+        <c:scaling>
+          <c:orientation val="minMax"/>
+        </c:scaling>
+        <c:delete val="0"/>
+        <c:axPos val="l"/>
+        <c:majorGridlines>
+          <c:spPr>
+            <a:ln w="9525" cap="flat" cmpd="sng" algn="ctr">
+              <a:solidFill>
+                <a:schemeClr val="tx1">
+                  <a:lumMod val="15000"/>
+                  <a:lumOff val="85000"/>
+                </a:schemeClr>
+              </a:solidFill>
+              <a:round/>
+            </a:ln>
+            <a:effectLst/>
+          </c:spPr>
+        </c:majorGridlines>
+        <c:numFmt formatCode="General" sourceLinked="1"/>
+        <c:majorTickMark val="none"/>
+        <c:minorTickMark val="none"/>
+        <c:tickLblPos val="nextTo"/>
+        <c:spPr>
+          <a:noFill/>
+          <a:ln w="9525" cap="flat" cmpd="sng" algn="ctr">
+            <a:solidFill>
+              <a:schemeClr val="tx1">
+                <a:lumMod val="25000"/>
+                <a:lumOff val="75000"/>
+              </a:schemeClr>
+            </a:solidFill>
+            <a:round/>
+          </a:ln>
+          <a:effectLst/>
+        </c:spPr>
+        <c:txPr>
+          <a:bodyPr rot="-60000000" spcFirstLastPara="1" vertOverflow="ellipsis" vert="horz" wrap="square" anchor="ctr" anchorCtr="1"/>
+          <a:lstStyle/>
+          <a:p>
+            <a:pPr>
+              <a:defRPr sz="1197" b="0" i="0" u="none" strike="noStrike" kern="1200" baseline="0">
+                <a:solidFill>
+                  <a:schemeClr val="tx1">
+                    <a:lumMod val="65000"/>
+                    <a:lumOff val="35000"/>
+                  </a:schemeClr>
+                </a:solidFill>
+                <a:latin typeface="+mn-lt"/>
+                <a:ea typeface="+mn-ea"/>
+                <a:cs typeface="+mn-cs"/>
+              </a:defRPr>
+            </a:pPr>
+            <a:endParaRPr lang="en-US"/>
+          </a:p>
+        </c:txPr>
+        <c:crossAx val="970683679"/>
+        <c:crosses val="autoZero"/>
+        <c:crossBetween val="midCat"/>
+      </c:valAx>
+      <c:spPr>
+        <a:noFill/>
+        <a:ln>
+          <a:noFill/>
+        </a:ln>
+        <a:effectLst/>
+      </c:spPr>
+    </c:plotArea>
+    <c:plotVisOnly val="1"/>
+    <c:dispBlanksAs val="gap"/>
+    <c:extLst>
+      <c:ext xmlns:c16r3="http://schemas.microsoft.com/office/drawing/2017/03/chart" uri="{56B9EC1D-385E-4148-901F-78D8002777C0}">
+        <c16r3:dataDisplayOptions16>
+          <c16r3:dispNaAsBlank val="1"/>
+        </c16r3:dataDisplayOptions16>
+      </c:ext>
+    </c:extLst>
+    <c:showDLblsOverMax val="0"/>
+  </c:chart>
+  <c:spPr>
+    <a:noFill/>
+    <a:ln>
+      <a:noFill/>
+    </a:ln>
+    <a:effectLst/>
+  </c:spPr>
+  <c:txPr>
+    <a:bodyPr/>
+    <a:lstStyle/>
+    <a:p>
+      <a:pPr>
+        <a:defRPr/>
+      </a:pPr>
+      <a:endParaRPr lang="en-US"/>
+    </a:p>
+  </c:txPr>
+  <c:externalData r:id="rId3">
+    <c:autoUpdate val="0"/>
+  </c:externalData>
+</c:chartSpace>
+</file>
+
+<file path=ppt/charts/colors1.xml><?xml version="1.0" encoding="utf-8"?>
+<cs:colorStyle xmlns:cs="http://schemas.microsoft.com/office/drawing/2012/chartStyle" xmlns:a="http://schemas.openxmlformats.org/drawingml/2006/main" meth="cycle" id="10">
+  <a:schemeClr val="accent1"/>
+  <a:schemeClr val="accent2"/>
+  <a:schemeClr val="accent3"/>
+  <a:schemeClr val="accent4"/>
+  <a:schemeClr val="accent5"/>
+  <a:schemeClr val="accent6"/>
+  <cs:variation/>
+  <cs:variation>
+    <a:lumMod val="60000"/>
+  </cs:variation>
+  <cs:variation>
+    <a:lumMod val="80000"/>
+    <a:lumOff val="20000"/>
+  </cs:variation>
+  <cs:variation>
+    <a:lumMod val="80000"/>
+  </cs:variation>
+  <cs:variation>
+    <a:lumMod val="60000"/>
+    <a:lumOff val="40000"/>
+  </cs:variation>
+  <cs:variation>
+    <a:lumMod val="50000"/>
+  </cs:variation>
+  <cs:variation>
+    <a:lumMod val="70000"/>
+    <a:lumOff val="30000"/>
+  </cs:variation>
+  <cs:variation>
+    <a:lumMod val="70000"/>
+  </cs:variation>
+  <cs:variation>
+    <a:lumMod val="50000"/>
+    <a:lumOff val="50000"/>
+  </cs:variation>
+</cs:colorStyle>
+</file>
+
+<file path=ppt/charts/style1.xml><?xml version="1.0" encoding="utf-8"?>
+<cs:chartStyle xmlns:cs="http://schemas.microsoft.com/office/drawing/2012/chartStyle" xmlns:a="http://schemas.openxmlformats.org/drawingml/2006/main" id="240">
+  <cs:axisTitle>
+    <cs:lnRef idx="0"/>
+    <cs:fillRef idx="0"/>
+    <cs:effectRef idx="0"/>
+    <cs:fontRef idx="minor">
+      <a:schemeClr val="tx1">
+        <a:lumMod val="65000"/>
+        <a:lumOff val="35000"/>
+      </a:schemeClr>
+    </cs:fontRef>
+    <cs:defRPr sz="1330" kern="1200"/>
+  </cs:axisTitle>
+  <cs:categoryAxis>
+    <cs:lnRef idx="0"/>
+    <cs:fillRef idx="0"/>
+    <cs:effectRef idx="0"/>
+    <cs:fontRef idx="minor">
+      <a:schemeClr val="tx1">
+        <a:lumMod val="65000"/>
+        <a:lumOff val="35000"/>
+      </a:schemeClr>
+    </cs:fontRef>
+    <cs:spPr>
+      <a:ln w="9525" cap="flat" cmpd="sng" algn="ctr">
+        <a:solidFill>
+          <a:schemeClr val="tx1">
+            <a:lumMod val="25000"/>
+            <a:lumOff val="75000"/>
+          </a:schemeClr>
+        </a:solidFill>
+        <a:round/>
+      </a:ln>
+    </cs:spPr>
+    <cs:defRPr sz="1197" kern="1200"/>
+  </cs:categoryAxis>
+  <cs:chartArea mods="allowNoFillOverride allowNoLineOverride">
+    <cs:lnRef idx="0"/>
+    <cs:fillRef idx="0"/>
+    <cs:effectRef idx="0"/>
+    <cs:fontRef idx="minor">
+      <a:schemeClr val="tx1"/>
+    </cs:fontRef>
+    <cs:spPr>
+      <a:solidFill>
+        <a:schemeClr val="bg1"/>
+      </a:solidFill>
+      <a:ln w="9525" cap="flat" cmpd="sng" algn="ctr">
+        <a:solidFill>
+          <a:schemeClr val="tx1">
+            <a:lumMod val="15000"/>
+            <a:lumOff val="85000"/>
+          </a:schemeClr>
+        </a:solidFill>
+        <a:round/>
+      </a:ln>
+    </cs:spPr>
+    <cs:defRPr sz="1330" kern="1200"/>
+  </cs:chartArea>
+  <cs:dataLabel>
+    <cs:lnRef idx="0"/>
+    <cs:fillRef idx="0"/>
+    <cs:effectRef idx="0"/>
+    <cs:fontRef idx="minor">
+      <a:schemeClr val="tx1">
+        <a:lumMod val="75000"/>
+        <a:lumOff val="25000"/>
+      </a:schemeClr>
+    </cs:fontRef>
+    <cs:defRPr sz="1197" kern="1200"/>
+  </cs:dataLabel>
+  <cs:dataLabelCallout>
+    <cs:lnRef idx="0"/>
+    <cs:fillRef idx="0"/>
+    <cs:effectRef idx="0"/>
+    <cs:fontRef idx="minor">
+      <a:schemeClr val="dk1">
+        <a:lumMod val="65000"/>
+        <a:lumOff val="35000"/>
+      </a:schemeClr>
+    </cs:fontRef>
+    <cs:spPr>
+      <a:solidFill>
+        <a:schemeClr val="lt1"/>
+      </a:solidFill>
+      <a:ln>
+        <a:solidFill>
+          <a:schemeClr val="dk1">
+            <a:lumMod val="25000"/>
+            <a:lumOff val="75000"/>
+          </a:schemeClr>
+        </a:solidFill>
+      </a:ln>
+    </cs:spPr>
+    <cs:defRPr sz="1197" kern="1200"/>
+    <cs:bodyPr rot="0" spcFirstLastPara="1" vertOverflow="clip" horzOverflow="clip" vert="horz" wrap="square" lIns="36576" tIns="18288" rIns="36576" bIns="18288" anchor="ctr" anchorCtr="1">
+      <a:spAutoFit/>
+    </cs:bodyPr>
+  </cs:dataLabelCallout>
+  <cs:dataPoint>
+    <cs:lnRef idx="0"/>
+    <cs:fillRef idx="1">
+      <cs:styleClr val="auto"/>
+    </cs:fillRef>
+    <cs:effectRef idx="0"/>
+    <cs:fontRef idx="minor">
+      <a:schemeClr val="tx1"/>
+    </cs:fontRef>
+  </cs:dataPoint>
+  <cs:dataPoint3D>
+    <cs:lnRef idx="0"/>
+    <cs:fillRef idx="1">
+      <cs:styleClr val="auto"/>
+    </cs:fillRef>
+    <cs:effectRef idx="0"/>
+    <cs:fontRef idx="minor">
+      <a:schemeClr val="tx1"/>
+    </cs:fontRef>
+  </cs:dataPoint3D>
+  <cs:dataPointLine>
+    <cs:lnRef idx="0">
+      <cs:styleClr val="auto"/>
+    </cs:lnRef>
+    <cs:fillRef idx="1"/>
+    <cs:effectRef idx="0"/>
+    <cs:fontRef idx="minor">
+      <a:schemeClr val="tx1"/>
+    </cs:fontRef>
+    <cs:spPr>
+      <a:ln w="19050" cap="rnd">
+        <a:solidFill>
+          <a:schemeClr val="phClr"/>
+        </a:solidFill>
+        <a:round/>
+      </a:ln>
+    </cs:spPr>
+  </cs:dataPointLine>
+  <cs:dataPointMarker>
+    <cs:lnRef idx="0">
+      <cs:styleClr val="auto"/>
+    </cs:lnRef>
+    <cs:fillRef idx="1">
+      <cs:styleClr val="auto"/>
+    </cs:fillRef>
+    <cs:effectRef idx="0"/>
+    <cs:fontRef idx="minor">
+      <a:schemeClr val="tx1"/>
+    </cs:fontRef>
+    <cs:spPr>
+      <a:ln w="9525">
+        <a:solidFill>
+          <a:schemeClr val="phClr"/>
+        </a:solidFill>
+      </a:ln>
+    </cs:spPr>
+  </cs:dataPointMarker>
+  <cs:dataPointMarkerLayout symbol="circle" size="5"/>
+  <cs:dataPointWireframe>
+    <cs:lnRef idx="0">
+      <cs:styleClr val="auto"/>
+    </cs:lnRef>
+    <cs:fillRef idx="0"/>
+    <cs:effectRef idx="0"/>
+    <cs:fontRef idx="minor">
+      <a:schemeClr val="dk1"/>
+    </cs:fontRef>
+    <cs:spPr>
+      <a:ln w="9525" cap="rnd">
+        <a:solidFill>
+          <a:schemeClr val="phClr"/>
+        </a:solidFill>
+        <a:round/>
+      </a:ln>
+    </cs:spPr>
+  </cs:dataPointWireframe>
+  <cs:dataTable>
+    <cs:lnRef idx="0"/>
+    <cs:fillRef idx="0"/>
+    <cs:effectRef idx="0"/>
+    <cs:fontRef idx="minor">
+      <a:schemeClr val="tx1">
+        <a:lumMod val="65000"/>
+        <a:lumOff val="35000"/>
+      </a:schemeClr>
+    </cs:fontRef>
+    <cs:spPr>
+      <a:noFill/>
+      <a:ln w="9525" cap="flat" cmpd="sng" algn="ctr">
+        <a:solidFill>
+          <a:schemeClr val="tx1">
+            <a:lumMod val="15000"/>
+            <a:lumOff val="85000"/>
+          </a:schemeClr>
+        </a:solidFill>
+        <a:round/>
+      </a:ln>
+    </cs:spPr>
+    <cs:defRPr sz="1197" kern="1200"/>
+  </cs:dataTable>
+  <cs:downBar>
+    <cs:lnRef idx="0"/>
+    <cs:fillRef idx="0"/>
+    <cs:effectRef idx="0"/>
+    <cs:fontRef idx="minor">
+      <a:schemeClr val="tx1"/>
+    </cs:fontRef>
+    <cs:spPr>
+      <a:solidFill>
+        <a:schemeClr val="dk1">
+          <a:lumMod val="75000"/>
+          <a:lumOff val="25000"/>
+        </a:schemeClr>
+      </a:solidFill>
+      <a:ln w="9525" cap="flat" cmpd="sng" algn="ctr">
+        <a:solidFill>
+          <a:schemeClr val="tx1">
+            <a:lumMod val="65000"/>
+            <a:lumOff val="35000"/>
+          </a:schemeClr>
+        </a:solidFill>
+        <a:round/>
+      </a:ln>
+    </cs:spPr>
+  </cs:downBar>
+  <cs:dropLine>
+    <cs:lnRef idx="0"/>
+    <cs:fillRef idx="0"/>
+    <cs:effectRef idx="0"/>
+    <cs:fontRef idx="minor">
+      <a:schemeClr val="tx1"/>
+    </cs:fontRef>
+    <cs:spPr>
+      <a:ln w="9525" cap="flat" cmpd="sng" algn="ctr">
+        <a:solidFill>
+          <a:schemeClr val="tx1">
+            <a:lumMod val="35000"/>
+            <a:lumOff val="65000"/>
+          </a:schemeClr>
+        </a:solidFill>
+        <a:round/>
+      </a:ln>
+    </cs:spPr>
+  </cs:dropLine>
+  <cs:errorBar>
+    <cs:lnRef idx="0"/>
+    <cs:fillRef idx="0"/>
+    <cs:effectRef idx="0"/>
+    <cs:fontRef idx="minor">
+      <a:schemeClr val="tx1"/>
+    </cs:fontRef>
+    <cs:spPr>
+      <a:ln w="9525" cap="flat" cmpd="sng" algn="ctr">
+        <a:solidFill>
+          <a:schemeClr val="tx1">
+            <a:lumMod val="65000"/>
+            <a:lumOff val="35000"/>
+          </a:schemeClr>
+        </a:solidFill>
+        <a:round/>
+      </a:ln>
+    </cs:spPr>
+  </cs:errorBar>
+  <cs:floor>
+    <cs:lnRef idx="0"/>
+    <cs:fillRef idx="0"/>
+    <cs:effectRef idx="0"/>
+    <cs:fontRef idx="minor">
+      <a:schemeClr val="tx1"/>
+    </cs:fontRef>
+    <cs:spPr>
+      <a:noFill/>
+      <a:ln>
+        <a:noFill/>
+      </a:ln>
+    </cs:spPr>
+  </cs:floor>
+  <cs:gridlineMajor>
+    <cs:lnRef idx="0"/>
+    <cs:fillRef idx="0"/>
+    <cs:effectRef idx="0"/>
+    <cs:fontRef idx="minor">
+      <a:schemeClr val="tx1"/>
+    </cs:fontRef>
+    <cs:spPr>
+      <a:ln w="9525" cap="flat" cmpd="sng" algn="ctr">
+        <a:solidFill>
+          <a:schemeClr val="tx1">
+            <a:lumMod val="15000"/>
+            <a:lumOff val="85000"/>
+          </a:schemeClr>
+        </a:solidFill>
+        <a:round/>
+      </a:ln>
+    </cs:spPr>
+  </cs:gridlineMajor>
+  <cs:gridlineMinor>
+    <cs:lnRef idx="0"/>
+    <cs:fillRef idx="0"/>
+    <cs:effectRef idx="0"/>
+    <cs:fontRef idx="minor">
+      <a:schemeClr val="tx1"/>
+    </cs:fontRef>
+    <cs:spPr>
+      <a:ln w="9525" cap="flat" cmpd="sng" algn="ctr">
+        <a:solidFill>
+          <a:schemeClr val="tx1">
+            <a:lumMod val="5000"/>
+            <a:lumOff val="95000"/>
+          </a:schemeClr>
+        </a:solidFill>
+        <a:round/>
+      </a:ln>
+    </cs:spPr>
+  </cs:gridlineMinor>
+  <cs:hiLoLine>
+    <cs:lnRef idx="0"/>
+    <cs:fillRef idx="0"/>
+    <cs:effectRef idx="0"/>
+    <cs:fontRef idx="minor">
+      <a:schemeClr val="tx1"/>
+    </cs:fontRef>
+    <cs:spPr>
+      <a:ln w="9525" cap="flat" cmpd="sng" algn="ctr">
+        <a:solidFill>
+          <a:schemeClr val="tx1">
+            <a:lumMod val="50000"/>
+            <a:lumOff val="50000"/>
+          </a:schemeClr>
+        </a:solidFill>
+        <a:round/>
+      </a:ln>
+    </cs:spPr>
+  </cs:hiLoLine>
+  <cs:leaderLine>
+    <cs:lnRef idx="0"/>
+    <cs:fillRef idx="0"/>
+    <cs:effectRef idx="0"/>
+    <cs:fontRef idx="minor">
+      <a:schemeClr val="tx1"/>
+    </cs:fontRef>
+    <cs:spPr>
+      <a:ln w="9525" cap="flat" cmpd="sng" algn="ctr">
+        <a:solidFill>
+          <a:schemeClr val="tx1">
+            <a:lumMod val="35000"/>
+            <a:lumOff val="65000"/>
+          </a:schemeClr>
+        </a:solidFill>
+        <a:round/>
+      </a:ln>
+    </cs:spPr>
+  </cs:leaderLine>
+  <cs:legend>
+    <cs:lnRef idx="0"/>
+    <cs:fillRef idx="0"/>
+    <cs:effectRef idx="0"/>
+    <cs:fontRef idx="minor">
+      <a:schemeClr val="tx1">
+        <a:lumMod val="65000"/>
+        <a:lumOff val="35000"/>
+      </a:schemeClr>
+    </cs:fontRef>
+    <cs:defRPr sz="1197" kern="1200"/>
+  </cs:legend>
+  <cs:plotArea mods="allowNoFillOverride allowNoLineOverride">
+    <cs:lnRef idx="0"/>
+    <cs:fillRef idx="0"/>
+    <cs:effectRef idx="0"/>
+    <cs:fontRef idx="minor">
+      <a:schemeClr val="tx1"/>
+    </cs:fontRef>
+  </cs:plotArea>
+  <cs:plotArea3D mods="allowNoFillOverride allowNoLineOverride">
+    <cs:lnRef idx="0"/>
+    <cs:fillRef idx="0"/>
+    <cs:effectRef idx="0"/>
+    <cs:fontRef idx="minor">
+      <a:schemeClr val="tx1"/>
+    </cs:fontRef>
+  </cs:plotArea3D>
+  <cs:seriesAxis>
+    <cs:lnRef idx="0"/>
+    <cs:fillRef idx="0"/>
+    <cs:effectRef idx="0"/>
+    <cs:fontRef idx="minor">
+      <a:schemeClr val="tx1">
+        <a:lumMod val="65000"/>
+        <a:lumOff val="35000"/>
+      </a:schemeClr>
+    </cs:fontRef>
+    <cs:defRPr sz="1197" kern="1200"/>
+  </cs:seriesAxis>
+  <cs:seriesLine>
+    <cs:lnRef idx="0"/>
+    <cs:fillRef idx="0"/>
+    <cs:effectRef idx="0"/>
+    <cs:fontRef idx="minor">
+      <a:schemeClr val="tx1"/>
+    </cs:fontRef>
+    <cs:spPr>
+      <a:ln w="9525" cap="flat" cmpd="sng" algn="ctr">
+        <a:solidFill>
+          <a:schemeClr val="tx1">
+            <a:lumMod val="35000"/>
+            <a:lumOff val="65000"/>
+          </a:schemeClr>
+        </a:solidFill>
+        <a:round/>
+      </a:ln>
+    </cs:spPr>
+  </cs:seriesLine>
+  <cs:title>
+    <cs:lnRef idx="0"/>
+    <cs:fillRef idx="0"/>
+    <cs:effectRef idx="0"/>
+    <cs:fontRef idx="minor">
+      <a:schemeClr val="tx1">
+        <a:lumMod val="65000"/>
+        <a:lumOff val="35000"/>
+      </a:schemeClr>
+    </cs:fontRef>
+    <cs:defRPr sz="1862" b="0" kern="1200" spc="0" baseline="0"/>
+  </cs:title>
+  <cs:trendline>
+    <cs:lnRef idx="0">
+      <cs:styleClr val="auto"/>
+    </cs:lnRef>
+    <cs:fillRef idx="0"/>
+    <cs:effectRef idx="0"/>
+    <cs:fontRef idx="minor">
+      <a:schemeClr val="tx1"/>
+    </cs:fontRef>
+    <cs:spPr>
+      <a:ln w="19050" cap="rnd">
+        <a:solidFill>
+          <a:schemeClr val="phClr"/>
+        </a:solidFill>
+        <a:prstDash val="sysDot"/>
+      </a:ln>
+    </cs:spPr>
+  </cs:trendline>
+  <cs:trendlineLabel>
+    <cs:lnRef idx="0"/>
+    <cs:fillRef idx="0"/>
+    <cs:effectRef idx="0"/>
+    <cs:fontRef idx="minor">
+      <a:schemeClr val="tx1">
+        <a:lumMod val="65000"/>
+        <a:lumOff val="35000"/>
+      </a:schemeClr>
+    </cs:fontRef>
+    <cs:defRPr sz="1197" kern="1200"/>
+  </cs:trendlineLabel>
+  <cs:upBar>
+    <cs:lnRef idx="0"/>
+    <cs:fillRef idx="0"/>
+    <cs:effectRef idx="0"/>
+    <cs:fontRef idx="minor">
+      <a:schemeClr val="tx1"/>
+    </cs:fontRef>
+    <cs:spPr>
+      <a:solidFill>
+        <a:schemeClr val="lt1"/>
+      </a:solidFill>
+      <a:ln w="9525" cap="flat" cmpd="sng" algn="ctr">
+        <a:solidFill>
+          <a:schemeClr val="tx1">
+            <a:lumMod val="65000"/>
+            <a:lumOff val="35000"/>
+          </a:schemeClr>
+        </a:solidFill>
+        <a:round/>
+      </a:ln>
+    </cs:spPr>
+  </cs:upBar>
+  <cs:valueAxis>
+    <cs:lnRef idx="0"/>
+    <cs:fillRef idx="0"/>
+    <cs:effectRef idx="0"/>
+    <cs:fontRef idx="minor">
+      <a:schemeClr val="tx1">
+        <a:lumMod val="65000"/>
+        <a:lumOff val="35000"/>
+      </a:schemeClr>
+    </cs:fontRef>
+    <cs:spPr>
+      <a:ln w="9525" cap="flat" cmpd="sng" algn="ctr">
+        <a:solidFill>
+          <a:schemeClr val="tx1">
+            <a:lumMod val="25000"/>
+            <a:lumOff val="75000"/>
+          </a:schemeClr>
+        </a:solidFill>
+        <a:round/>
+      </a:ln>
+    </cs:spPr>
+    <cs:defRPr sz="1197" kern="1200"/>
+  </cs:valueAxis>
+  <cs:wall>
+    <cs:lnRef idx="0"/>
+    <cs:fillRef idx="0"/>
+    <cs:effectRef idx="0"/>
+    <cs:fontRef idx="minor">
+      <a:schemeClr val="tx1"/>
+    </cs:fontRef>
+    <cs:spPr>
+      <a:noFill/>
+      <a:ln>
+        <a:noFill/>
+      </a:ln>
+    </cs:spPr>
+  </cs:wall>
+</cs:chartStyle>
 </file>
 
 <file path=ppt/slideLayouts/slideLayout1.xml><?xml version="1.0" encoding="utf-8"?>
@@ -5549,7 +6454,7 @@
 </p:sld>
 </file>
 
-<file path=ppt/slides/slide10.xml><?xml version="1.0" encoding="utf-8"?>
+<file path=ppt/slides/slide2.xml><?xml version="1.0" encoding="utf-8"?>
 <p:sld xmlns:a="http://schemas.openxmlformats.org/drawingml/2006/main" xmlns:r="http://schemas.openxmlformats.org/officeDocument/2006/relationships" xmlns:p="http://schemas.openxmlformats.org/presentationml/2006/main">
   <p:cSld>
     <p:spTree>
@@ -5571,7 +6476,7 @@
           <p:cNvPr id="2" name="Title 1">
             <a:extLst>
               <a:ext uri="{FF2B5EF4-FFF2-40B4-BE49-F238E27FC236}">
-                <a16:creationId xmlns:a16="http://schemas.microsoft.com/office/drawing/2014/main" id="{D971FE7B-3AD8-6D1D-C193-BE16D894B0A5}"/>
+                <a16:creationId xmlns:a16="http://schemas.microsoft.com/office/drawing/2014/main" id="{761150A7-D314-5E3A-8F37-AE6C7B96F241}"/>
               </a:ext>
             </a:extLst>
           </p:cNvPr>
@@ -5589,7 +6494,7 @@
           <a:p>
             <a:r>
               <a:rPr lang="en-GB" dirty="0"/>
-              <a:t>Reward Spiking</a:t>
+              <a:t>What I’ve been doing</a:t>
             </a:r>
           </a:p>
         </p:txBody>
@@ -5599,7 +6504,7 @@
           <p:cNvPr id="3" name="Content Placeholder 2">
             <a:extLst>
               <a:ext uri="{FF2B5EF4-FFF2-40B4-BE49-F238E27FC236}">
-                <a16:creationId xmlns:a16="http://schemas.microsoft.com/office/drawing/2014/main" id="{C84156B2-6DD5-21EC-DE8F-7F54F68C9425}"/>
+                <a16:creationId xmlns:a16="http://schemas.microsoft.com/office/drawing/2014/main" id="{76449E47-A00F-FDFD-C880-4F8E4FF45744}"/>
               </a:ext>
             </a:extLst>
           </p:cNvPr>
@@ -5610,692 +6515,34 @@
             <p:ph idx="1"/>
           </p:nvPr>
         </p:nvSpPr>
-        <p:spPr>
-          <a:xfrm>
-            <a:off x="621086" y="2372064"/>
-            <a:ext cx="10168128" cy="3694176"/>
-          </a:xfrm>
-        </p:spPr>
+        <p:spPr/>
         <p:txBody>
-          <a:bodyPr/>
+          <a:bodyPr>
+            <a:normAutofit/>
+          </a:bodyPr>
           <a:lstStyle/>
           <a:p>
             <a:r>
               <a:rPr lang="en-GB" dirty="0"/>
-              <a:t>Based on the idea that neural networks may able to predict the value of a state-action pair, but not on </a:t>
+              <a:t>Work on Referral is completed</a:t>
             </a:r>
-            <a:r>
-              <a:rPr lang="en-GB" b="1" dirty="0"/>
-              <a:t>when </a:t>
-            </a:r>
+          </a:p>
+          <a:p>
             <a:r>
               <a:rPr lang="en-GB" dirty="0"/>
-              <a:t>they will receive the reward.</a:t>
+              <a:t>Spent a lot of time writing my dissertation</a:t>
             </a:r>
           </a:p>
-          <a:p>
-            <a:endParaRPr lang="en-GB" dirty="0"/>
-          </a:p>
-        </p:txBody>
-      </p:sp>
-      <p:pic>
-        <p:nvPicPr>
-          <p:cNvPr id="1028" name="Picture 4" descr="Q-learning: a value-based reinforcement learning algorithm | by Dhanoop  Karunakaran | Intro to Artificial Intelligence | Medium">
-            <a:extLst>
-              <a:ext uri="{FF2B5EF4-FFF2-40B4-BE49-F238E27FC236}">
-                <a16:creationId xmlns:a16="http://schemas.microsoft.com/office/drawing/2014/main" id="{0BFD04EB-FED8-559C-1AFD-5898BA3A6358}"/>
-              </a:ext>
-            </a:extLst>
-          </p:cNvPr>
-          <p:cNvPicPr>
-            <a:picLocks noChangeAspect="1" noChangeArrowheads="1"/>
-          </p:cNvPicPr>
-          <p:nvPr/>
-        </p:nvPicPr>
-        <p:blipFill rotWithShape="1">
-          <a:blip r:embed="rId2">
-            <a:extLst>
-              <a:ext uri="{28A0092B-C50C-407E-A947-70E740481C1C}">
-                <a14:useLocalDpi xmlns:a14="http://schemas.microsoft.com/office/drawing/2010/main" val="0"/>
-              </a:ext>
-            </a:extLst>
-          </a:blip>
-          <a:srcRect l="25783" r="25644"/>
-          <a:stretch/>
-        </p:blipFill>
-        <p:spPr bwMode="auto">
-          <a:xfrm>
-            <a:off x="549424" y="3714417"/>
-            <a:ext cx="5922017" cy="1328737"/>
-          </a:xfrm>
-          <a:prstGeom prst="rect">
-            <a:avLst/>
-          </a:prstGeom>
-          <a:noFill/>
-          <a:extLst>
-            <a:ext uri="{909E8E84-426E-40DD-AFC4-6F175D3DCCD1}">
-              <a14:hiddenFill xmlns:a14="http://schemas.microsoft.com/office/drawing/2010/main">
-                <a:solidFill>
-                  <a:srgbClr val="FFFFFF"/>
-                </a:solidFill>
-              </a14:hiddenFill>
-            </a:ext>
-          </a:extLst>
-        </p:spPr>
-      </p:pic>
-      <p:sp>
-        <p:nvSpPr>
-          <p:cNvPr id="4" name="TextBox 3">
-            <a:extLst>
-              <a:ext uri="{FF2B5EF4-FFF2-40B4-BE49-F238E27FC236}">
-                <a16:creationId xmlns:a16="http://schemas.microsoft.com/office/drawing/2014/main" id="{71C9F2FE-151F-E434-99EE-1F475F295F91}"/>
-              </a:ext>
-            </a:extLst>
-          </p:cNvPr>
-          <p:cNvSpPr txBox="1"/>
-          <p:nvPr/>
-        </p:nvSpPr>
-        <p:spPr>
-          <a:xfrm>
-            <a:off x="653774" y="4973983"/>
-            <a:ext cx="10407374" cy="369332"/>
-          </a:xfrm>
-          <a:prstGeom prst="rect">
-            <a:avLst/>
-          </a:prstGeom>
-          <a:noFill/>
-        </p:spPr>
-        <p:txBody>
-          <a:bodyPr wrap="square" rtlCol="0">
-            <a:spAutoFit/>
-          </a:bodyPr>
-          <a:lstStyle/>
           <a:p>
             <a:r>
               <a:rPr lang="en-GB" dirty="0"/>
-              <a:t>Q(</a:t>
+              <a:t>Considering what remaining tests need to be run</a:t>
             </a:r>
-            <a:r>
-              <a:rPr lang="en-GB" dirty="0" err="1"/>
-              <a:t>s,a</a:t>
-            </a:r>
+          </a:p>
+          <a:p>
             <a:r>
               <a:rPr lang="en-GB" dirty="0"/>
-              <a:t>) = r(</a:t>
-            </a:r>
-            <a:r>
-              <a:rPr lang="en-GB" dirty="0" err="1"/>
-              <a:t>s,a</a:t>
-            </a:r>
-            <a:r>
-              <a:rPr lang="en-GB" dirty="0"/>
-              <a:t>) + </a:t>
-            </a:r>
-            <a:r>
-              <a:rPr lang="el-GR" b="0" i="0" dirty="0">
-                <a:solidFill>
-                  <a:srgbClr val="202124"/>
-                </a:solidFill>
-                <a:effectLst/>
-                <a:latin typeface="Google Sans"/>
-              </a:rPr>
-              <a:t>γ</a:t>
-            </a:r>
-            <a:r>
-              <a:rPr lang="en-GB" b="0" i="0" dirty="0">
-                <a:solidFill>
-                  <a:srgbClr val="202124"/>
-                </a:solidFill>
-                <a:effectLst/>
-                <a:latin typeface="Google Sans"/>
-              </a:rPr>
-              <a:t>*r(</a:t>
-            </a:r>
-            <a:r>
-              <a:rPr lang="en-GB" b="0" i="0" dirty="0" err="1">
-                <a:solidFill>
-                  <a:srgbClr val="202124"/>
-                </a:solidFill>
-                <a:effectLst/>
-                <a:latin typeface="Google Sans"/>
-              </a:rPr>
-              <a:t>s’,a</a:t>
-            </a:r>
-            <a:r>
-              <a:rPr lang="en-GB" b="0" i="0" dirty="0">
-                <a:solidFill>
-                  <a:srgbClr val="202124"/>
-                </a:solidFill>
-                <a:effectLst/>
-                <a:latin typeface="Google Sans"/>
-              </a:rPr>
-              <a:t>)</a:t>
-            </a:r>
-            <a:r>
-              <a:rPr lang="en-GB" baseline="-25000" dirty="0">
-                <a:solidFill>
-                  <a:srgbClr val="202124"/>
-                </a:solidFill>
-                <a:latin typeface="Google Sans"/>
-              </a:rPr>
-              <a:t>t+1</a:t>
-            </a:r>
-            <a:r>
-              <a:rPr lang="en-GB" dirty="0">
-                <a:solidFill>
-                  <a:srgbClr val="202124"/>
-                </a:solidFill>
-                <a:latin typeface="Google Sans"/>
-              </a:rPr>
-              <a:t> +</a:t>
-            </a:r>
-            <a:r>
-              <a:rPr lang="el-GR" b="0" i="0" dirty="0">
-                <a:solidFill>
-                  <a:srgbClr val="202124"/>
-                </a:solidFill>
-                <a:effectLst/>
-                <a:latin typeface="Google Sans"/>
-              </a:rPr>
-              <a:t> γ</a:t>
-            </a:r>
-            <a:r>
-              <a:rPr lang="en-GB" b="0" i="0" baseline="30000" dirty="0">
-                <a:solidFill>
-                  <a:srgbClr val="202124"/>
-                </a:solidFill>
-                <a:effectLst/>
-                <a:latin typeface="Google Sans"/>
-              </a:rPr>
-              <a:t>2</a:t>
-            </a:r>
-            <a:r>
-              <a:rPr lang="en-GB" b="0" i="0" baseline="-25000" dirty="0">
-                <a:solidFill>
-                  <a:srgbClr val="202124"/>
-                </a:solidFill>
-                <a:effectLst/>
-                <a:latin typeface="Google Sans"/>
-              </a:rPr>
-              <a:t> </a:t>
-            </a:r>
-            <a:r>
-              <a:rPr lang="en-GB" b="0" i="0" dirty="0">
-                <a:solidFill>
-                  <a:srgbClr val="202124"/>
-                </a:solidFill>
-                <a:effectLst/>
-                <a:latin typeface="Google Sans"/>
-              </a:rPr>
-              <a:t>*</a:t>
-            </a:r>
-            <a:r>
-              <a:rPr lang="en-GB" dirty="0">
-                <a:solidFill>
-                  <a:srgbClr val="202124"/>
-                </a:solidFill>
-                <a:latin typeface="Google Sans"/>
-              </a:rPr>
-              <a:t>r(</a:t>
-            </a:r>
-            <a:r>
-              <a:rPr lang="en-GB" dirty="0" err="1">
-                <a:solidFill>
-                  <a:srgbClr val="202124"/>
-                </a:solidFill>
-                <a:latin typeface="Google Sans"/>
-              </a:rPr>
-              <a:t>s’’,a</a:t>
-            </a:r>
-            <a:r>
-              <a:rPr lang="en-GB" dirty="0">
-                <a:solidFill>
-                  <a:srgbClr val="202124"/>
-                </a:solidFill>
-                <a:latin typeface="Google Sans"/>
-              </a:rPr>
-              <a:t>)</a:t>
-            </a:r>
-            <a:r>
-              <a:rPr lang="en-GB" baseline="-25000" dirty="0">
-                <a:solidFill>
-                  <a:srgbClr val="202124"/>
-                </a:solidFill>
-                <a:latin typeface="Google Sans"/>
-              </a:rPr>
-              <a:t>t+1</a:t>
-            </a:r>
-            <a:r>
-              <a:rPr lang="en-GB" dirty="0">
-                <a:solidFill>
-                  <a:srgbClr val="202124"/>
-                </a:solidFill>
-                <a:latin typeface="Google Sans"/>
-              </a:rPr>
-              <a:t> +  </a:t>
-            </a:r>
-            <a:endParaRPr lang="en-GB" dirty="0"/>
-          </a:p>
-        </p:txBody>
-      </p:sp>
-      <p:pic>
-        <p:nvPicPr>
-          <p:cNvPr id="6" name="Picture 5">
-            <a:extLst>
-              <a:ext uri="{FF2B5EF4-FFF2-40B4-BE49-F238E27FC236}">
-                <a16:creationId xmlns:a16="http://schemas.microsoft.com/office/drawing/2014/main" id="{7151511C-C35E-8789-C55B-B1A5C394122F}"/>
-              </a:ext>
-            </a:extLst>
-          </p:cNvPr>
-          <p:cNvPicPr>
-            <a:picLocks noChangeAspect="1"/>
-          </p:cNvPicPr>
-          <p:nvPr/>
-        </p:nvPicPr>
-        <p:blipFill>
-          <a:blip r:embed="rId3"/>
-          <a:stretch>
-            <a:fillRect/>
-          </a:stretch>
-        </p:blipFill>
-        <p:spPr>
-          <a:xfrm>
-            <a:off x="4717205" y="4879424"/>
-            <a:ext cx="2553865" cy="776285"/>
-          </a:xfrm>
-          <a:prstGeom prst="rect">
-            <a:avLst/>
-          </a:prstGeom>
-        </p:spPr>
-      </p:pic>
-      <p:sp>
-        <p:nvSpPr>
-          <p:cNvPr id="7" name="TextBox 6">
-            <a:extLst>
-              <a:ext uri="{FF2B5EF4-FFF2-40B4-BE49-F238E27FC236}">
-                <a16:creationId xmlns:a16="http://schemas.microsoft.com/office/drawing/2014/main" id="{6A527AFF-1010-7C44-4F7B-0822E6ACA0D5}"/>
-              </a:ext>
-            </a:extLst>
-          </p:cNvPr>
-          <p:cNvSpPr txBox="1"/>
-          <p:nvPr/>
-        </p:nvSpPr>
-        <p:spPr>
-          <a:xfrm>
-            <a:off x="4838864" y="4789317"/>
-            <a:ext cx="153054" cy="369332"/>
-          </a:xfrm>
-          <a:prstGeom prst="rect">
-            <a:avLst/>
-          </a:prstGeom>
-          <a:noFill/>
-        </p:spPr>
-        <p:txBody>
-          <a:bodyPr wrap="square" rtlCol="0">
-            <a:spAutoFit/>
-          </a:bodyPr>
-          <a:lstStyle/>
-          <a:p>
-            <a:r>
-              <a:rPr lang="en-GB" dirty="0"/>
-              <a:t>3</a:t>
-            </a:r>
-          </a:p>
-        </p:txBody>
-      </p:sp>
-      <p:pic>
-        <p:nvPicPr>
-          <p:cNvPr id="9" name="Picture 8">
-            <a:extLst>
-              <a:ext uri="{FF2B5EF4-FFF2-40B4-BE49-F238E27FC236}">
-                <a16:creationId xmlns:a16="http://schemas.microsoft.com/office/drawing/2014/main" id="{419152EF-401C-85F0-687F-11185FF251FE}"/>
-              </a:ext>
-            </a:extLst>
-          </p:cNvPr>
-          <p:cNvPicPr>
-            <a:picLocks noChangeAspect="1"/>
-          </p:cNvPicPr>
-          <p:nvPr/>
-        </p:nvPicPr>
-        <p:blipFill>
-          <a:blip r:embed="rId4"/>
-          <a:stretch>
-            <a:fillRect/>
-          </a:stretch>
-        </p:blipFill>
-        <p:spPr>
-          <a:xfrm>
-            <a:off x="7095491" y="3879685"/>
-            <a:ext cx="2401123" cy="2060343"/>
-          </a:xfrm>
-          <a:prstGeom prst="rect">
-            <a:avLst/>
-          </a:prstGeom>
-        </p:spPr>
-      </p:pic>
-      <p:sp>
-        <p:nvSpPr>
-          <p:cNvPr id="10" name="TextBox 9">
-            <a:extLst>
-              <a:ext uri="{FF2B5EF4-FFF2-40B4-BE49-F238E27FC236}">
-                <a16:creationId xmlns:a16="http://schemas.microsoft.com/office/drawing/2014/main" id="{50D153F0-00A1-5B2E-7E70-FB42737F0AD2}"/>
-              </a:ext>
-            </a:extLst>
-          </p:cNvPr>
-          <p:cNvSpPr txBox="1"/>
-          <p:nvPr/>
-        </p:nvSpPr>
-        <p:spPr>
-          <a:xfrm>
-            <a:off x="7432934" y="5940028"/>
-            <a:ext cx="4591622" cy="646331"/>
-          </a:xfrm>
-          <a:prstGeom prst="rect">
-            <a:avLst/>
-          </a:prstGeom>
-          <a:noFill/>
-        </p:spPr>
-        <p:txBody>
-          <a:bodyPr wrap="square" rtlCol="0">
-            <a:spAutoFit/>
-          </a:bodyPr>
-          <a:lstStyle/>
-          <a:p>
-            <a:r>
-              <a:rPr lang="en-GB" dirty="0"/>
-              <a:t>r(</a:t>
-            </a:r>
-            <a:r>
-              <a:rPr lang="en-GB" dirty="0" err="1"/>
-              <a:t>s,a</a:t>
-            </a:r>
-            <a:r>
-              <a:rPr lang="en-GB" dirty="0"/>
-              <a:t>)=1		                  r(</a:t>
-            </a:r>
-            <a:r>
-              <a:rPr lang="en-GB" dirty="0" err="1"/>
-              <a:t>s,a</a:t>
-            </a:r>
-            <a:r>
-              <a:rPr lang="en-GB" dirty="0"/>
-              <a:t>)=0</a:t>
-            </a:r>
-          </a:p>
-          <a:p>
-            <a:r>
-              <a:rPr lang="en-GB" dirty="0"/>
-              <a:t>	</a:t>
-            </a:r>
-          </a:p>
-        </p:txBody>
-      </p:sp>
-      <p:pic>
-        <p:nvPicPr>
-          <p:cNvPr id="12" name="Picture 11">
-            <a:extLst>
-              <a:ext uri="{FF2B5EF4-FFF2-40B4-BE49-F238E27FC236}">
-                <a16:creationId xmlns:a16="http://schemas.microsoft.com/office/drawing/2014/main" id="{A2FFA649-C357-6BEF-1775-D8E0CA2F8B26}"/>
-              </a:ext>
-            </a:extLst>
-          </p:cNvPr>
-          <p:cNvPicPr>
-            <a:picLocks noChangeAspect="1"/>
-          </p:cNvPicPr>
-          <p:nvPr/>
-        </p:nvPicPr>
-        <p:blipFill>
-          <a:blip r:embed="rId5"/>
-          <a:stretch>
-            <a:fillRect/>
-          </a:stretch>
-        </p:blipFill>
-        <p:spPr>
-          <a:xfrm>
-            <a:off x="9715744" y="3894841"/>
-            <a:ext cx="2390257" cy="2030030"/>
-          </a:xfrm>
-          <a:prstGeom prst="rect">
-            <a:avLst/>
-          </a:prstGeom>
-        </p:spPr>
-      </p:pic>
-      <p:sp>
-        <p:nvSpPr>
-          <p:cNvPr id="13" name="TextBox 12">
-            <a:extLst>
-              <a:ext uri="{FF2B5EF4-FFF2-40B4-BE49-F238E27FC236}">
-                <a16:creationId xmlns:a16="http://schemas.microsoft.com/office/drawing/2014/main" id="{73CE0170-D8D1-EBD6-610E-000C4EEA8476}"/>
-              </a:ext>
-            </a:extLst>
-          </p:cNvPr>
-          <p:cNvSpPr txBox="1"/>
-          <p:nvPr/>
-        </p:nvSpPr>
-        <p:spPr>
-          <a:xfrm>
-            <a:off x="8104017" y="3417666"/>
-            <a:ext cx="1522692" cy="369332"/>
-          </a:xfrm>
-          <a:prstGeom prst="rect">
-            <a:avLst/>
-          </a:prstGeom>
-          <a:noFill/>
-        </p:spPr>
-        <p:txBody>
-          <a:bodyPr wrap="square" rtlCol="0">
-            <a:spAutoFit/>
-          </a:bodyPr>
-          <a:lstStyle/>
-          <a:p>
-            <a:r>
-              <a:rPr lang="en-GB" dirty="0"/>
-              <a:t>S</a:t>
-            </a:r>
-          </a:p>
-        </p:txBody>
-      </p:sp>
-      <p:sp>
-        <p:nvSpPr>
-          <p:cNvPr id="14" name="TextBox 13">
-            <a:extLst>
-              <a:ext uri="{FF2B5EF4-FFF2-40B4-BE49-F238E27FC236}">
-                <a16:creationId xmlns:a16="http://schemas.microsoft.com/office/drawing/2014/main" id="{5FD5EB32-8C5A-CB3E-7357-DBC9F3EE2E53}"/>
-              </a:ext>
-            </a:extLst>
-          </p:cNvPr>
-          <p:cNvSpPr txBox="1"/>
-          <p:nvPr/>
-        </p:nvSpPr>
-        <p:spPr>
-          <a:xfrm>
-            <a:off x="10665594" y="3397781"/>
-            <a:ext cx="1063529" cy="369332"/>
-          </a:xfrm>
-          <a:prstGeom prst="rect">
-            <a:avLst/>
-          </a:prstGeom>
-          <a:noFill/>
-        </p:spPr>
-        <p:txBody>
-          <a:bodyPr wrap="square" rtlCol="0">
-            <a:spAutoFit/>
-          </a:bodyPr>
-          <a:lstStyle/>
-          <a:p>
-            <a:r>
-              <a:rPr lang="en-GB" dirty="0"/>
-              <a:t>S’</a:t>
-            </a:r>
-          </a:p>
-        </p:txBody>
-      </p:sp>
-      <p:pic>
-        <p:nvPicPr>
-          <p:cNvPr id="16" name="Picture 15">
-            <a:extLst>
-              <a:ext uri="{FF2B5EF4-FFF2-40B4-BE49-F238E27FC236}">
-                <a16:creationId xmlns:a16="http://schemas.microsoft.com/office/drawing/2014/main" id="{D6FCA5B3-1EBA-E78D-B904-E9701F5BD450}"/>
-              </a:ext>
-            </a:extLst>
-          </p:cNvPr>
-          <p:cNvPicPr>
-            <a:picLocks noChangeAspect="1"/>
-          </p:cNvPicPr>
-          <p:nvPr/>
-        </p:nvPicPr>
-        <p:blipFill>
-          <a:blip r:embed="rId6"/>
-          <a:stretch>
-            <a:fillRect/>
-          </a:stretch>
-        </p:blipFill>
-        <p:spPr>
-          <a:xfrm>
-            <a:off x="8723425" y="546501"/>
-            <a:ext cx="2187447" cy="1778284"/>
-          </a:xfrm>
-          <a:prstGeom prst="rect">
-            <a:avLst/>
-          </a:prstGeom>
-        </p:spPr>
-      </p:pic>
-      <p:sp>
-        <p:nvSpPr>
-          <p:cNvPr id="17" name="TextBox 16">
-            <a:extLst>
-              <a:ext uri="{FF2B5EF4-FFF2-40B4-BE49-F238E27FC236}">
-                <a16:creationId xmlns:a16="http://schemas.microsoft.com/office/drawing/2014/main" id="{93E465CD-83E9-E2CE-5F94-02E075961B3F}"/>
-              </a:ext>
-            </a:extLst>
-          </p:cNvPr>
-          <p:cNvSpPr txBox="1"/>
-          <p:nvPr/>
-        </p:nvSpPr>
-        <p:spPr>
-          <a:xfrm>
-            <a:off x="9191094" y="62791"/>
-            <a:ext cx="1401033" cy="369332"/>
-          </a:xfrm>
-          <a:prstGeom prst="rect">
-            <a:avLst/>
-          </a:prstGeom>
-          <a:noFill/>
-        </p:spPr>
-        <p:txBody>
-          <a:bodyPr wrap="square" rtlCol="0">
-            <a:spAutoFit/>
-          </a:bodyPr>
-          <a:lstStyle/>
-          <a:p>
-            <a:r>
-              <a:rPr lang="en-GB" dirty="0"/>
-              <a:t>S’’’</a:t>
-            </a:r>
-          </a:p>
-        </p:txBody>
-      </p:sp>
-      <p:sp>
-        <p:nvSpPr>
-          <p:cNvPr id="18" name="TextBox 17">
-            <a:extLst>
-              <a:ext uri="{FF2B5EF4-FFF2-40B4-BE49-F238E27FC236}">
-                <a16:creationId xmlns:a16="http://schemas.microsoft.com/office/drawing/2014/main" id="{292BBC89-05FE-3B32-0FAB-23476E660E77}"/>
-              </a:ext>
-            </a:extLst>
-          </p:cNvPr>
-          <p:cNvSpPr txBox="1"/>
-          <p:nvPr/>
-        </p:nvSpPr>
-        <p:spPr>
-          <a:xfrm>
-            <a:off x="6436120" y="4789317"/>
-            <a:ext cx="387437" cy="646331"/>
-          </a:xfrm>
-          <a:prstGeom prst="rect">
-            <a:avLst/>
-          </a:prstGeom>
-          <a:noFill/>
-        </p:spPr>
-        <p:txBody>
-          <a:bodyPr wrap="square" rtlCol="0">
-            <a:spAutoFit/>
-          </a:bodyPr>
-          <a:lstStyle/>
-          <a:p>
-            <a:r>
-              <a:rPr lang="en-GB" sz="3600" dirty="0"/>
-              <a:t>‘’</a:t>
-            </a:r>
-          </a:p>
-        </p:txBody>
-      </p:sp>
-      <p:sp>
-        <p:nvSpPr>
-          <p:cNvPr id="19" name="TextBox 18">
-            <a:extLst>
-              <a:ext uri="{FF2B5EF4-FFF2-40B4-BE49-F238E27FC236}">
-                <a16:creationId xmlns:a16="http://schemas.microsoft.com/office/drawing/2014/main" id="{E4E76202-9C87-0944-40C6-CFD6DC343124}"/>
-              </a:ext>
-            </a:extLst>
-          </p:cNvPr>
-          <p:cNvSpPr txBox="1"/>
-          <p:nvPr/>
-        </p:nvSpPr>
-        <p:spPr>
-          <a:xfrm>
-            <a:off x="-21710" y="4161882"/>
-            <a:ext cx="741723" cy="369332"/>
-          </a:xfrm>
-          <a:prstGeom prst="rect">
-            <a:avLst/>
-          </a:prstGeom>
-          <a:noFill/>
-        </p:spPr>
-        <p:txBody>
-          <a:bodyPr wrap="square" rtlCol="0">
-            <a:spAutoFit/>
-          </a:bodyPr>
-          <a:lstStyle/>
-          <a:p>
-            <a:r>
-              <a:rPr lang="en-GB" dirty="0"/>
-              <a:t>N=1</a:t>
-            </a:r>
-          </a:p>
-        </p:txBody>
-      </p:sp>
-      <p:sp>
-        <p:nvSpPr>
-          <p:cNvPr id="20" name="TextBox 19">
-            <a:extLst>
-              <a:ext uri="{FF2B5EF4-FFF2-40B4-BE49-F238E27FC236}">
-                <a16:creationId xmlns:a16="http://schemas.microsoft.com/office/drawing/2014/main" id="{B2A1F00E-89DE-16D2-A86A-21B0F72762AD}"/>
-              </a:ext>
-            </a:extLst>
-          </p:cNvPr>
-          <p:cNvSpPr txBox="1"/>
-          <p:nvPr/>
-        </p:nvSpPr>
-        <p:spPr>
-          <a:xfrm>
-            <a:off x="0" y="4964600"/>
-            <a:ext cx="741723" cy="369332"/>
-          </a:xfrm>
-          <a:prstGeom prst="rect">
-            <a:avLst/>
-          </a:prstGeom>
-          <a:noFill/>
-        </p:spPr>
-        <p:txBody>
-          <a:bodyPr wrap="square" rtlCol="0">
-            <a:spAutoFit/>
-          </a:bodyPr>
-          <a:lstStyle/>
-          <a:p>
-            <a:r>
-              <a:rPr lang="en-GB" dirty="0"/>
-              <a:t>N=3</a:t>
+              <a:t>Continuing to explore reasons for my results</a:t>
             </a:r>
           </a:p>
         </p:txBody>
@@ -6303,7 +6550,7 @@
     </p:spTree>
     <p:extLst>
       <p:ext uri="{BB962C8B-B14F-4D97-AF65-F5344CB8AC3E}">
-        <p14:creationId xmlns:p14="http://schemas.microsoft.com/office/powerpoint/2010/main" val="2733483238"/>
+        <p14:creationId xmlns:p14="http://schemas.microsoft.com/office/powerpoint/2010/main" val="2106632502"/>
       </p:ext>
     </p:extLst>
   </p:cSld>
@@ -6313,7 +6560,7 @@
 </p:sld>
 </file>
 
-<file path=ppt/slides/slide11.xml><?xml version="1.0" encoding="utf-8"?>
+<file path=ppt/slides/slide3.xml><?xml version="1.0" encoding="utf-8"?>
 <p:sld xmlns:a="http://schemas.openxmlformats.org/drawingml/2006/main" xmlns:r="http://schemas.openxmlformats.org/officeDocument/2006/relationships" xmlns:p="http://schemas.openxmlformats.org/presentationml/2006/main">
   <p:cSld>
     <p:spTree>
@@ -6335,7 +6582,7 @@
           <p:cNvPr id="2" name="Title 1">
             <a:extLst>
               <a:ext uri="{FF2B5EF4-FFF2-40B4-BE49-F238E27FC236}">
-                <a16:creationId xmlns:a16="http://schemas.microsoft.com/office/drawing/2014/main" id="{BD1E7AB4-96C3-9355-BE84-51AB64F5330E}"/>
+                <a16:creationId xmlns:a16="http://schemas.microsoft.com/office/drawing/2014/main" id="{2B2C7657-E009-F0A6-AB26-BBF785AA2DCE}"/>
               </a:ext>
             </a:extLst>
           </p:cNvPr>
@@ -6353,7 +6600,7 @@
           <a:p>
             <a:r>
               <a:rPr lang="en-GB" dirty="0"/>
-              <a:t>Test</a:t>
+              <a:t>Key Focus of my dissertation</a:t>
             </a:r>
           </a:p>
         </p:txBody>
@@ -6363,7 +6610,7 @@
           <p:cNvPr id="3" name="Content Placeholder 2">
             <a:extLst>
               <a:ext uri="{FF2B5EF4-FFF2-40B4-BE49-F238E27FC236}">
-                <a16:creationId xmlns:a16="http://schemas.microsoft.com/office/drawing/2014/main" id="{19BE6B0A-BC31-361B-1D78-6AF04DBF6FFD}"/>
+                <a16:creationId xmlns:a16="http://schemas.microsoft.com/office/drawing/2014/main" id="{F3C7F5EA-E912-85E4-9EFD-802A8BB1F679}"/>
               </a:ext>
             </a:extLst>
           </p:cNvPr>
@@ -6374,28 +6621,533 @@
             <p:ph idx="1"/>
           </p:nvPr>
         </p:nvSpPr>
-        <p:spPr/>
+        <p:spPr>
+          <a:xfrm>
+            <a:off x="341584" y="5075338"/>
+            <a:ext cx="10168128" cy="1611947"/>
+          </a:xfrm>
+        </p:spPr>
         <p:txBody>
           <a:bodyPr/>
           <a:lstStyle/>
           <a:p>
             <a:r>
               <a:rPr lang="en-GB" dirty="0"/>
-              <a:t>Instead of relying on n-step to make us look past the reward, just give the rewards a spread.</a:t>
+              <a:t>N-step is clearly the major driver behind policy churn. I believe this to be currently unknown by many RL researchers</a:t>
             </a:r>
           </a:p>
           <a:p>
             <a:r>
               <a:rPr lang="en-GB" dirty="0"/>
-              <a:t>Instead of receiving over the next 5 timesteps [1,0,0,0,0], receive [0.2, 0.2, 0.2, 0.2, 0.2]</a:t>
+              <a:t>I then want to find a reason for this pattern</a:t>
             </a:r>
           </a:p>
         </p:txBody>
       </p:sp>
+      <p:graphicFrame>
+        <p:nvGraphicFramePr>
+          <p:cNvPr id="4" name="Table 4">
+            <a:extLst>
+              <a:ext uri="{FF2B5EF4-FFF2-40B4-BE49-F238E27FC236}">
+                <a16:creationId xmlns:a16="http://schemas.microsoft.com/office/drawing/2014/main" id="{10C53300-ED5C-2168-CF1C-5D46BB330402}"/>
+              </a:ext>
+            </a:extLst>
+          </p:cNvPr>
+          <p:cNvGraphicFramePr>
+            <a:graphicFrameLocks/>
+          </p:cNvGraphicFramePr>
+          <p:nvPr>
+            <p:extLst>
+              <p:ext uri="{D42A27DB-BD31-4B8C-83A1-F6EECF244321}">
+                <p14:modId xmlns:p14="http://schemas.microsoft.com/office/powerpoint/2010/main" val="1185510097"/>
+              </p:ext>
+            </p:extLst>
+          </p:nvPr>
+        </p:nvGraphicFramePr>
+        <p:xfrm>
+          <a:off x="282861" y="1409434"/>
+          <a:ext cx="10435147" cy="2651760"/>
+        </p:xfrm>
+        <a:graphic>
+          <a:graphicData uri="http://schemas.openxmlformats.org/drawingml/2006/table">
+            <a:tbl>
+              <a:tblPr firstCol="1" bandRow="1">
+                <a:tableStyleId>{5C22544A-7EE6-4342-B048-85BDC9FD1C3A}</a:tableStyleId>
+              </a:tblPr>
+              <a:tblGrid>
+                <a:gridCol w="1785630">
+                  <a:extLst>
+                    <a:ext uri="{9D8B030D-6E8A-4147-A177-3AD203B41FA5}">
+                      <a16:colId xmlns:a16="http://schemas.microsoft.com/office/drawing/2014/main" val="4255414579"/>
+                    </a:ext>
+                  </a:extLst>
+                </a:gridCol>
+                <a:gridCol w="1177337">
+                  <a:extLst>
+                    <a:ext uri="{9D8B030D-6E8A-4147-A177-3AD203B41FA5}">
+                      <a16:colId xmlns:a16="http://schemas.microsoft.com/office/drawing/2014/main" val="996843923"/>
+                    </a:ext>
+                  </a:extLst>
+                </a:gridCol>
+                <a:gridCol w="1235892">
+                  <a:extLst>
+                    <a:ext uri="{9D8B030D-6E8A-4147-A177-3AD203B41FA5}">
+                      <a16:colId xmlns:a16="http://schemas.microsoft.com/office/drawing/2014/main" val="3559425137"/>
+                    </a:ext>
+                  </a:extLst>
+                </a:gridCol>
+                <a:gridCol w="1868361">
+                  <a:extLst>
+                    <a:ext uri="{9D8B030D-6E8A-4147-A177-3AD203B41FA5}">
+                      <a16:colId xmlns:a16="http://schemas.microsoft.com/office/drawing/2014/main" val="1334783072"/>
+                    </a:ext>
+                  </a:extLst>
+                </a:gridCol>
+                <a:gridCol w="2264414">
+                  <a:extLst>
+                    <a:ext uri="{9D8B030D-6E8A-4147-A177-3AD203B41FA5}">
+                      <a16:colId xmlns:a16="http://schemas.microsoft.com/office/drawing/2014/main" val="2824663947"/>
+                    </a:ext>
+                  </a:extLst>
+                </a:gridCol>
+                <a:gridCol w="2103513">
+                  <a:extLst>
+                    <a:ext uri="{9D8B030D-6E8A-4147-A177-3AD203B41FA5}">
+                      <a16:colId xmlns:a16="http://schemas.microsoft.com/office/drawing/2014/main" val="3874905528"/>
+                    </a:ext>
+                  </a:extLst>
+                </a:gridCol>
+              </a:tblGrid>
+              <a:tr h="382038">
+                <a:tc>
+                  <a:txBody>
+                    <a:bodyPr/>
+                    <a:lstStyle/>
+                    <a:p>
+                      <a:endParaRPr lang="en-GB" sz="1800" dirty="0"/>
+                    </a:p>
+                  </a:txBody>
+                  <a:tcPr/>
+                </a:tc>
+                <a:tc>
+                  <a:txBody>
+                    <a:bodyPr/>
+                    <a:lstStyle/>
+                    <a:p>
+                      <a:r>
+                        <a:rPr lang="en-GB" sz="2400" dirty="0"/>
+                        <a:t>Early Churn</a:t>
+                      </a:r>
+                    </a:p>
+                  </a:txBody>
+                  <a:tcPr/>
+                </a:tc>
+                <a:tc>
+                  <a:txBody>
+                    <a:bodyPr/>
+                    <a:lstStyle/>
+                    <a:p>
+                      <a:r>
+                        <a:rPr lang="en-GB" sz="2400" dirty="0"/>
+                        <a:t>Late Churn</a:t>
+                      </a:r>
+                    </a:p>
+                  </a:txBody>
+                  <a:tcPr/>
+                </a:tc>
+                <a:tc>
+                  <a:txBody>
+                    <a:bodyPr/>
+                    <a:lstStyle/>
+                    <a:p>
+                      <a:r>
+                        <a:rPr lang="en-GB" sz="2400" dirty="0"/>
+                        <a:t>Performance</a:t>
+                      </a:r>
+                    </a:p>
+                  </a:txBody>
+                  <a:tcPr/>
+                </a:tc>
+                <a:tc>
+                  <a:txBody>
+                    <a:bodyPr/>
+                    <a:lstStyle/>
+                    <a:p>
+                      <a:r>
+                        <a:rPr lang="en-GB" sz="2400" dirty="0"/>
+                        <a:t>0% Churn Rate Early</a:t>
+                      </a:r>
+                    </a:p>
+                  </a:txBody>
+                  <a:tcPr/>
+                </a:tc>
+                <a:tc>
+                  <a:txBody>
+                    <a:bodyPr/>
+                    <a:lstStyle/>
+                    <a:p>
+                      <a:r>
+                        <a:rPr lang="en-GB" sz="2400" dirty="0"/>
+                        <a:t>0% Churn Rate Late</a:t>
+                      </a:r>
+                    </a:p>
+                  </a:txBody>
+                  <a:tcPr/>
+                </a:tc>
+                <a:extLst>
+                  <a:ext uri="{0D108BD9-81ED-4DB2-BD59-A6C34878D82A}">
+                    <a16:rowId xmlns:a16="http://schemas.microsoft.com/office/drawing/2014/main" val="1536285900"/>
+                  </a:ext>
+                </a:extLst>
+              </a:tr>
+              <a:tr h="382038">
+                <a:tc>
+                  <a:txBody>
+                    <a:bodyPr/>
+                    <a:lstStyle/>
+                    <a:p>
+                      <a:r>
+                        <a:rPr lang="en-GB" sz="1600" dirty="0"/>
+                        <a:t>DDQN n-step=20</a:t>
+                      </a:r>
+                    </a:p>
+                  </a:txBody>
+                  <a:tcPr/>
+                </a:tc>
+                <a:tc>
+                  <a:txBody>
+                    <a:bodyPr/>
+                    <a:lstStyle/>
+                    <a:p>
+                      <a:r>
+                        <a:rPr lang="en-GB" sz="2400" dirty="0"/>
+                        <a:t>3.2%</a:t>
+                      </a:r>
+                    </a:p>
+                  </a:txBody>
+                  <a:tcPr/>
+                </a:tc>
+                <a:tc>
+                  <a:txBody>
+                    <a:bodyPr/>
+                    <a:lstStyle/>
+                    <a:p>
+                      <a:r>
+                        <a:rPr lang="en-GB" sz="2400" dirty="0"/>
+                        <a:t>1.6%</a:t>
+                      </a:r>
+                    </a:p>
+                  </a:txBody>
+                  <a:tcPr/>
+                </a:tc>
+                <a:tc>
+                  <a:txBody>
+                    <a:bodyPr/>
+                    <a:lstStyle/>
+                    <a:p>
+                      <a:r>
+                        <a:rPr lang="en-GB" sz="2400" dirty="0"/>
+                        <a:t>0.055</a:t>
+                      </a:r>
+                    </a:p>
+                  </a:txBody>
+                  <a:tcPr/>
+                </a:tc>
+                <a:tc>
+                  <a:txBody>
+                    <a:bodyPr/>
+                    <a:lstStyle/>
+                    <a:p>
+                      <a:r>
+                        <a:rPr lang="en-GB" sz="2400" dirty="0"/>
+                        <a:t>7.8%</a:t>
+                      </a:r>
+                    </a:p>
+                  </a:txBody>
+                  <a:tcPr/>
+                </a:tc>
+                <a:tc>
+                  <a:txBody>
+                    <a:bodyPr/>
+                    <a:lstStyle/>
+                    <a:p>
+                      <a:r>
+                        <a:rPr lang="en-GB" sz="2400" dirty="0"/>
+                        <a:t>0%</a:t>
+                      </a:r>
+                    </a:p>
+                  </a:txBody>
+                  <a:tcPr/>
+                </a:tc>
+                <a:extLst>
+                  <a:ext uri="{0D108BD9-81ED-4DB2-BD59-A6C34878D82A}">
+                    <a16:rowId xmlns:a16="http://schemas.microsoft.com/office/drawing/2014/main" val="3649805654"/>
+                  </a:ext>
+                </a:extLst>
+              </a:tr>
+              <a:tr h="370840">
+                <a:tc>
+                  <a:txBody>
+                    <a:bodyPr/>
+                    <a:lstStyle/>
+                    <a:p>
+                      <a:r>
+                        <a:rPr lang="en-GB" sz="1600" dirty="0"/>
+                        <a:t>DDQN n-step=10</a:t>
+                      </a:r>
+                    </a:p>
+                  </a:txBody>
+                  <a:tcPr/>
+                </a:tc>
+                <a:tc>
+                  <a:txBody>
+                    <a:bodyPr/>
+                    <a:lstStyle/>
+                    <a:p>
+                      <a:r>
+                        <a:rPr lang="en-GB" sz="2400" dirty="0"/>
+                        <a:t>3.8%</a:t>
+                      </a:r>
+                    </a:p>
+                  </a:txBody>
+                  <a:tcPr/>
+                </a:tc>
+                <a:tc>
+                  <a:txBody>
+                    <a:bodyPr/>
+                    <a:lstStyle/>
+                    <a:p>
+                      <a:r>
+                        <a:rPr lang="en-GB" sz="2400" dirty="0"/>
+                        <a:t>1.9%</a:t>
+                      </a:r>
+                    </a:p>
+                  </a:txBody>
+                  <a:tcPr/>
+                </a:tc>
+                <a:tc>
+                  <a:txBody>
+                    <a:bodyPr/>
+                    <a:lstStyle/>
+                    <a:p>
+                      <a:r>
+                        <a:rPr lang="en-GB" sz="2400" dirty="0"/>
+                        <a:t>-</a:t>
+                      </a:r>
+                    </a:p>
+                  </a:txBody>
+                  <a:tcPr/>
+                </a:tc>
+                <a:tc>
+                  <a:txBody>
+                    <a:bodyPr/>
+                    <a:lstStyle/>
+                    <a:p>
+                      <a:r>
+                        <a:rPr lang="en-GB" sz="2400" dirty="0"/>
+                        <a:t>9.1%</a:t>
+                      </a:r>
+                    </a:p>
+                  </a:txBody>
+                  <a:tcPr/>
+                </a:tc>
+                <a:tc>
+                  <a:txBody>
+                    <a:bodyPr/>
+                    <a:lstStyle/>
+                    <a:p>
+                      <a:r>
+                        <a:rPr lang="en-GB" sz="2400" dirty="0"/>
+                        <a:t>0%</a:t>
+                      </a:r>
+                    </a:p>
+                  </a:txBody>
+                  <a:tcPr/>
+                </a:tc>
+                <a:extLst>
+                  <a:ext uri="{0D108BD9-81ED-4DB2-BD59-A6C34878D82A}">
+                    <a16:rowId xmlns:a16="http://schemas.microsoft.com/office/drawing/2014/main" val="3231117332"/>
+                  </a:ext>
+                </a:extLst>
+              </a:tr>
+              <a:tr h="184638">
+                <a:tc>
+                  <a:txBody>
+                    <a:bodyPr/>
+                    <a:lstStyle/>
+                    <a:p>
+                      <a:r>
+                        <a:rPr lang="en-GB" sz="1600" dirty="0"/>
+                        <a:t>DDQN n-step=3</a:t>
+                      </a:r>
+                    </a:p>
+                  </a:txBody>
+                  <a:tcPr/>
+                </a:tc>
+                <a:tc>
+                  <a:txBody>
+                    <a:bodyPr/>
+                    <a:lstStyle/>
+                    <a:p>
+                      <a:r>
+                        <a:rPr lang="en-GB" sz="2400" dirty="0"/>
+                        <a:t>5.6%</a:t>
+                      </a:r>
+                    </a:p>
+                  </a:txBody>
+                  <a:tcPr/>
+                </a:tc>
+                <a:tc>
+                  <a:txBody>
+                    <a:bodyPr/>
+                    <a:lstStyle/>
+                    <a:p>
+                      <a:r>
+                        <a:rPr lang="en-GB" sz="2400" dirty="0"/>
+                        <a:t>2.8%</a:t>
+                      </a:r>
+                    </a:p>
+                  </a:txBody>
+                  <a:tcPr/>
+                </a:tc>
+                <a:tc>
+                  <a:txBody>
+                    <a:bodyPr/>
+                    <a:lstStyle/>
+                    <a:p>
+                      <a:r>
+                        <a:rPr lang="en-GB" sz="2400" dirty="0"/>
+                        <a:t>0.127</a:t>
+                      </a:r>
+                    </a:p>
+                  </a:txBody>
+                  <a:tcPr/>
+                </a:tc>
+                <a:tc>
+                  <a:txBody>
+                    <a:bodyPr/>
+                    <a:lstStyle/>
+                    <a:p>
+                      <a:r>
+                        <a:rPr lang="en-GB" sz="2400" dirty="0"/>
+                        <a:t>15.7%</a:t>
+                      </a:r>
+                    </a:p>
+                  </a:txBody>
+                  <a:tcPr/>
+                </a:tc>
+                <a:tc>
+                  <a:txBody>
+                    <a:bodyPr/>
+                    <a:lstStyle/>
+                    <a:p>
+                      <a:r>
+                        <a:rPr lang="en-GB" sz="2400" dirty="0"/>
+                        <a:t>3.8%</a:t>
+                      </a:r>
+                    </a:p>
+                  </a:txBody>
+                  <a:tcPr/>
+                </a:tc>
+                <a:extLst>
+                  <a:ext uri="{0D108BD9-81ED-4DB2-BD59-A6C34878D82A}">
+                    <a16:rowId xmlns:a16="http://schemas.microsoft.com/office/drawing/2014/main" val="1426501908"/>
+                  </a:ext>
+                </a:extLst>
+              </a:tr>
+              <a:tr h="184638">
+                <a:tc>
+                  <a:txBody>
+                    <a:bodyPr/>
+                    <a:lstStyle/>
+                    <a:p>
+                      <a:r>
+                        <a:rPr lang="en-GB" sz="1600" dirty="0"/>
+                        <a:t>DDQN n-step=1</a:t>
+                      </a:r>
+                    </a:p>
+                  </a:txBody>
+                  <a:tcPr/>
+                </a:tc>
+                <a:tc>
+                  <a:txBody>
+                    <a:bodyPr/>
+                    <a:lstStyle/>
+                    <a:p>
+                      <a:r>
+                        <a:rPr lang="en-GB" sz="2400" dirty="0"/>
+                        <a:t>10.9%</a:t>
+                      </a:r>
+                    </a:p>
+                  </a:txBody>
+                  <a:tcPr/>
+                </a:tc>
+                <a:tc>
+                  <a:txBody>
+                    <a:bodyPr/>
+                    <a:lstStyle/>
+                    <a:p>
+                      <a:r>
+                        <a:rPr lang="en-GB" sz="2400" dirty="0"/>
+                        <a:t>5.7%</a:t>
+                      </a:r>
+                    </a:p>
+                  </a:txBody>
+                  <a:tcPr/>
+                </a:tc>
+                <a:tc>
+                  <a:txBody>
+                    <a:bodyPr/>
+                    <a:lstStyle/>
+                    <a:p>
+                      <a:r>
+                        <a:rPr lang="en-GB" sz="2400" dirty="0"/>
+                        <a:t>0.036</a:t>
+                      </a:r>
+                    </a:p>
+                  </a:txBody>
+                  <a:tcPr/>
+                </a:tc>
+                <a:tc>
+                  <a:txBody>
+                    <a:bodyPr/>
+                    <a:lstStyle/>
+                    <a:p>
+                      <a:r>
+                        <a:rPr lang="en-GB" sz="2400" dirty="0"/>
+                        <a:t>29.2%</a:t>
+                      </a:r>
+                    </a:p>
+                  </a:txBody>
+                  <a:tcPr/>
+                </a:tc>
+                <a:tc>
+                  <a:txBody>
+                    <a:bodyPr/>
+                    <a:lstStyle/>
+                    <a:p>
+                      <a:r>
+                        <a:rPr lang="en-GB" sz="2400" dirty="0"/>
+                        <a:t>4.7%</a:t>
+                      </a:r>
+                    </a:p>
+                  </a:txBody>
+                  <a:tcPr/>
+                </a:tc>
+                <a:extLst>
+                  <a:ext uri="{0D108BD9-81ED-4DB2-BD59-A6C34878D82A}">
+                    <a16:rowId xmlns:a16="http://schemas.microsoft.com/office/drawing/2014/main" val="1465530293"/>
+                  </a:ext>
+                </a:extLst>
+              </a:tr>
+            </a:tbl>
+          </a:graphicData>
+        </a:graphic>
+      </p:graphicFrame>
     </p:spTree>
     <p:extLst>
       <p:ext uri="{BB962C8B-B14F-4D97-AF65-F5344CB8AC3E}">
-        <p14:creationId xmlns:p14="http://schemas.microsoft.com/office/powerpoint/2010/main" val="3758210290"/>
+        <p14:creationId xmlns:p14="http://schemas.microsoft.com/office/powerpoint/2010/main" val="4037181870"/>
       </p:ext>
     </p:extLst>
   </p:cSld>
@@ -6405,7 +7157,7 @@
 </p:sld>
 </file>
 
-<file path=ppt/slides/slide12.xml><?xml version="1.0" encoding="utf-8"?>
+<file path=ppt/slides/slide4.xml><?xml version="1.0" encoding="utf-8"?>
 <p:sld xmlns:a="http://schemas.openxmlformats.org/drawingml/2006/main" xmlns:r="http://schemas.openxmlformats.org/officeDocument/2006/relationships" xmlns:p="http://schemas.openxmlformats.org/presentationml/2006/main">
   <p:cSld>
     <p:spTree>
@@ -6427,7 +7179,7 @@
           <p:cNvPr id="2" name="Title 1">
             <a:extLst>
               <a:ext uri="{FF2B5EF4-FFF2-40B4-BE49-F238E27FC236}">
-                <a16:creationId xmlns:a16="http://schemas.microsoft.com/office/drawing/2014/main" id="{F4897C3C-398A-DC61-694E-359C82B4F344}"/>
+                <a16:creationId xmlns:a16="http://schemas.microsoft.com/office/drawing/2014/main" id="{32FCC883-61AA-07FC-B422-840E67AC2463}"/>
               </a:ext>
             </a:extLst>
           </p:cNvPr>
@@ -6445,345 +7197,43 @@
           <a:p>
             <a:r>
               <a:rPr lang="en-GB" dirty="0"/>
-              <a:t>Results of Reward Spiking with n-step=1</a:t>
+              <a:t>Reward to Bootstrap Ratio</a:t>
             </a:r>
           </a:p>
         </p:txBody>
       </p:sp>
-      <p:graphicFrame>
-        <p:nvGraphicFramePr>
-          <p:cNvPr id="5" name="Table 4">
-            <a:extLst>
-              <a:ext uri="{FF2B5EF4-FFF2-40B4-BE49-F238E27FC236}">
-                <a16:creationId xmlns:a16="http://schemas.microsoft.com/office/drawing/2014/main" id="{43524A06-19DF-E089-C442-2094E930B774}"/>
-              </a:ext>
-            </a:extLst>
-          </p:cNvPr>
-          <p:cNvGraphicFramePr>
-            <a:graphicFrameLocks noGrp="1"/>
-          </p:cNvGraphicFramePr>
+      <p:sp>
+        <p:nvSpPr>
+          <p:cNvPr id="3" name="Content Placeholder 2">
+            <a:extLst>
+              <a:ext uri="{FF2B5EF4-FFF2-40B4-BE49-F238E27FC236}">
+                <a16:creationId xmlns:a16="http://schemas.microsoft.com/office/drawing/2014/main" id="{1FAF1C40-4977-6630-82EB-9AA4283D8BF4}"/>
+              </a:ext>
+            </a:extLst>
+          </p:cNvPr>
+          <p:cNvSpPr>
+            <a:spLocks noGrp="1"/>
+          </p:cNvSpPr>
           <p:nvPr>
-            <p:extLst>
-              <p:ext uri="{D42A27DB-BD31-4B8C-83A1-F6EECF244321}">
-                <p14:modId xmlns:p14="http://schemas.microsoft.com/office/powerpoint/2010/main" val="1784303049"/>
-              </p:ext>
-            </p:extLst>
+            <p:ph idx="1"/>
           </p:nvPr>
-        </p:nvGraphicFramePr>
-        <p:xfrm>
-          <a:off x="532092" y="2122154"/>
-          <a:ext cx="10486165" cy="1381760"/>
-        </p:xfrm>
-        <a:graphic>
-          <a:graphicData uri="http://schemas.openxmlformats.org/drawingml/2006/table">
-            <a:tbl>
-              <a:tblPr firstCol="1" bandRow="1">
-                <a:tableStyleId>{5C22544A-7EE6-4342-B048-85BDC9FD1C3A}</a:tableStyleId>
-              </a:tblPr>
-              <a:tblGrid>
-                <a:gridCol w="2017172">
-                  <a:extLst>
-                    <a:ext uri="{9D8B030D-6E8A-4147-A177-3AD203B41FA5}">
-                      <a16:colId xmlns:a16="http://schemas.microsoft.com/office/drawing/2014/main" val="1533840876"/>
-                    </a:ext>
-                  </a:extLst>
-                </a:gridCol>
-                <a:gridCol w="996813">
-                  <a:extLst>
-                    <a:ext uri="{9D8B030D-6E8A-4147-A177-3AD203B41FA5}">
-                      <a16:colId xmlns:a16="http://schemas.microsoft.com/office/drawing/2014/main" val="2754584131"/>
-                    </a:ext>
-                  </a:extLst>
-                </a:gridCol>
-                <a:gridCol w="1235892">
-                  <a:extLst>
-                    <a:ext uri="{9D8B030D-6E8A-4147-A177-3AD203B41FA5}">
-                      <a16:colId xmlns:a16="http://schemas.microsoft.com/office/drawing/2014/main" val="456702637"/>
-                    </a:ext>
-                  </a:extLst>
-                </a:gridCol>
-                <a:gridCol w="1691759">
-                  <a:extLst>
-                    <a:ext uri="{9D8B030D-6E8A-4147-A177-3AD203B41FA5}">
-                      <a16:colId xmlns:a16="http://schemas.microsoft.com/office/drawing/2014/main" val="2706838665"/>
-                    </a:ext>
-                  </a:extLst>
-                </a:gridCol>
-                <a:gridCol w="2441016">
-                  <a:extLst>
-                    <a:ext uri="{9D8B030D-6E8A-4147-A177-3AD203B41FA5}">
-                      <a16:colId xmlns:a16="http://schemas.microsoft.com/office/drawing/2014/main" val="1682784949"/>
-                    </a:ext>
-                  </a:extLst>
-                </a:gridCol>
-                <a:gridCol w="2103513">
-                  <a:extLst>
-                    <a:ext uri="{9D8B030D-6E8A-4147-A177-3AD203B41FA5}">
-                      <a16:colId xmlns:a16="http://schemas.microsoft.com/office/drawing/2014/main" val="1705819693"/>
-                    </a:ext>
-                  </a:extLst>
-                </a:gridCol>
-              </a:tblGrid>
-              <a:tr h="370840">
-                <a:tc>
-                  <a:txBody>
-                    <a:bodyPr/>
-                    <a:lstStyle/>
-                    <a:p>
-                      <a:endParaRPr lang="en-GB" sz="1400" dirty="0"/>
-                    </a:p>
-                  </a:txBody>
-                  <a:tcPr/>
-                </a:tc>
-                <a:tc>
-                  <a:txBody>
-                    <a:bodyPr/>
-                    <a:lstStyle/>
-                    <a:p>
-                      <a:r>
-                        <a:rPr lang="en-GB" dirty="0"/>
-                        <a:t>Early Churn</a:t>
-                      </a:r>
-                    </a:p>
-                  </a:txBody>
-                  <a:tcPr/>
-                </a:tc>
-                <a:tc>
-                  <a:txBody>
-                    <a:bodyPr/>
-                    <a:lstStyle/>
-                    <a:p>
-                      <a:r>
-                        <a:rPr lang="en-GB" dirty="0"/>
-                        <a:t>Late Churn</a:t>
-                      </a:r>
-                    </a:p>
-                  </a:txBody>
-                  <a:tcPr/>
-                </a:tc>
-                <a:tc>
-                  <a:txBody>
-                    <a:bodyPr/>
-                    <a:lstStyle/>
-                    <a:p>
-                      <a:r>
-                        <a:rPr lang="en-GB" dirty="0"/>
-                        <a:t>Performance</a:t>
-                      </a:r>
-                    </a:p>
-                  </a:txBody>
-                  <a:tcPr/>
-                </a:tc>
-                <a:tc>
-                  <a:txBody>
-                    <a:bodyPr/>
-                    <a:lstStyle/>
-                    <a:p>
-                      <a:r>
-                        <a:rPr lang="en-GB" dirty="0"/>
-                        <a:t>0% Churn Rate Early</a:t>
-                      </a:r>
-                    </a:p>
-                  </a:txBody>
-                  <a:tcPr/>
-                </a:tc>
-                <a:tc>
-                  <a:txBody>
-                    <a:bodyPr/>
-                    <a:lstStyle/>
-                    <a:p>
-                      <a:r>
-                        <a:rPr lang="en-GB" dirty="0"/>
-                        <a:t>0% Churn Rate Late</a:t>
-                      </a:r>
-                    </a:p>
-                  </a:txBody>
-                  <a:tcPr/>
-                </a:tc>
-                <a:extLst>
-                  <a:ext uri="{0D108BD9-81ED-4DB2-BD59-A6C34878D82A}">
-                    <a16:rowId xmlns:a16="http://schemas.microsoft.com/office/drawing/2014/main" val="2574481117"/>
-                  </a:ext>
-                </a:extLst>
-              </a:tr>
-              <a:tr h="370840">
-                <a:tc>
-                  <a:txBody>
-                    <a:bodyPr/>
-                    <a:lstStyle/>
-                    <a:p>
-                      <a:r>
-                        <a:rPr lang="en-GB" sz="1200" dirty="0"/>
-                        <a:t>DDQN n=10</a:t>
-                      </a:r>
-                    </a:p>
-                  </a:txBody>
-                  <a:tcPr/>
-                </a:tc>
-                <a:tc>
-                  <a:txBody>
-                    <a:bodyPr/>
-                    <a:lstStyle/>
-                    <a:p>
-                      <a:r>
-                        <a:rPr lang="en-GB" dirty="0"/>
-                        <a:t>3.8%</a:t>
-                      </a:r>
-                    </a:p>
-                  </a:txBody>
-                  <a:tcPr/>
-                </a:tc>
-                <a:tc>
-                  <a:txBody>
-                    <a:bodyPr/>
-                    <a:lstStyle/>
-                    <a:p>
-                      <a:r>
-                        <a:rPr lang="en-GB" dirty="0"/>
-                        <a:t>1.9%</a:t>
-                      </a:r>
-                    </a:p>
-                  </a:txBody>
-                  <a:tcPr/>
-                </a:tc>
-                <a:tc>
-                  <a:txBody>
-                    <a:bodyPr/>
-                    <a:lstStyle/>
-                    <a:p>
-                      <a:r>
-                        <a:rPr lang="en-GB" dirty="0"/>
-                        <a:t>?</a:t>
-                      </a:r>
-                    </a:p>
-                  </a:txBody>
-                  <a:tcPr/>
-                </a:tc>
-                <a:tc>
-                  <a:txBody>
-                    <a:bodyPr/>
-                    <a:lstStyle/>
-                    <a:p>
-                      <a:r>
-                        <a:rPr lang="en-GB" dirty="0"/>
-                        <a:t>9.1%</a:t>
-                      </a:r>
-                    </a:p>
-                  </a:txBody>
-                  <a:tcPr/>
-                </a:tc>
-                <a:tc>
-                  <a:txBody>
-                    <a:bodyPr/>
-                    <a:lstStyle/>
-                    <a:p>
-                      <a:r>
-                        <a:rPr lang="en-GB" dirty="0"/>
-                        <a:t>0%</a:t>
-                      </a:r>
-                    </a:p>
-                  </a:txBody>
-                  <a:tcPr/>
-                </a:tc>
-                <a:extLst>
-                  <a:ext uri="{0D108BD9-81ED-4DB2-BD59-A6C34878D82A}">
-                    <a16:rowId xmlns:a16="http://schemas.microsoft.com/office/drawing/2014/main" val="1833956367"/>
-                  </a:ext>
-                </a:extLst>
-              </a:tr>
-              <a:tr h="370840">
-                <a:tc>
-                  <a:txBody>
-                    <a:bodyPr/>
-                    <a:lstStyle/>
-                    <a:p>
-                      <a:r>
-                        <a:rPr lang="en-GB" sz="1200" dirty="0"/>
-                        <a:t>DDQN n-step=1</a:t>
-                      </a:r>
-                    </a:p>
-                  </a:txBody>
-                  <a:tcPr/>
-                </a:tc>
-                <a:tc>
-                  <a:txBody>
-                    <a:bodyPr/>
-                    <a:lstStyle/>
-                    <a:p>
-                      <a:r>
-                        <a:rPr lang="en-GB" dirty="0"/>
-                        <a:t>10.9%</a:t>
-                      </a:r>
-                    </a:p>
-                  </a:txBody>
-                  <a:tcPr/>
-                </a:tc>
-                <a:tc>
-                  <a:txBody>
-                    <a:bodyPr/>
-                    <a:lstStyle/>
-                    <a:p>
-                      <a:r>
-                        <a:rPr lang="en-GB" dirty="0"/>
-                        <a:t>5.7%</a:t>
-                      </a:r>
-                    </a:p>
-                  </a:txBody>
-                  <a:tcPr/>
-                </a:tc>
-                <a:tc>
-                  <a:txBody>
-                    <a:bodyPr/>
-                    <a:lstStyle/>
-                    <a:p>
-                      <a:r>
-                        <a:rPr lang="en-GB" dirty="0"/>
-                        <a:t>0.036</a:t>
-                      </a:r>
-                    </a:p>
-                  </a:txBody>
-                  <a:tcPr/>
-                </a:tc>
-                <a:tc>
-                  <a:txBody>
-                    <a:bodyPr/>
-                    <a:lstStyle/>
-                    <a:p>
-                      <a:r>
-                        <a:rPr lang="en-GB" dirty="0"/>
-                        <a:t>29.2%</a:t>
-                      </a:r>
-                    </a:p>
-                  </a:txBody>
-                  <a:tcPr/>
-                </a:tc>
-                <a:tc>
-                  <a:txBody>
-                    <a:bodyPr/>
-                    <a:lstStyle/>
-                    <a:p>
-                      <a:r>
-                        <a:rPr lang="en-GB" dirty="0"/>
-                        <a:t>4.7%</a:t>
-                      </a:r>
-                    </a:p>
-                  </a:txBody>
-                  <a:tcPr/>
-                </a:tc>
-                <a:extLst>
-                  <a:ext uri="{0D108BD9-81ED-4DB2-BD59-A6C34878D82A}">
-                    <a16:rowId xmlns:a16="http://schemas.microsoft.com/office/drawing/2014/main" val="2468765809"/>
-                  </a:ext>
-                </a:extLst>
-              </a:tr>
-            </a:tbl>
-          </a:graphicData>
-        </a:graphic>
-      </p:graphicFrame>
+        </p:nvSpPr>
+        <p:spPr/>
+        <p:txBody>
+          <a:bodyPr/>
+          <a:lstStyle/>
+          <a:p>
+            <a:r>
+              <a:rPr lang="en-GB" dirty="0"/>
+              <a:t>One possible reason for N-step Reinforcement Learning to have an impact on policy churn is that N-step changes the ratio of rewards given from the environment, and the bootstrap target. Higher values of N are less reliant on a bootstrap target. Furthermore, this would also explain </a:t>
+            </a:r>
+          </a:p>
+        </p:txBody>
+      </p:sp>
     </p:spTree>
     <p:extLst>
       <p:ext uri="{BB962C8B-B14F-4D97-AF65-F5344CB8AC3E}">
-        <p14:creationId xmlns:p14="http://schemas.microsoft.com/office/powerpoint/2010/main" val="2441911996"/>
+        <p14:creationId xmlns:p14="http://schemas.microsoft.com/office/powerpoint/2010/main" val="3600981793"/>
       </p:ext>
     </p:extLst>
   </p:cSld>
@@ -6793,7 +7243,7 @@
 </p:sld>
 </file>
 
-<file path=ppt/slides/slide13.xml><?xml version="1.0" encoding="utf-8"?>
+<file path=ppt/slides/slide5.xml><?xml version="1.0" encoding="utf-8"?>
 <p:sld xmlns:a="http://schemas.openxmlformats.org/drawingml/2006/main" xmlns:r="http://schemas.openxmlformats.org/officeDocument/2006/relationships" xmlns:p="http://schemas.openxmlformats.org/presentationml/2006/main">
   <p:cSld>
     <p:spTree>
@@ -6815,7 +7265,7 @@
           <p:cNvPr id="2" name="Title 1">
             <a:extLst>
               <a:ext uri="{FF2B5EF4-FFF2-40B4-BE49-F238E27FC236}">
-                <a16:creationId xmlns:a16="http://schemas.microsoft.com/office/drawing/2014/main" id="{2C186A97-4D86-9685-7880-873EC2162808}"/>
+                <a16:creationId xmlns:a16="http://schemas.microsoft.com/office/drawing/2014/main" id="{D375583A-8154-A92E-0A55-7F7FE90E9F6D}"/>
               </a:ext>
             </a:extLst>
           </p:cNvPr>
@@ -6833,46 +7283,577 @@
           <a:p>
             <a:r>
               <a:rPr lang="en-GB" dirty="0"/>
-              <a:t>Other news - YouTube</a:t>
+              <a:t>Asterix, Breakout, Freeway, Gopher</a:t>
             </a:r>
           </a:p>
         </p:txBody>
       </p:sp>
+      <p:graphicFrame>
+        <p:nvGraphicFramePr>
+          <p:cNvPr id="4" name="Table 4">
+            <a:extLst>
+              <a:ext uri="{FF2B5EF4-FFF2-40B4-BE49-F238E27FC236}">
+                <a16:creationId xmlns:a16="http://schemas.microsoft.com/office/drawing/2014/main" id="{2E22815C-DE1E-1E16-BF50-F88F1FCD9738}"/>
+              </a:ext>
+            </a:extLst>
+          </p:cNvPr>
+          <p:cNvGraphicFramePr>
+            <a:graphicFrameLocks noGrp="1"/>
+          </p:cNvGraphicFramePr>
+          <p:nvPr>
+            <p:ph idx="1"/>
+            <p:extLst>
+              <p:ext uri="{D42A27DB-BD31-4B8C-83A1-F6EECF244321}">
+                <p14:modId xmlns:p14="http://schemas.microsoft.com/office/powerpoint/2010/main" val="397287008"/>
+              </p:ext>
+            </p:extLst>
+          </p:nvPr>
+        </p:nvGraphicFramePr>
+        <p:xfrm>
+          <a:off x="377782" y="2226419"/>
+          <a:ext cx="7189088" cy="3307080"/>
+        </p:xfrm>
+        <a:graphic>
+          <a:graphicData uri="http://schemas.openxmlformats.org/drawingml/2006/table">
+            <a:tbl>
+              <a:tblPr firstRow="1" bandRow="1">
+                <a:tableStyleId>{5C22544A-7EE6-4342-B048-85BDC9FD1C3A}</a:tableStyleId>
+              </a:tblPr>
+              <a:tblGrid>
+                <a:gridCol w="1797272">
+                  <a:extLst>
+                    <a:ext uri="{9D8B030D-6E8A-4147-A177-3AD203B41FA5}">
+                      <a16:colId xmlns:a16="http://schemas.microsoft.com/office/drawing/2014/main" val="3249405573"/>
+                    </a:ext>
+                  </a:extLst>
+                </a:gridCol>
+                <a:gridCol w="1797272">
+                  <a:extLst>
+                    <a:ext uri="{9D8B030D-6E8A-4147-A177-3AD203B41FA5}">
+                      <a16:colId xmlns:a16="http://schemas.microsoft.com/office/drawing/2014/main" val="1374060826"/>
+                    </a:ext>
+                  </a:extLst>
+                </a:gridCol>
+                <a:gridCol w="1797272">
+                  <a:extLst>
+                    <a:ext uri="{9D8B030D-6E8A-4147-A177-3AD203B41FA5}">
+                      <a16:colId xmlns:a16="http://schemas.microsoft.com/office/drawing/2014/main" val="3289418570"/>
+                    </a:ext>
+                  </a:extLst>
+                </a:gridCol>
+                <a:gridCol w="1797272">
+                  <a:extLst>
+                    <a:ext uri="{9D8B030D-6E8A-4147-A177-3AD203B41FA5}">
+                      <a16:colId xmlns:a16="http://schemas.microsoft.com/office/drawing/2014/main" val="1928808689"/>
+                    </a:ext>
+                  </a:extLst>
+                </a:gridCol>
+              </a:tblGrid>
+              <a:tr h="370840">
+                <a:tc>
+                  <a:txBody>
+                    <a:bodyPr/>
+                    <a:lstStyle/>
+                    <a:p>
+                      <a:r>
+                        <a:rPr lang="en-GB" dirty="0"/>
+                        <a:t>Algorithm</a:t>
+                      </a:r>
+                    </a:p>
+                  </a:txBody>
+                  <a:tcPr/>
+                </a:tc>
+                <a:tc>
+                  <a:txBody>
+                    <a:bodyPr/>
+                    <a:lstStyle/>
+                    <a:p>
+                      <a:r>
+                        <a:rPr lang="en-GB" dirty="0"/>
+                        <a:t>Early Churn</a:t>
+                      </a:r>
+                    </a:p>
+                  </a:txBody>
+                  <a:tcPr/>
+                </a:tc>
+                <a:tc>
+                  <a:txBody>
+                    <a:bodyPr/>
+                    <a:lstStyle/>
+                    <a:p>
+                      <a:r>
+                        <a:rPr lang="en-GB" dirty="0"/>
+                        <a:t>Late Churn</a:t>
+                      </a:r>
+                    </a:p>
+                  </a:txBody>
+                  <a:tcPr/>
+                </a:tc>
+                <a:tc>
+                  <a:txBody>
+                    <a:bodyPr/>
+                    <a:lstStyle/>
+                    <a:p>
+                      <a:r>
+                        <a:rPr lang="en-GB" dirty="0"/>
+                        <a:t>Final Reward Proportion </a:t>
+                      </a:r>
+                    </a:p>
+                  </a:txBody>
+                  <a:tcPr/>
+                </a:tc>
+                <a:extLst>
+                  <a:ext uri="{0D108BD9-81ED-4DB2-BD59-A6C34878D82A}">
+                    <a16:rowId xmlns:a16="http://schemas.microsoft.com/office/drawing/2014/main" val="2451696198"/>
+                  </a:ext>
+                </a:extLst>
+              </a:tr>
+              <a:tr h="370840">
+                <a:tc>
+                  <a:txBody>
+                    <a:bodyPr/>
+                    <a:lstStyle/>
+                    <a:p>
+                      <a:r>
+                        <a:rPr lang="en-GB" dirty="0"/>
+                        <a:t>DDQN n=10</a:t>
+                      </a:r>
+                    </a:p>
+                  </a:txBody>
+                  <a:tcPr/>
+                </a:tc>
+                <a:tc>
+                  <a:txBody>
+                    <a:bodyPr/>
+                    <a:lstStyle/>
+                    <a:p>
+                      <a:r>
+                        <a:rPr lang="en-GB" dirty="0"/>
+                        <a:t>2.6%</a:t>
+                      </a:r>
+                    </a:p>
+                  </a:txBody>
+                  <a:tcPr/>
+                </a:tc>
+                <a:tc>
+                  <a:txBody>
+                    <a:bodyPr/>
+                    <a:lstStyle/>
+                    <a:p>
+                      <a:r>
+                        <a:rPr lang="en-GB" dirty="0"/>
+                        <a:t>1.4%</a:t>
+                      </a:r>
+                    </a:p>
+                  </a:txBody>
+                  <a:tcPr/>
+                </a:tc>
+                <a:tc>
+                  <a:txBody>
+                    <a:bodyPr/>
+                    <a:lstStyle/>
+                    <a:p>
+                      <a:r>
+                        <a:rPr lang="en-GB" dirty="0"/>
+                        <a:t>20.9%</a:t>
+                      </a:r>
+                    </a:p>
+                  </a:txBody>
+                  <a:tcPr/>
+                </a:tc>
+                <a:extLst>
+                  <a:ext uri="{0D108BD9-81ED-4DB2-BD59-A6C34878D82A}">
+                    <a16:rowId xmlns:a16="http://schemas.microsoft.com/office/drawing/2014/main" val="123266473"/>
+                  </a:ext>
+                </a:extLst>
+              </a:tr>
+              <a:tr h="370840">
+                <a:tc>
+                  <a:txBody>
+                    <a:bodyPr/>
+                    <a:lstStyle/>
+                    <a:p>
+                      <a:pPr marL="0" marR="0" lvl="0" indent="0" algn="l" defTabSz="914400" rtl="0" eaLnBrk="1" fontAlgn="auto" latinLnBrk="0" hangingPunct="1">
+                        <a:lnSpc>
+                          <a:spcPct val="100000"/>
+                        </a:lnSpc>
+                        <a:spcBef>
+                          <a:spcPts val="0"/>
+                        </a:spcBef>
+                        <a:spcAft>
+                          <a:spcPts val="0"/>
+                        </a:spcAft>
+                        <a:buClrTx/>
+                        <a:buSzTx/>
+                        <a:buFontTx/>
+                        <a:buNone/>
+                        <a:tabLst/>
+                        <a:defRPr/>
+                      </a:pPr>
+                      <a:r>
+                        <a:rPr lang="en-GB" dirty="0"/>
+                        <a:t>DDQN n=3</a:t>
+                      </a:r>
+                    </a:p>
+                  </a:txBody>
+                  <a:tcPr/>
+                </a:tc>
+                <a:tc>
+                  <a:txBody>
+                    <a:bodyPr/>
+                    <a:lstStyle/>
+                    <a:p>
+                      <a:r>
+                        <a:rPr lang="en-GB" dirty="0"/>
+                        <a:t>3.8%</a:t>
+                      </a:r>
+                    </a:p>
+                  </a:txBody>
+                  <a:tcPr/>
+                </a:tc>
+                <a:tc>
+                  <a:txBody>
+                    <a:bodyPr/>
+                    <a:lstStyle/>
+                    <a:p>
+                      <a:r>
+                        <a:rPr lang="en-GB" dirty="0"/>
+                        <a:t>1.9%</a:t>
+                      </a:r>
+                    </a:p>
+                  </a:txBody>
+                  <a:tcPr/>
+                </a:tc>
+                <a:tc>
+                  <a:txBody>
+                    <a:bodyPr/>
+                    <a:lstStyle/>
+                    <a:p>
+                      <a:r>
+                        <a:rPr lang="en-GB" dirty="0"/>
+                        <a:t>3.3%</a:t>
+                      </a:r>
+                    </a:p>
+                  </a:txBody>
+                  <a:tcPr/>
+                </a:tc>
+                <a:extLst>
+                  <a:ext uri="{0D108BD9-81ED-4DB2-BD59-A6C34878D82A}">
+                    <a16:rowId xmlns:a16="http://schemas.microsoft.com/office/drawing/2014/main" val="3376540661"/>
+                  </a:ext>
+                </a:extLst>
+              </a:tr>
+              <a:tr h="370840">
+                <a:tc>
+                  <a:txBody>
+                    <a:bodyPr/>
+                    <a:lstStyle/>
+                    <a:p>
+                      <a:pPr marL="0" marR="0" lvl="0" indent="0" algn="l" defTabSz="914400" rtl="0" eaLnBrk="1" fontAlgn="auto" latinLnBrk="0" hangingPunct="1">
+                        <a:lnSpc>
+                          <a:spcPct val="100000"/>
+                        </a:lnSpc>
+                        <a:spcBef>
+                          <a:spcPts val="0"/>
+                        </a:spcBef>
+                        <a:spcAft>
+                          <a:spcPts val="0"/>
+                        </a:spcAft>
+                        <a:buClrTx/>
+                        <a:buSzTx/>
+                        <a:buFontTx/>
+                        <a:buNone/>
+                        <a:tabLst/>
+                        <a:defRPr/>
+                      </a:pPr>
+                      <a:r>
+                        <a:rPr lang="en-GB" dirty="0"/>
+                        <a:t>DDQN n=1</a:t>
+                      </a:r>
+                    </a:p>
+                  </a:txBody>
+                  <a:tcPr/>
+                </a:tc>
+                <a:tc>
+                  <a:txBody>
+                    <a:bodyPr/>
+                    <a:lstStyle/>
+                    <a:p>
+                      <a:r>
+                        <a:rPr lang="en-GB" dirty="0"/>
+                        <a:t>7.5%</a:t>
+                      </a:r>
+                    </a:p>
+                  </a:txBody>
+                  <a:tcPr/>
+                </a:tc>
+                <a:tc>
+                  <a:txBody>
+                    <a:bodyPr/>
+                    <a:lstStyle/>
+                    <a:p>
+                      <a:r>
+                        <a:rPr lang="en-GB" dirty="0"/>
+                        <a:t>2.6%</a:t>
+                      </a:r>
+                    </a:p>
+                  </a:txBody>
+                  <a:tcPr/>
+                </a:tc>
+                <a:tc>
+                  <a:txBody>
+                    <a:bodyPr/>
+                    <a:lstStyle/>
+                    <a:p>
+                      <a:r>
+                        <a:rPr lang="en-GB" dirty="0"/>
+                        <a:t>0.6%</a:t>
+                      </a:r>
+                    </a:p>
+                  </a:txBody>
+                  <a:tcPr/>
+                </a:tc>
+                <a:extLst>
+                  <a:ext uri="{0D108BD9-81ED-4DB2-BD59-A6C34878D82A}">
+                    <a16:rowId xmlns:a16="http://schemas.microsoft.com/office/drawing/2014/main" val="2232296025"/>
+                  </a:ext>
+                </a:extLst>
+              </a:tr>
+              <a:tr h="370840">
+                <a:tc>
+                  <a:txBody>
+                    <a:bodyPr/>
+                    <a:lstStyle/>
+                    <a:p>
+                      <a:pPr marL="0" marR="0" lvl="0" indent="0" algn="l" defTabSz="914400" rtl="0" eaLnBrk="1" fontAlgn="auto" latinLnBrk="0" hangingPunct="1">
+                        <a:lnSpc>
+                          <a:spcPct val="100000"/>
+                        </a:lnSpc>
+                        <a:spcBef>
+                          <a:spcPts val="0"/>
+                        </a:spcBef>
+                        <a:spcAft>
+                          <a:spcPts val="0"/>
+                        </a:spcAft>
+                        <a:buClrTx/>
+                        <a:buSzTx/>
+                        <a:buFontTx/>
+                        <a:buNone/>
+                        <a:tabLst/>
+                        <a:defRPr/>
+                      </a:pPr>
+                      <a:r>
+                        <a:rPr lang="en-GB" dirty="0"/>
+                        <a:t>DDQN n=1, discount=0.904</a:t>
+                      </a:r>
+                    </a:p>
+                  </a:txBody>
+                  <a:tcPr/>
+                </a:tc>
+                <a:tc>
+                  <a:txBody>
+                    <a:bodyPr/>
+                    <a:lstStyle/>
+                    <a:p>
+                      <a:r>
+                        <a:rPr lang="en-GB" dirty="0"/>
+                        <a:t>3%</a:t>
+                      </a:r>
+                    </a:p>
+                  </a:txBody>
+                  <a:tcPr/>
+                </a:tc>
+                <a:tc>
+                  <a:txBody>
+                    <a:bodyPr/>
+                    <a:lstStyle/>
+                    <a:p>
+                      <a:r>
+                        <a:rPr lang="en-GB" dirty="0"/>
+                        <a:t>1.8%</a:t>
+                      </a:r>
+                    </a:p>
+                  </a:txBody>
+                  <a:tcPr/>
+                </a:tc>
+                <a:tc>
+                  <a:txBody>
+                    <a:bodyPr/>
+                    <a:lstStyle/>
+                    <a:p>
+                      <a:r>
+                        <a:rPr lang="en-GB" dirty="0"/>
+                        <a:t>23.6%</a:t>
+                      </a:r>
+                    </a:p>
+                  </a:txBody>
+                  <a:tcPr/>
+                </a:tc>
+                <a:extLst>
+                  <a:ext uri="{0D108BD9-81ED-4DB2-BD59-A6C34878D82A}">
+                    <a16:rowId xmlns:a16="http://schemas.microsoft.com/office/drawing/2014/main" val="723787262"/>
+                  </a:ext>
+                </a:extLst>
+              </a:tr>
+              <a:tr h="370840">
+                <a:tc>
+                  <a:txBody>
+                    <a:bodyPr/>
+                    <a:lstStyle/>
+                    <a:p>
+                      <a:pPr marL="0" marR="0" lvl="0" indent="0" algn="l" defTabSz="914400" rtl="0" eaLnBrk="1" fontAlgn="auto" latinLnBrk="0" hangingPunct="1">
+                        <a:lnSpc>
+                          <a:spcPct val="100000"/>
+                        </a:lnSpc>
+                        <a:spcBef>
+                          <a:spcPts val="0"/>
+                        </a:spcBef>
+                        <a:spcAft>
+                          <a:spcPts val="0"/>
+                        </a:spcAft>
+                        <a:buClrTx/>
+                        <a:buSzTx/>
+                        <a:buFontTx/>
+                        <a:buNone/>
+                        <a:tabLst/>
+                        <a:defRPr/>
+                      </a:pPr>
+                      <a:r>
+                        <a:rPr lang="en-GB" dirty="0"/>
+                        <a:t>DDQN n=10, discount=0.999</a:t>
+                      </a:r>
+                    </a:p>
+                    <a:p>
+                      <a:pPr marL="0" marR="0" lvl="0" indent="0" algn="l" defTabSz="914400" rtl="0" eaLnBrk="1" fontAlgn="auto" latinLnBrk="0" hangingPunct="1">
+                        <a:lnSpc>
+                          <a:spcPct val="100000"/>
+                        </a:lnSpc>
+                        <a:spcBef>
+                          <a:spcPts val="0"/>
+                        </a:spcBef>
+                        <a:spcAft>
+                          <a:spcPts val="0"/>
+                        </a:spcAft>
+                        <a:buClrTx/>
+                        <a:buSzTx/>
+                        <a:buFontTx/>
+                        <a:buNone/>
+                        <a:tabLst/>
+                        <a:defRPr/>
+                      </a:pPr>
+                      <a:endParaRPr lang="en-GB" dirty="0"/>
+                    </a:p>
+                  </a:txBody>
+                  <a:tcPr/>
+                </a:tc>
+                <a:tc>
+                  <a:txBody>
+                    <a:bodyPr/>
+                    <a:lstStyle/>
+                    <a:p>
+                      <a:r>
+                        <a:rPr lang="en-GB" dirty="0"/>
+                        <a:t>4%</a:t>
+                      </a:r>
+                    </a:p>
+                  </a:txBody>
+                  <a:tcPr/>
+                </a:tc>
+                <a:tc>
+                  <a:txBody>
+                    <a:bodyPr/>
+                    <a:lstStyle/>
+                    <a:p>
+                      <a:r>
+                        <a:rPr lang="en-GB" dirty="0"/>
+                        <a:t>1.5%</a:t>
+                      </a:r>
+                    </a:p>
+                  </a:txBody>
+                  <a:tcPr/>
+                </a:tc>
+                <a:tc>
+                  <a:txBody>
+                    <a:bodyPr/>
+                    <a:lstStyle/>
+                    <a:p>
+                      <a:r>
+                        <a:rPr lang="en-GB" dirty="0"/>
+                        <a:t>1.4%</a:t>
+                      </a:r>
+                    </a:p>
+                  </a:txBody>
+                  <a:tcPr/>
+                </a:tc>
+                <a:extLst>
+                  <a:ext uri="{0D108BD9-81ED-4DB2-BD59-A6C34878D82A}">
+                    <a16:rowId xmlns:a16="http://schemas.microsoft.com/office/drawing/2014/main" val="886877885"/>
+                  </a:ext>
+                </a:extLst>
+              </a:tr>
+            </a:tbl>
+          </a:graphicData>
+        </a:graphic>
+      </p:graphicFrame>
+      <p:graphicFrame>
+        <p:nvGraphicFramePr>
+          <p:cNvPr id="10" name="Chart 9">
+            <a:extLst>
+              <a:ext uri="{FF2B5EF4-FFF2-40B4-BE49-F238E27FC236}">
+                <a16:creationId xmlns:a16="http://schemas.microsoft.com/office/drawing/2014/main" id="{35910227-82D8-D1F2-19B7-BCA795517FBE}"/>
+              </a:ext>
+            </a:extLst>
+          </p:cNvPr>
+          <p:cNvGraphicFramePr/>
+          <p:nvPr>
+            <p:extLst>
+              <p:ext uri="{D42A27DB-BD31-4B8C-83A1-F6EECF244321}">
+                <p14:modId xmlns:p14="http://schemas.microsoft.com/office/powerpoint/2010/main" val="4154133701"/>
+              </p:ext>
+            </p:extLst>
+          </p:nvPr>
+        </p:nvGraphicFramePr>
+        <p:xfrm>
+          <a:off x="7795765" y="2009055"/>
+          <a:ext cx="4205681" cy="4300305"/>
+        </p:xfrm>
+        <a:graphic>
+          <a:graphicData uri="http://schemas.openxmlformats.org/drawingml/2006/chart">
+            <c:chart xmlns:c="http://schemas.openxmlformats.org/drawingml/2006/chart" xmlns:r="http://schemas.openxmlformats.org/officeDocument/2006/relationships" r:id="rId2"/>
+          </a:graphicData>
+        </a:graphic>
+      </p:graphicFrame>
       <p:sp>
         <p:nvSpPr>
-          <p:cNvPr id="3" name="Content Placeholder 2">
-            <a:extLst>
-              <a:ext uri="{FF2B5EF4-FFF2-40B4-BE49-F238E27FC236}">
-                <a16:creationId xmlns:a16="http://schemas.microsoft.com/office/drawing/2014/main" id="{8687003B-5BC0-32CA-4E5B-90A5002C5E55}"/>
-              </a:ext>
-            </a:extLst>
-          </p:cNvPr>
-          <p:cNvSpPr>
-            <a:spLocks noGrp="1"/>
-          </p:cNvSpPr>
-          <p:nvPr>
-            <p:ph idx="1"/>
-          </p:nvPr>
+          <p:cNvPr id="11" name="TextBox 10">
+            <a:extLst>
+              <a:ext uri="{FF2B5EF4-FFF2-40B4-BE49-F238E27FC236}">
+                <a16:creationId xmlns:a16="http://schemas.microsoft.com/office/drawing/2014/main" id="{0677E261-4FA6-5C7F-E55D-53901A24D063}"/>
+              </a:ext>
+            </a:extLst>
+          </p:cNvPr>
+          <p:cNvSpPr txBox="1"/>
+          <p:nvPr/>
         </p:nvSpPr>
         <p:spPr>
           <a:xfrm>
-            <a:off x="770215" y="2309272"/>
-            <a:ext cx="10168128" cy="3694176"/>
+            <a:off x="377782" y="5897461"/>
+            <a:ext cx="7012919" cy="369332"/>
           </a:xfrm>
+          <a:prstGeom prst="rect">
+            <a:avLst/>
+          </a:prstGeom>
+          <a:noFill/>
         </p:spPr>
         <p:txBody>
-          <a:bodyPr/>
+          <a:bodyPr wrap="square" rtlCol="0">
+            <a:spAutoFit/>
+          </a:bodyPr>
           <a:lstStyle/>
           <a:p>
             <a:r>
               <a:rPr lang="en-GB" dirty="0"/>
-              <a:t>Have been contemplating my internship due to recent successes.</a:t>
-            </a:r>
-          </a:p>
-          <a:p>
-            <a:r>
-              <a:rPr lang="en-GB" dirty="0"/>
-              <a:t>Considering suspending on work on this instead, as money is possibly better and work is very enjoyable and specific to my PhD</a:t>
+              <a:t>Results for this theory show no strong evidence</a:t>
             </a:r>
           </a:p>
         </p:txBody>
@@ -6880,7 +7861,7 @@
     </p:spTree>
     <p:extLst>
       <p:ext uri="{BB962C8B-B14F-4D97-AF65-F5344CB8AC3E}">
-        <p14:creationId xmlns:p14="http://schemas.microsoft.com/office/powerpoint/2010/main" val="3215846383"/>
+        <p14:creationId xmlns:p14="http://schemas.microsoft.com/office/powerpoint/2010/main" val="3193991174"/>
       </p:ext>
     </p:extLst>
   </p:cSld>
@@ -6890,7 +7871,7 @@
 </p:sld>
 </file>
 
-<file path=ppt/slides/slide14.xml><?xml version="1.0" encoding="utf-8"?>
+<file path=ppt/slides/slide6.xml><?xml version="1.0" encoding="utf-8"?>
 <p:sld xmlns:a="http://schemas.openxmlformats.org/drawingml/2006/main" xmlns:r="http://schemas.openxmlformats.org/officeDocument/2006/relationships" xmlns:p="http://schemas.openxmlformats.org/presentationml/2006/main">
   <p:cSld>
     <p:spTree>
@@ -6912,6 +7893,576 @@
           <p:cNvPr id="2" name="Title 1">
             <a:extLst>
               <a:ext uri="{FF2B5EF4-FFF2-40B4-BE49-F238E27FC236}">
+                <a16:creationId xmlns:a16="http://schemas.microsoft.com/office/drawing/2014/main" id="{2C15C644-CD0D-F22C-2345-43678948DA96}"/>
+              </a:ext>
+            </a:extLst>
+          </p:cNvPr>
+          <p:cNvSpPr>
+            <a:spLocks noGrp="1"/>
+          </p:cNvSpPr>
+          <p:nvPr>
+            <p:ph type="title"/>
+          </p:nvPr>
+        </p:nvSpPr>
+        <p:spPr/>
+        <p:txBody>
+          <a:bodyPr/>
+          <a:lstStyle/>
+          <a:p>
+            <a:r>
+              <a:rPr lang="en-GB" dirty="0"/>
+              <a:t>N-step causing overgeneralisation?</a:t>
+            </a:r>
+          </a:p>
+        </p:txBody>
+      </p:sp>
+      <p:graphicFrame>
+        <p:nvGraphicFramePr>
+          <p:cNvPr id="4" name="Table 4">
+            <a:extLst>
+              <a:ext uri="{FF2B5EF4-FFF2-40B4-BE49-F238E27FC236}">
+                <a16:creationId xmlns:a16="http://schemas.microsoft.com/office/drawing/2014/main" id="{0DC25F38-FACE-389E-F12C-E1C79B5B3DF0}"/>
+              </a:ext>
+            </a:extLst>
+          </p:cNvPr>
+          <p:cNvGraphicFramePr>
+            <a:graphicFrameLocks noGrp="1"/>
+          </p:cNvGraphicFramePr>
+          <p:nvPr>
+            <p:ph idx="1"/>
+            <p:extLst>
+              <p:ext uri="{D42A27DB-BD31-4B8C-83A1-F6EECF244321}">
+                <p14:modId xmlns:p14="http://schemas.microsoft.com/office/powerpoint/2010/main" val="4040666494"/>
+              </p:ext>
+            </p:extLst>
+          </p:nvPr>
+        </p:nvGraphicFramePr>
+        <p:xfrm>
+          <a:off x="637563" y="1659865"/>
+          <a:ext cx="6962864" cy="4422154"/>
+        </p:xfrm>
+        <a:graphic>
+          <a:graphicData uri="http://schemas.openxmlformats.org/drawingml/2006/table">
+            <a:tbl>
+              <a:tblPr firstRow="1" bandRow="1">
+                <a:tableStyleId>{5C22544A-7EE6-4342-B048-85BDC9FD1C3A}</a:tableStyleId>
+              </a:tblPr>
+              <a:tblGrid>
+                <a:gridCol w="2304362">
+                  <a:extLst>
+                    <a:ext uri="{9D8B030D-6E8A-4147-A177-3AD203B41FA5}">
+                      <a16:colId xmlns:a16="http://schemas.microsoft.com/office/drawing/2014/main" val="2791267482"/>
+                    </a:ext>
+                  </a:extLst>
+                </a:gridCol>
+                <a:gridCol w="2329251">
+                  <a:extLst>
+                    <a:ext uri="{9D8B030D-6E8A-4147-A177-3AD203B41FA5}">
+                      <a16:colId xmlns:a16="http://schemas.microsoft.com/office/drawing/2014/main" val="1266841127"/>
+                    </a:ext>
+                  </a:extLst>
+                </a:gridCol>
+                <a:gridCol w="2329251">
+                  <a:extLst>
+                    <a:ext uri="{9D8B030D-6E8A-4147-A177-3AD203B41FA5}">
+                      <a16:colId xmlns:a16="http://schemas.microsoft.com/office/drawing/2014/main" val="2734042992"/>
+                    </a:ext>
+                  </a:extLst>
+                </a:gridCol>
+              </a:tblGrid>
+              <a:tr h="907206">
+                <a:tc>
+                  <a:txBody>
+                    <a:bodyPr/>
+                    <a:lstStyle/>
+                    <a:p>
+                      <a:r>
+                        <a:rPr lang="en-GB" sz="1600" dirty="0"/>
+                        <a:t>Algorithm</a:t>
+                      </a:r>
+                    </a:p>
+                  </a:txBody>
+                  <a:tcPr/>
+                </a:tc>
+                <a:tc>
+                  <a:txBody>
+                    <a:bodyPr/>
+                    <a:lstStyle/>
+                    <a:p>
+                      <a:r>
+                        <a:rPr lang="en-GB" sz="1600" dirty="0"/>
+                        <a:t>Churn Late</a:t>
+                      </a:r>
+                    </a:p>
+                  </a:txBody>
+                  <a:tcPr/>
+                </a:tc>
+                <a:tc>
+                  <a:txBody>
+                    <a:bodyPr/>
+                    <a:lstStyle/>
+                    <a:p>
+                      <a:r>
+                        <a:rPr lang="en-GB" sz="1600" dirty="0"/>
+                        <a:t>Churn std Late (Higher=more generalisation)</a:t>
+                      </a:r>
+                    </a:p>
+                  </a:txBody>
+                  <a:tcPr/>
+                </a:tc>
+                <a:extLst>
+                  <a:ext uri="{0D108BD9-81ED-4DB2-BD59-A6C34878D82A}">
+                    <a16:rowId xmlns:a16="http://schemas.microsoft.com/office/drawing/2014/main" val="1284663092"/>
+                  </a:ext>
+                </a:extLst>
+              </a:tr>
+              <a:tr h="502363">
+                <a:tc>
+                  <a:txBody>
+                    <a:bodyPr/>
+                    <a:lstStyle/>
+                    <a:p>
+                      <a:r>
+                        <a:rPr lang="en-GB" sz="1600" dirty="0"/>
+                        <a:t>DDQN n=20</a:t>
+                      </a:r>
+                    </a:p>
+                  </a:txBody>
+                  <a:tcPr/>
+                </a:tc>
+                <a:tc>
+                  <a:txBody>
+                    <a:bodyPr/>
+                    <a:lstStyle/>
+                    <a:p>
+                      <a:r>
+                        <a:rPr lang="en-GB" sz="1600" dirty="0"/>
+                        <a:t>1.6%</a:t>
+                      </a:r>
+                    </a:p>
+                  </a:txBody>
+                  <a:tcPr/>
+                </a:tc>
+                <a:tc>
+                  <a:txBody>
+                    <a:bodyPr/>
+                    <a:lstStyle/>
+                    <a:p>
+                      <a:r>
+                        <a:rPr lang="en-GB" sz="1600" dirty="0"/>
+                        <a:t>0.0042</a:t>
+                      </a:r>
+                    </a:p>
+                  </a:txBody>
+                  <a:tcPr/>
+                </a:tc>
+                <a:extLst>
+                  <a:ext uri="{0D108BD9-81ED-4DB2-BD59-A6C34878D82A}">
+                    <a16:rowId xmlns:a16="http://schemas.microsoft.com/office/drawing/2014/main" val="1798417473"/>
+                  </a:ext>
+                </a:extLst>
+              </a:tr>
+              <a:tr h="502363">
+                <a:tc>
+                  <a:txBody>
+                    <a:bodyPr/>
+                    <a:lstStyle/>
+                    <a:p>
+                      <a:r>
+                        <a:rPr lang="en-GB" sz="1600" dirty="0"/>
+                        <a:t>DDQN n=10</a:t>
+                      </a:r>
+                    </a:p>
+                  </a:txBody>
+                  <a:tcPr/>
+                </a:tc>
+                <a:tc>
+                  <a:txBody>
+                    <a:bodyPr/>
+                    <a:lstStyle/>
+                    <a:p>
+                      <a:r>
+                        <a:rPr lang="en-GB" sz="1600" dirty="0"/>
+                        <a:t>1.9%</a:t>
+                      </a:r>
+                    </a:p>
+                  </a:txBody>
+                  <a:tcPr/>
+                </a:tc>
+                <a:tc>
+                  <a:txBody>
+                    <a:bodyPr/>
+                    <a:lstStyle/>
+                    <a:p>
+                      <a:r>
+                        <a:rPr lang="en-GB" sz="1600" dirty="0"/>
+                        <a:t>0.0037</a:t>
+                      </a:r>
+                    </a:p>
+                  </a:txBody>
+                  <a:tcPr/>
+                </a:tc>
+                <a:extLst>
+                  <a:ext uri="{0D108BD9-81ED-4DB2-BD59-A6C34878D82A}">
+                    <a16:rowId xmlns:a16="http://schemas.microsoft.com/office/drawing/2014/main" val="1812642004"/>
+                  </a:ext>
+                </a:extLst>
+              </a:tr>
+              <a:tr h="638404">
+                <a:tc>
+                  <a:txBody>
+                    <a:bodyPr/>
+                    <a:lstStyle/>
+                    <a:p>
+                      <a:r>
+                        <a:rPr lang="en-GB" sz="1600" dirty="0"/>
+                        <a:t>DDQN n=1, discount=0.904</a:t>
+                      </a:r>
+                    </a:p>
+                  </a:txBody>
+                  <a:tcPr/>
+                </a:tc>
+                <a:tc>
+                  <a:txBody>
+                    <a:bodyPr/>
+                    <a:lstStyle/>
+                    <a:p>
+                      <a:r>
+                        <a:rPr lang="en-GB" sz="1600" dirty="0"/>
+                        <a:t>2.4%</a:t>
+                      </a:r>
+                    </a:p>
+                  </a:txBody>
+                  <a:tcPr/>
+                </a:tc>
+                <a:tc>
+                  <a:txBody>
+                    <a:bodyPr/>
+                    <a:lstStyle/>
+                    <a:p>
+                      <a:r>
+                        <a:rPr lang="en-GB" sz="1600" dirty="0">
+                          <a:highlight>
+                            <a:srgbClr val="FFFF00"/>
+                          </a:highlight>
+                        </a:rPr>
+                        <a:t>0.0063</a:t>
+                      </a:r>
+                    </a:p>
+                  </a:txBody>
+                  <a:tcPr/>
+                </a:tc>
+                <a:extLst>
+                  <a:ext uri="{0D108BD9-81ED-4DB2-BD59-A6C34878D82A}">
+                    <a16:rowId xmlns:a16="http://schemas.microsoft.com/office/drawing/2014/main" val="965307657"/>
+                  </a:ext>
+                </a:extLst>
+              </a:tr>
+              <a:tr h="867092">
+                <a:tc>
+                  <a:txBody>
+                    <a:bodyPr/>
+                    <a:lstStyle/>
+                    <a:p>
+                      <a:r>
+                        <a:rPr lang="en-GB" sz="1600" dirty="0"/>
+                        <a:t>DDQN n=10 discount=0.999</a:t>
+                      </a:r>
+                    </a:p>
+                  </a:txBody>
+                  <a:tcPr/>
+                </a:tc>
+                <a:tc>
+                  <a:txBody>
+                    <a:bodyPr/>
+                    <a:lstStyle/>
+                    <a:p>
+                      <a:r>
+                        <a:rPr lang="en-GB" sz="1600" dirty="0"/>
+                        <a:t>2.5%</a:t>
+                      </a:r>
+                    </a:p>
+                  </a:txBody>
+                  <a:tcPr/>
+                </a:tc>
+                <a:tc>
+                  <a:txBody>
+                    <a:bodyPr/>
+                    <a:lstStyle/>
+                    <a:p>
+                      <a:r>
+                        <a:rPr lang="en-GB" sz="1600" dirty="0"/>
+                        <a:t>0.0028</a:t>
+                      </a:r>
+                    </a:p>
+                  </a:txBody>
+                  <a:tcPr/>
+                </a:tc>
+                <a:extLst>
+                  <a:ext uri="{0D108BD9-81ED-4DB2-BD59-A6C34878D82A}">
+                    <a16:rowId xmlns:a16="http://schemas.microsoft.com/office/drawing/2014/main" val="890105244"/>
+                  </a:ext>
+                </a:extLst>
+              </a:tr>
+              <a:tr h="502363">
+                <a:tc>
+                  <a:txBody>
+                    <a:bodyPr/>
+                    <a:lstStyle/>
+                    <a:p>
+                      <a:r>
+                        <a:rPr lang="en-GB" sz="1600" dirty="0"/>
+                        <a:t>DDQN n=3</a:t>
+                      </a:r>
+                    </a:p>
+                  </a:txBody>
+                  <a:tcPr/>
+                </a:tc>
+                <a:tc>
+                  <a:txBody>
+                    <a:bodyPr/>
+                    <a:lstStyle/>
+                    <a:p>
+                      <a:r>
+                        <a:rPr lang="en-GB" sz="1600" dirty="0"/>
+                        <a:t>2.8%</a:t>
+                      </a:r>
+                    </a:p>
+                  </a:txBody>
+                  <a:tcPr/>
+                </a:tc>
+                <a:tc>
+                  <a:txBody>
+                    <a:bodyPr/>
+                    <a:lstStyle/>
+                    <a:p>
+                      <a:r>
+                        <a:rPr lang="en-GB" sz="1600" dirty="0"/>
+                        <a:t>0.0020</a:t>
+                      </a:r>
+                    </a:p>
+                  </a:txBody>
+                  <a:tcPr/>
+                </a:tc>
+                <a:extLst>
+                  <a:ext uri="{0D108BD9-81ED-4DB2-BD59-A6C34878D82A}">
+                    <a16:rowId xmlns:a16="http://schemas.microsoft.com/office/drawing/2014/main" val="938401823"/>
+                  </a:ext>
+                </a:extLst>
+              </a:tr>
+              <a:tr h="502363">
+                <a:tc>
+                  <a:txBody>
+                    <a:bodyPr/>
+                    <a:lstStyle/>
+                    <a:p>
+                      <a:r>
+                        <a:rPr lang="en-GB" sz="1600" dirty="0"/>
+                        <a:t>DDQN n=1</a:t>
+                      </a:r>
+                    </a:p>
+                  </a:txBody>
+                  <a:tcPr/>
+                </a:tc>
+                <a:tc>
+                  <a:txBody>
+                    <a:bodyPr/>
+                    <a:lstStyle/>
+                    <a:p>
+                      <a:r>
+                        <a:rPr lang="en-GB" sz="1600" dirty="0"/>
+                        <a:t>5.7%</a:t>
+                      </a:r>
+                    </a:p>
+                  </a:txBody>
+                  <a:tcPr/>
+                </a:tc>
+                <a:tc>
+                  <a:txBody>
+                    <a:bodyPr/>
+                    <a:lstStyle/>
+                    <a:p>
+                      <a:r>
+                        <a:rPr lang="en-GB" sz="1600" dirty="0"/>
+                        <a:t>0.0008</a:t>
+                      </a:r>
+                    </a:p>
+                  </a:txBody>
+                  <a:tcPr/>
+                </a:tc>
+                <a:extLst>
+                  <a:ext uri="{0D108BD9-81ED-4DB2-BD59-A6C34878D82A}">
+                    <a16:rowId xmlns:a16="http://schemas.microsoft.com/office/drawing/2014/main" val="1503973391"/>
+                  </a:ext>
+                </a:extLst>
+              </a:tr>
+            </a:tbl>
+          </a:graphicData>
+        </a:graphic>
+      </p:graphicFrame>
+    </p:spTree>
+    <p:extLst>
+      <p:ext uri="{BB962C8B-B14F-4D97-AF65-F5344CB8AC3E}">
+        <p14:creationId xmlns:p14="http://schemas.microsoft.com/office/powerpoint/2010/main" val="1187847992"/>
+      </p:ext>
+    </p:extLst>
+  </p:cSld>
+  <p:clrMapOvr>
+    <a:masterClrMapping/>
+  </p:clrMapOvr>
+</p:sld>
+</file>
+
+<file path=ppt/slides/slide7.xml><?xml version="1.0" encoding="utf-8"?>
+<p:sld xmlns:a="http://schemas.openxmlformats.org/drawingml/2006/main" xmlns:r="http://schemas.openxmlformats.org/officeDocument/2006/relationships" xmlns:p="http://schemas.openxmlformats.org/presentationml/2006/main">
+  <p:cSld>
+    <p:spTree>
+      <p:nvGrpSpPr>
+        <p:cNvPr id="1" name=""/>
+        <p:cNvGrpSpPr/>
+        <p:nvPr/>
+      </p:nvGrpSpPr>
+      <p:grpSpPr>
+        <a:xfrm>
+          <a:off x="0" y="0"/>
+          <a:ext cx="0" cy="0"/>
+          <a:chOff x="0" y="0"/>
+          <a:chExt cx="0" cy="0"/>
+        </a:xfrm>
+      </p:grpSpPr>
+      <p:sp>
+        <p:nvSpPr>
+          <p:cNvPr id="2" name="Title 1">
+            <a:extLst>
+              <a:ext uri="{FF2B5EF4-FFF2-40B4-BE49-F238E27FC236}">
+                <a16:creationId xmlns:a16="http://schemas.microsoft.com/office/drawing/2014/main" id="{E10C3BAE-B4D7-7B5C-99BD-DB0FEC1774D0}"/>
+              </a:ext>
+            </a:extLst>
+          </p:cNvPr>
+          <p:cNvSpPr>
+            <a:spLocks noGrp="1"/>
+          </p:cNvSpPr>
+          <p:nvPr>
+            <p:ph type="title"/>
+          </p:nvPr>
+        </p:nvSpPr>
+        <p:spPr/>
+        <p:txBody>
+          <a:bodyPr/>
+          <a:lstStyle/>
+          <a:p>
+            <a:r>
+              <a:rPr lang="en-GB" dirty="0"/>
+              <a:t>Next Week</a:t>
+            </a:r>
+          </a:p>
+        </p:txBody>
+      </p:sp>
+      <p:sp>
+        <p:nvSpPr>
+          <p:cNvPr id="3" name="Content Placeholder 2">
+            <a:extLst>
+              <a:ext uri="{FF2B5EF4-FFF2-40B4-BE49-F238E27FC236}">
+                <a16:creationId xmlns:a16="http://schemas.microsoft.com/office/drawing/2014/main" id="{A1B8B978-187E-60AF-5EC1-29FD416A2F65}"/>
+              </a:ext>
+            </a:extLst>
+          </p:cNvPr>
+          <p:cNvSpPr>
+            <a:spLocks noGrp="1"/>
+          </p:cNvSpPr>
+          <p:nvPr>
+            <p:ph idx="1"/>
+          </p:nvPr>
+        </p:nvSpPr>
+        <p:spPr/>
+        <p:txBody>
+          <a:bodyPr>
+            <a:normAutofit lnSpcReduction="10000"/>
+          </a:bodyPr>
+          <a:lstStyle/>
+          <a:p>
+            <a:r>
+              <a:rPr lang="en-GB" dirty="0"/>
+              <a:t>Continue writing my thesis – Hope to have a first draft finished (with the exception of some results) by next week</a:t>
+            </a:r>
+          </a:p>
+          <a:p>
+            <a:r>
+              <a:rPr lang="en-GB" dirty="0"/>
+              <a:t>https://www.overleaf.com/4671849558kqdfdgzbskmz</a:t>
+            </a:r>
+          </a:p>
+          <a:p>
+            <a:r>
+              <a:rPr lang="en-GB" dirty="0"/>
+              <a:t>Continue looking into N-step, but primary focus will be on writing</a:t>
+            </a:r>
+          </a:p>
+          <a:p>
+            <a:r>
+              <a:rPr lang="en-GB" dirty="0"/>
+              <a:t>My deadline is on the 12</a:t>
+            </a:r>
+            <a:r>
+              <a:rPr lang="en-GB" baseline="30000" dirty="0"/>
+              <a:t>th</a:t>
+            </a:r>
+            <a:r>
+              <a:rPr lang="en-GB" dirty="0"/>
+              <a:t> October</a:t>
+            </a:r>
+          </a:p>
+          <a:p>
+            <a:r>
+              <a:rPr lang="en-GB" dirty="0"/>
+              <a:t>Demonstrations are usually on the 25</a:t>
+            </a:r>
+            <a:r>
+              <a:rPr lang="en-GB" baseline="30000" dirty="0"/>
+              <a:t>th</a:t>
+            </a:r>
+            <a:r>
+              <a:rPr lang="en-GB" dirty="0"/>
+              <a:t> September, however this may also be pushed back three weeks</a:t>
+            </a:r>
+          </a:p>
+        </p:txBody>
+      </p:sp>
+    </p:spTree>
+    <p:extLst>
+      <p:ext uri="{BB962C8B-B14F-4D97-AF65-F5344CB8AC3E}">
+        <p14:creationId xmlns:p14="http://schemas.microsoft.com/office/powerpoint/2010/main" val="3883282633"/>
+      </p:ext>
+    </p:extLst>
+  </p:cSld>
+  <p:clrMapOvr>
+    <a:masterClrMapping/>
+  </p:clrMapOvr>
+</p:sld>
+</file>
+
+<file path=ppt/slides/slide8.xml><?xml version="1.0" encoding="utf-8"?>
+<p:sld xmlns:a="http://schemas.openxmlformats.org/drawingml/2006/main" xmlns:r="http://schemas.openxmlformats.org/officeDocument/2006/relationships" xmlns:p="http://schemas.openxmlformats.org/presentationml/2006/main">
+  <p:cSld>
+    <p:spTree>
+      <p:nvGrpSpPr>
+        <p:cNvPr id="1" name=""/>
+        <p:cNvGrpSpPr/>
+        <p:nvPr/>
+      </p:nvGrpSpPr>
+      <p:grpSpPr>
+        <a:xfrm>
+          <a:off x="0" y="0"/>
+          <a:ext cx="0" cy="0"/>
+          <a:chOff x="0" y="0"/>
+          <a:chExt cx="0" cy="0"/>
+        </a:xfrm>
+      </p:grpSpPr>
+      <p:sp>
+        <p:nvSpPr>
+          <p:cNvPr id="2" name="Title 1">
+            <a:extLst>
+              <a:ext uri="{FF2B5EF4-FFF2-40B4-BE49-F238E27FC236}">
                 <a16:creationId xmlns:a16="http://schemas.microsoft.com/office/drawing/2014/main" id="{33307353-5027-D35C-ADDA-D7350437B66C}"/>
               </a:ext>
             </a:extLst>
@@ -6956,7 +8507,7 @@
             <p:ph idx="1"/>
             <p:extLst>
               <p:ext uri="{D42A27DB-BD31-4B8C-83A1-F6EECF244321}">
-                <p14:modId xmlns:p14="http://schemas.microsoft.com/office/powerpoint/2010/main" val="688929675"/>
+                <p14:modId xmlns:p14="http://schemas.microsoft.com/office/powerpoint/2010/main" val="983385370"/>
               </p:ext>
             </p:extLst>
           </p:nvPr>
@@ -8034,7 +9585,7 @@
                     <a:p>
                       <a:r>
                         <a:rPr lang="en-GB" dirty="0"/>
-                        <a:t>1.4%</a:t>
+                        <a:t>1.6%</a:t>
                       </a:r>
                     </a:p>
                   </a:txBody>
@@ -8093,3251 +9644,6 @@
     <p:extLst>
       <p:ext uri="{BB962C8B-B14F-4D97-AF65-F5344CB8AC3E}">
         <p14:creationId xmlns:p14="http://schemas.microsoft.com/office/powerpoint/2010/main" val="3978361260"/>
-      </p:ext>
-    </p:extLst>
-  </p:cSld>
-  <p:clrMapOvr>
-    <a:masterClrMapping/>
-  </p:clrMapOvr>
-</p:sld>
-</file>
-
-<file path=ppt/slides/slide15.xml><?xml version="1.0" encoding="utf-8"?>
-<p:sld xmlns:a="http://schemas.openxmlformats.org/drawingml/2006/main" xmlns:r="http://schemas.openxmlformats.org/officeDocument/2006/relationships" xmlns:p="http://schemas.openxmlformats.org/presentationml/2006/main">
-  <p:cSld>
-    <p:spTree>
-      <p:nvGrpSpPr>
-        <p:cNvPr id="1" name=""/>
-        <p:cNvGrpSpPr/>
-        <p:nvPr/>
-      </p:nvGrpSpPr>
-      <p:grpSpPr>
-        <a:xfrm>
-          <a:off x="0" y="0"/>
-          <a:ext cx="0" cy="0"/>
-          <a:chOff x="0" y="0"/>
-          <a:chExt cx="0" cy="0"/>
-        </a:xfrm>
-      </p:grpSpPr>
-      <p:sp>
-        <p:nvSpPr>
-          <p:cNvPr id="2" name="Title 1">
-            <a:extLst>
-              <a:ext uri="{FF2B5EF4-FFF2-40B4-BE49-F238E27FC236}">
-                <a16:creationId xmlns:a16="http://schemas.microsoft.com/office/drawing/2014/main" id="{E10C3BAE-B4D7-7B5C-99BD-DB0FEC1774D0}"/>
-              </a:ext>
-            </a:extLst>
-          </p:cNvPr>
-          <p:cNvSpPr>
-            <a:spLocks noGrp="1"/>
-          </p:cNvSpPr>
-          <p:nvPr>
-            <p:ph type="title"/>
-          </p:nvPr>
-        </p:nvSpPr>
-        <p:spPr/>
-        <p:txBody>
-          <a:bodyPr/>
-          <a:lstStyle/>
-          <a:p>
-            <a:r>
-              <a:rPr lang="en-GB" dirty="0"/>
-              <a:t>Next Week</a:t>
-            </a:r>
-          </a:p>
-        </p:txBody>
-      </p:sp>
-      <p:sp>
-        <p:nvSpPr>
-          <p:cNvPr id="3" name="Content Placeholder 2">
-            <a:extLst>
-              <a:ext uri="{FF2B5EF4-FFF2-40B4-BE49-F238E27FC236}">
-                <a16:creationId xmlns:a16="http://schemas.microsoft.com/office/drawing/2014/main" id="{A1B8B978-187E-60AF-5EC1-29FD416A2F65}"/>
-              </a:ext>
-            </a:extLst>
-          </p:cNvPr>
-          <p:cNvSpPr>
-            <a:spLocks noGrp="1"/>
-          </p:cNvSpPr>
-          <p:nvPr>
-            <p:ph idx="1"/>
-          </p:nvPr>
-        </p:nvSpPr>
-        <p:spPr/>
-        <p:txBody>
-          <a:bodyPr/>
-          <a:lstStyle/>
-          <a:p>
-            <a:r>
-              <a:rPr lang="en-GB" dirty="0"/>
-              <a:t>Working full time again on the feasibility study</a:t>
-            </a:r>
-          </a:p>
-          <a:p>
-            <a:r>
-              <a:rPr lang="en-GB" dirty="0"/>
-              <a:t>Will continue to look for answers regarding the n-step ideas, but want to begin writing up soon</a:t>
-            </a:r>
-          </a:p>
-          <a:p>
-            <a:r>
-              <a:rPr lang="en-GB" dirty="0"/>
-              <a:t>My deadline is on the12</a:t>
-            </a:r>
-            <a:r>
-              <a:rPr lang="en-GB" baseline="30000" dirty="0"/>
-              <a:t>th</a:t>
-            </a:r>
-            <a:r>
-              <a:rPr lang="en-GB" dirty="0"/>
-              <a:t> October</a:t>
-            </a:r>
-          </a:p>
-          <a:p>
-            <a:r>
-              <a:rPr lang="en-GB" dirty="0"/>
-              <a:t>Demonstrations are usually on the 25</a:t>
-            </a:r>
-            <a:r>
-              <a:rPr lang="en-GB" baseline="30000" dirty="0"/>
-              <a:t>th</a:t>
-            </a:r>
-            <a:r>
-              <a:rPr lang="en-GB" dirty="0"/>
-              <a:t> September, however this may also be pushed back three weeks</a:t>
-            </a:r>
-          </a:p>
-        </p:txBody>
-      </p:sp>
-    </p:spTree>
-    <p:extLst>
-      <p:ext uri="{BB962C8B-B14F-4D97-AF65-F5344CB8AC3E}">
-        <p14:creationId xmlns:p14="http://schemas.microsoft.com/office/powerpoint/2010/main" val="3883282633"/>
-      </p:ext>
-    </p:extLst>
-  </p:cSld>
-  <p:clrMapOvr>
-    <a:masterClrMapping/>
-  </p:clrMapOvr>
-</p:sld>
-</file>
-
-<file path=ppt/slides/slide2.xml><?xml version="1.0" encoding="utf-8"?>
-<p:sld xmlns:a="http://schemas.openxmlformats.org/drawingml/2006/main" xmlns:r="http://schemas.openxmlformats.org/officeDocument/2006/relationships" xmlns:p="http://schemas.openxmlformats.org/presentationml/2006/main">
-  <p:cSld>
-    <p:spTree>
-      <p:nvGrpSpPr>
-        <p:cNvPr id="1" name=""/>
-        <p:cNvGrpSpPr/>
-        <p:nvPr/>
-      </p:nvGrpSpPr>
-      <p:grpSpPr>
-        <a:xfrm>
-          <a:off x="0" y="0"/>
-          <a:ext cx="0" cy="0"/>
-          <a:chOff x="0" y="0"/>
-          <a:chExt cx="0" cy="0"/>
-        </a:xfrm>
-      </p:grpSpPr>
-      <p:sp>
-        <p:nvSpPr>
-          <p:cNvPr id="2" name="Title 1">
-            <a:extLst>
-              <a:ext uri="{FF2B5EF4-FFF2-40B4-BE49-F238E27FC236}">
-                <a16:creationId xmlns:a16="http://schemas.microsoft.com/office/drawing/2014/main" id="{761150A7-D314-5E3A-8F37-AE6C7B96F241}"/>
-              </a:ext>
-            </a:extLst>
-          </p:cNvPr>
-          <p:cNvSpPr>
-            <a:spLocks noGrp="1"/>
-          </p:cNvSpPr>
-          <p:nvPr>
-            <p:ph type="title"/>
-          </p:nvPr>
-        </p:nvSpPr>
-        <p:spPr/>
-        <p:txBody>
-          <a:bodyPr/>
-          <a:lstStyle/>
-          <a:p>
-            <a:r>
-              <a:rPr lang="en-GB" dirty="0"/>
-              <a:t>What I’ve been doing</a:t>
-            </a:r>
-          </a:p>
-        </p:txBody>
-      </p:sp>
-      <p:sp>
-        <p:nvSpPr>
-          <p:cNvPr id="3" name="Content Placeholder 2">
-            <a:extLst>
-              <a:ext uri="{FF2B5EF4-FFF2-40B4-BE49-F238E27FC236}">
-                <a16:creationId xmlns:a16="http://schemas.microsoft.com/office/drawing/2014/main" id="{76449E47-A00F-FDFD-C880-4F8E4FF45744}"/>
-              </a:ext>
-            </a:extLst>
-          </p:cNvPr>
-          <p:cNvSpPr>
-            <a:spLocks noGrp="1"/>
-          </p:cNvSpPr>
-          <p:nvPr>
-            <p:ph idx="1"/>
-          </p:nvPr>
-        </p:nvSpPr>
-        <p:spPr/>
-        <p:txBody>
-          <a:bodyPr>
-            <a:normAutofit lnSpcReduction="10000"/>
-          </a:bodyPr>
-          <a:lstStyle/>
-          <a:p>
-            <a:r>
-              <a:rPr lang="en-GB" dirty="0"/>
-              <a:t>Many more results – Have been running experiments on Iridis for the last 2 weeks</a:t>
-            </a:r>
-          </a:p>
-          <a:p>
-            <a:r>
-              <a:rPr lang="en-GB" dirty="0"/>
-              <a:t>Results have given more questions than answers; now trying to create testable hypotheses</a:t>
-            </a:r>
-          </a:p>
-          <a:p>
-            <a:r>
-              <a:rPr lang="en-GB" dirty="0"/>
-              <a:t>Referral work is about 95% finished, then will send it to Mohammad.</a:t>
-            </a:r>
-          </a:p>
-          <a:p>
-            <a:r>
-              <a:rPr lang="en-GB" dirty="0"/>
-              <a:t>Thinking on Internship has changed</a:t>
-            </a:r>
-          </a:p>
-        </p:txBody>
-      </p:sp>
-    </p:spTree>
-    <p:extLst>
-      <p:ext uri="{BB962C8B-B14F-4D97-AF65-F5344CB8AC3E}">
-        <p14:creationId xmlns:p14="http://schemas.microsoft.com/office/powerpoint/2010/main" val="2106632502"/>
-      </p:ext>
-    </p:extLst>
-  </p:cSld>
-  <p:clrMapOvr>
-    <a:masterClrMapping/>
-  </p:clrMapOvr>
-</p:sld>
-</file>
-
-<file path=ppt/slides/slide3.xml><?xml version="1.0" encoding="utf-8"?>
-<p:sld xmlns:a="http://schemas.openxmlformats.org/drawingml/2006/main" xmlns:r="http://schemas.openxmlformats.org/officeDocument/2006/relationships" xmlns:p="http://schemas.openxmlformats.org/presentationml/2006/main">
-  <p:cSld>
-    <p:spTree>
-      <p:nvGrpSpPr>
-        <p:cNvPr id="1" name=""/>
-        <p:cNvGrpSpPr/>
-        <p:nvPr/>
-      </p:nvGrpSpPr>
-      <p:grpSpPr>
-        <a:xfrm>
-          <a:off x="0" y="0"/>
-          <a:ext cx="0" cy="0"/>
-          <a:chOff x="0" y="0"/>
-          <a:chExt cx="0" cy="0"/>
-        </a:xfrm>
-      </p:grpSpPr>
-      <p:sp>
-        <p:nvSpPr>
-          <p:cNvPr id="2" name="Title 1">
-            <a:extLst>
-              <a:ext uri="{FF2B5EF4-FFF2-40B4-BE49-F238E27FC236}">
-                <a16:creationId xmlns:a16="http://schemas.microsoft.com/office/drawing/2014/main" id="{2B2C7657-E009-F0A6-AB26-BBF785AA2DCE}"/>
-              </a:ext>
-            </a:extLst>
-          </p:cNvPr>
-          <p:cNvSpPr>
-            <a:spLocks noGrp="1"/>
-          </p:cNvSpPr>
-          <p:nvPr>
-            <p:ph type="title"/>
-          </p:nvPr>
-        </p:nvSpPr>
-        <p:spPr/>
-        <p:txBody>
-          <a:bodyPr/>
-          <a:lstStyle/>
-          <a:p>
-            <a:r>
-              <a:rPr lang="en-GB" dirty="0"/>
-              <a:t>Major Results</a:t>
-            </a:r>
-          </a:p>
-        </p:txBody>
-      </p:sp>
-      <p:sp>
-        <p:nvSpPr>
-          <p:cNvPr id="3" name="Content Placeholder 2">
-            <a:extLst>
-              <a:ext uri="{FF2B5EF4-FFF2-40B4-BE49-F238E27FC236}">
-                <a16:creationId xmlns:a16="http://schemas.microsoft.com/office/drawing/2014/main" id="{F3C7F5EA-E912-85E4-9EFD-802A8BB1F679}"/>
-              </a:ext>
-            </a:extLst>
-          </p:cNvPr>
-          <p:cNvSpPr>
-            <a:spLocks noGrp="1"/>
-          </p:cNvSpPr>
-          <p:nvPr>
-            <p:ph idx="1"/>
-          </p:nvPr>
-        </p:nvSpPr>
-        <p:spPr>
-          <a:xfrm>
-            <a:off x="341584" y="4353682"/>
-            <a:ext cx="10168128" cy="2333604"/>
-          </a:xfrm>
-        </p:spPr>
-        <p:txBody>
-          <a:bodyPr/>
-          <a:lstStyle/>
-          <a:p>
-            <a:r>
-              <a:rPr lang="en-GB" dirty="0"/>
-              <a:t>N-step is clearly the major driver behind policy churn.</a:t>
-            </a:r>
-          </a:p>
-          <a:p>
-            <a:r>
-              <a:rPr lang="en-GB" dirty="0"/>
-              <a:t>In the original paper, they used DDQN n-step=1, and got results around 9%, roughly matching these results</a:t>
-            </a:r>
-          </a:p>
-        </p:txBody>
-      </p:sp>
-      <p:graphicFrame>
-        <p:nvGraphicFramePr>
-          <p:cNvPr id="4" name="Table 4">
-            <a:extLst>
-              <a:ext uri="{FF2B5EF4-FFF2-40B4-BE49-F238E27FC236}">
-                <a16:creationId xmlns:a16="http://schemas.microsoft.com/office/drawing/2014/main" id="{10C53300-ED5C-2168-CF1C-5D46BB330402}"/>
-              </a:ext>
-            </a:extLst>
-          </p:cNvPr>
-          <p:cNvGraphicFramePr>
-            <a:graphicFrameLocks/>
-          </p:cNvGraphicFramePr>
-          <p:nvPr>
-            <p:extLst>
-              <p:ext uri="{D42A27DB-BD31-4B8C-83A1-F6EECF244321}">
-                <p14:modId xmlns:p14="http://schemas.microsoft.com/office/powerpoint/2010/main" val="2466983640"/>
-              </p:ext>
-            </p:extLst>
-          </p:nvPr>
-        </p:nvGraphicFramePr>
-        <p:xfrm>
-          <a:off x="262939" y="1858024"/>
-          <a:ext cx="10435147" cy="2316480"/>
-        </p:xfrm>
-        <a:graphic>
-          <a:graphicData uri="http://schemas.openxmlformats.org/drawingml/2006/table">
-            <a:tbl>
-              <a:tblPr firstCol="1" bandRow="1">
-                <a:tableStyleId>{5C22544A-7EE6-4342-B048-85BDC9FD1C3A}</a:tableStyleId>
-              </a:tblPr>
-              <a:tblGrid>
-                <a:gridCol w="1785630">
-                  <a:extLst>
-                    <a:ext uri="{9D8B030D-6E8A-4147-A177-3AD203B41FA5}">
-                      <a16:colId xmlns:a16="http://schemas.microsoft.com/office/drawing/2014/main" val="4255414579"/>
-                    </a:ext>
-                  </a:extLst>
-                </a:gridCol>
-                <a:gridCol w="1177337">
-                  <a:extLst>
-                    <a:ext uri="{9D8B030D-6E8A-4147-A177-3AD203B41FA5}">
-                      <a16:colId xmlns:a16="http://schemas.microsoft.com/office/drawing/2014/main" val="996843923"/>
-                    </a:ext>
-                  </a:extLst>
-                </a:gridCol>
-                <a:gridCol w="1235892">
-                  <a:extLst>
-                    <a:ext uri="{9D8B030D-6E8A-4147-A177-3AD203B41FA5}">
-                      <a16:colId xmlns:a16="http://schemas.microsoft.com/office/drawing/2014/main" val="3559425137"/>
-                    </a:ext>
-                  </a:extLst>
-                </a:gridCol>
-                <a:gridCol w="1868361">
-                  <a:extLst>
-                    <a:ext uri="{9D8B030D-6E8A-4147-A177-3AD203B41FA5}">
-                      <a16:colId xmlns:a16="http://schemas.microsoft.com/office/drawing/2014/main" val="1334783072"/>
-                    </a:ext>
-                  </a:extLst>
-                </a:gridCol>
-                <a:gridCol w="2264414">
-                  <a:extLst>
-                    <a:ext uri="{9D8B030D-6E8A-4147-A177-3AD203B41FA5}">
-                      <a16:colId xmlns:a16="http://schemas.microsoft.com/office/drawing/2014/main" val="2824663947"/>
-                    </a:ext>
-                  </a:extLst>
-                </a:gridCol>
-                <a:gridCol w="2103513">
-                  <a:extLst>
-                    <a:ext uri="{9D8B030D-6E8A-4147-A177-3AD203B41FA5}">
-                      <a16:colId xmlns:a16="http://schemas.microsoft.com/office/drawing/2014/main" val="3874905528"/>
-                    </a:ext>
-                  </a:extLst>
-                </a:gridCol>
-              </a:tblGrid>
-              <a:tr h="382038">
-                <a:tc>
-                  <a:txBody>
-                    <a:bodyPr/>
-                    <a:lstStyle/>
-                    <a:p>
-                      <a:endParaRPr lang="en-GB" sz="1800" dirty="0"/>
-                    </a:p>
-                  </a:txBody>
-                  <a:tcPr/>
-                </a:tc>
-                <a:tc>
-                  <a:txBody>
-                    <a:bodyPr/>
-                    <a:lstStyle/>
-                    <a:p>
-                      <a:r>
-                        <a:rPr lang="en-GB" sz="2400" dirty="0"/>
-                        <a:t>Early Churn</a:t>
-                      </a:r>
-                    </a:p>
-                  </a:txBody>
-                  <a:tcPr/>
-                </a:tc>
-                <a:tc>
-                  <a:txBody>
-                    <a:bodyPr/>
-                    <a:lstStyle/>
-                    <a:p>
-                      <a:r>
-                        <a:rPr lang="en-GB" sz="2400" dirty="0"/>
-                        <a:t>Late Churn</a:t>
-                      </a:r>
-                    </a:p>
-                  </a:txBody>
-                  <a:tcPr/>
-                </a:tc>
-                <a:tc>
-                  <a:txBody>
-                    <a:bodyPr/>
-                    <a:lstStyle/>
-                    <a:p>
-                      <a:r>
-                        <a:rPr lang="en-GB" sz="2400" dirty="0"/>
-                        <a:t>Performance</a:t>
-                      </a:r>
-                    </a:p>
-                  </a:txBody>
-                  <a:tcPr/>
-                </a:tc>
-                <a:tc>
-                  <a:txBody>
-                    <a:bodyPr/>
-                    <a:lstStyle/>
-                    <a:p>
-                      <a:r>
-                        <a:rPr lang="en-GB" sz="2400" dirty="0"/>
-                        <a:t>0% Churn Rate Early</a:t>
-                      </a:r>
-                    </a:p>
-                  </a:txBody>
-                  <a:tcPr/>
-                </a:tc>
-                <a:tc>
-                  <a:txBody>
-                    <a:bodyPr/>
-                    <a:lstStyle/>
-                    <a:p>
-                      <a:r>
-                        <a:rPr lang="en-GB" sz="2400" dirty="0"/>
-                        <a:t>0% Churn Rate Late</a:t>
-                      </a:r>
-                    </a:p>
-                  </a:txBody>
-                  <a:tcPr/>
-                </a:tc>
-                <a:extLst>
-                  <a:ext uri="{0D108BD9-81ED-4DB2-BD59-A6C34878D82A}">
-                    <a16:rowId xmlns:a16="http://schemas.microsoft.com/office/drawing/2014/main" val="1536285900"/>
-                  </a:ext>
-                </a:extLst>
-              </a:tr>
-              <a:tr h="370840">
-                <a:tc>
-                  <a:txBody>
-                    <a:bodyPr/>
-                    <a:lstStyle/>
-                    <a:p>
-                      <a:r>
-                        <a:rPr lang="en-GB" sz="1600" dirty="0"/>
-                        <a:t>DDQN n-step=10</a:t>
-                      </a:r>
-                    </a:p>
-                  </a:txBody>
-                  <a:tcPr/>
-                </a:tc>
-                <a:tc>
-                  <a:txBody>
-                    <a:bodyPr/>
-                    <a:lstStyle/>
-                    <a:p>
-                      <a:r>
-                        <a:rPr lang="en-GB" sz="2400" dirty="0"/>
-                        <a:t>3.8%</a:t>
-                      </a:r>
-                    </a:p>
-                  </a:txBody>
-                  <a:tcPr/>
-                </a:tc>
-                <a:tc>
-                  <a:txBody>
-                    <a:bodyPr/>
-                    <a:lstStyle/>
-                    <a:p>
-                      <a:r>
-                        <a:rPr lang="en-GB" sz="2400" dirty="0"/>
-                        <a:t>1.9%</a:t>
-                      </a:r>
-                    </a:p>
-                  </a:txBody>
-                  <a:tcPr/>
-                </a:tc>
-                <a:tc>
-                  <a:txBody>
-                    <a:bodyPr/>
-                    <a:lstStyle/>
-                    <a:p>
-                      <a:r>
-                        <a:rPr lang="en-GB" sz="2400" dirty="0"/>
-                        <a:t>0.13*</a:t>
-                      </a:r>
-                    </a:p>
-                  </a:txBody>
-                  <a:tcPr/>
-                </a:tc>
-                <a:tc>
-                  <a:txBody>
-                    <a:bodyPr/>
-                    <a:lstStyle/>
-                    <a:p>
-                      <a:r>
-                        <a:rPr lang="en-GB" sz="2400" dirty="0"/>
-                        <a:t>9.1%</a:t>
-                      </a:r>
-                    </a:p>
-                  </a:txBody>
-                  <a:tcPr/>
-                </a:tc>
-                <a:tc>
-                  <a:txBody>
-                    <a:bodyPr/>
-                    <a:lstStyle/>
-                    <a:p>
-                      <a:r>
-                        <a:rPr lang="en-GB" sz="2400" dirty="0"/>
-                        <a:t>0%</a:t>
-                      </a:r>
-                    </a:p>
-                  </a:txBody>
-                  <a:tcPr/>
-                </a:tc>
-                <a:extLst>
-                  <a:ext uri="{0D108BD9-81ED-4DB2-BD59-A6C34878D82A}">
-                    <a16:rowId xmlns:a16="http://schemas.microsoft.com/office/drawing/2014/main" val="3231117332"/>
-                  </a:ext>
-                </a:extLst>
-              </a:tr>
-              <a:tr h="184638">
-                <a:tc>
-                  <a:txBody>
-                    <a:bodyPr/>
-                    <a:lstStyle/>
-                    <a:p>
-                      <a:r>
-                        <a:rPr lang="en-GB" sz="1600" dirty="0"/>
-                        <a:t>DDQN n-step=3</a:t>
-                      </a:r>
-                    </a:p>
-                  </a:txBody>
-                  <a:tcPr/>
-                </a:tc>
-                <a:tc>
-                  <a:txBody>
-                    <a:bodyPr/>
-                    <a:lstStyle/>
-                    <a:p>
-                      <a:r>
-                        <a:rPr lang="en-GB" sz="2400" dirty="0"/>
-                        <a:t>5.6%</a:t>
-                      </a:r>
-                    </a:p>
-                  </a:txBody>
-                  <a:tcPr/>
-                </a:tc>
-                <a:tc>
-                  <a:txBody>
-                    <a:bodyPr/>
-                    <a:lstStyle/>
-                    <a:p>
-                      <a:r>
-                        <a:rPr lang="en-GB" sz="2400" dirty="0"/>
-                        <a:t>2.8%</a:t>
-                      </a:r>
-                    </a:p>
-                  </a:txBody>
-                  <a:tcPr/>
-                </a:tc>
-                <a:tc>
-                  <a:txBody>
-                    <a:bodyPr/>
-                    <a:lstStyle/>
-                    <a:p>
-                      <a:r>
-                        <a:rPr lang="en-GB" sz="2400" dirty="0"/>
-                        <a:t>0.127</a:t>
-                      </a:r>
-                    </a:p>
-                  </a:txBody>
-                  <a:tcPr/>
-                </a:tc>
-                <a:tc>
-                  <a:txBody>
-                    <a:bodyPr/>
-                    <a:lstStyle/>
-                    <a:p>
-                      <a:r>
-                        <a:rPr lang="en-GB" sz="2400" dirty="0"/>
-                        <a:t>15.7%</a:t>
-                      </a:r>
-                    </a:p>
-                  </a:txBody>
-                  <a:tcPr/>
-                </a:tc>
-                <a:tc>
-                  <a:txBody>
-                    <a:bodyPr/>
-                    <a:lstStyle/>
-                    <a:p>
-                      <a:r>
-                        <a:rPr lang="en-GB" sz="2400" dirty="0"/>
-                        <a:t>3.8%</a:t>
-                      </a:r>
-                    </a:p>
-                  </a:txBody>
-                  <a:tcPr/>
-                </a:tc>
-                <a:extLst>
-                  <a:ext uri="{0D108BD9-81ED-4DB2-BD59-A6C34878D82A}">
-                    <a16:rowId xmlns:a16="http://schemas.microsoft.com/office/drawing/2014/main" val="1426501908"/>
-                  </a:ext>
-                </a:extLst>
-              </a:tr>
-              <a:tr h="184638">
-                <a:tc>
-                  <a:txBody>
-                    <a:bodyPr/>
-                    <a:lstStyle/>
-                    <a:p>
-                      <a:r>
-                        <a:rPr lang="en-GB" sz="1600" dirty="0"/>
-                        <a:t>DDQN n-step=1</a:t>
-                      </a:r>
-                    </a:p>
-                  </a:txBody>
-                  <a:tcPr/>
-                </a:tc>
-                <a:tc>
-                  <a:txBody>
-                    <a:bodyPr/>
-                    <a:lstStyle/>
-                    <a:p>
-                      <a:r>
-                        <a:rPr lang="en-GB" sz="2400" dirty="0"/>
-                        <a:t>10.9%</a:t>
-                      </a:r>
-                    </a:p>
-                  </a:txBody>
-                  <a:tcPr/>
-                </a:tc>
-                <a:tc>
-                  <a:txBody>
-                    <a:bodyPr/>
-                    <a:lstStyle/>
-                    <a:p>
-                      <a:r>
-                        <a:rPr lang="en-GB" sz="2400" dirty="0"/>
-                        <a:t>5.7%</a:t>
-                      </a:r>
-                    </a:p>
-                  </a:txBody>
-                  <a:tcPr/>
-                </a:tc>
-                <a:tc>
-                  <a:txBody>
-                    <a:bodyPr/>
-                    <a:lstStyle/>
-                    <a:p>
-                      <a:r>
-                        <a:rPr lang="en-GB" sz="2400" dirty="0"/>
-                        <a:t>0.036</a:t>
-                      </a:r>
-                    </a:p>
-                  </a:txBody>
-                  <a:tcPr/>
-                </a:tc>
-                <a:tc>
-                  <a:txBody>
-                    <a:bodyPr/>
-                    <a:lstStyle/>
-                    <a:p>
-                      <a:r>
-                        <a:rPr lang="en-GB" sz="2400" dirty="0"/>
-                        <a:t>29.2%</a:t>
-                      </a:r>
-                    </a:p>
-                  </a:txBody>
-                  <a:tcPr/>
-                </a:tc>
-                <a:tc>
-                  <a:txBody>
-                    <a:bodyPr/>
-                    <a:lstStyle/>
-                    <a:p>
-                      <a:r>
-                        <a:rPr lang="en-GB" sz="2400" dirty="0"/>
-                        <a:t>4.7%</a:t>
-                      </a:r>
-                    </a:p>
-                  </a:txBody>
-                  <a:tcPr/>
-                </a:tc>
-                <a:extLst>
-                  <a:ext uri="{0D108BD9-81ED-4DB2-BD59-A6C34878D82A}">
-                    <a16:rowId xmlns:a16="http://schemas.microsoft.com/office/drawing/2014/main" val="1465530293"/>
-                  </a:ext>
-                </a:extLst>
-              </a:tr>
-            </a:tbl>
-          </a:graphicData>
-        </a:graphic>
-      </p:graphicFrame>
-    </p:spTree>
-    <p:extLst>
-      <p:ext uri="{BB962C8B-B14F-4D97-AF65-F5344CB8AC3E}">
-        <p14:creationId xmlns:p14="http://schemas.microsoft.com/office/powerpoint/2010/main" val="4037181870"/>
-      </p:ext>
-    </p:extLst>
-  </p:cSld>
-  <p:clrMapOvr>
-    <a:masterClrMapping/>
-  </p:clrMapOvr>
-</p:sld>
-</file>
-
-<file path=ppt/slides/slide4.xml><?xml version="1.0" encoding="utf-8"?>
-<p:sld xmlns:a="http://schemas.openxmlformats.org/drawingml/2006/main" xmlns:r="http://schemas.openxmlformats.org/officeDocument/2006/relationships" xmlns:p="http://schemas.openxmlformats.org/presentationml/2006/main">
-  <p:cSld>
-    <p:spTree>
-      <p:nvGrpSpPr>
-        <p:cNvPr id="1" name=""/>
-        <p:cNvGrpSpPr/>
-        <p:nvPr/>
-      </p:nvGrpSpPr>
-      <p:grpSpPr>
-        <a:xfrm>
-          <a:off x="0" y="0"/>
-          <a:ext cx="0" cy="0"/>
-          <a:chOff x="0" y="0"/>
-          <a:chExt cx="0" cy="0"/>
-        </a:xfrm>
-      </p:grpSpPr>
-      <p:sp>
-        <p:nvSpPr>
-          <p:cNvPr id="2" name="Title 1">
-            <a:extLst>
-              <a:ext uri="{FF2B5EF4-FFF2-40B4-BE49-F238E27FC236}">
-                <a16:creationId xmlns:a16="http://schemas.microsoft.com/office/drawing/2014/main" id="{ABD8298F-E987-A084-535C-F55A87E483CA}"/>
-              </a:ext>
-            </a:extLst>
-          </p:cNvPr>
-          <p:cNvSpPr>
-            <a:spLocks noGrp="1"/>
-          </p:cNvSpPr>
-          <p:nvPr>
-            <p:ph type="title"/>
-          </p:nvPr>
-        </p:nvSpPr>
-        <p:spPr/>
-        <p:txBody>
-          <a:bodyPr/>
-          <a:lstStyle/>
-          <a:p>
-            <a:r>
-              <a:rPr lang="en-GB" dirty="0"/>
-              <a:t>Literature - </a:t>
-            </a:r>
-            <a:r>
-              <a:rPr lang="en-GB" sz="4000" dirty="0"/>
-              <a:t>(Variance Double down) </a:t>
-            </a:r>
-            <a:endParaRPr lang="en-GB" dirty="0"/>
-          </a:p>
-        </p:txBody>
-      </p:sp>
-      <p:sp>
-        <p:nvSpPr>
-          <p:cNvPr id="3" name="Content Placeholder 2">
-            <a:extLst>
-              <a:ext uri="{FF2B5EF4-FFF2-40B4-BE49-F238E27FC236}">
-                <a16:creationId xmlns:a16="http://schemas.microsoft.com/office/drawing/2014/main" id="{3CE9EAD2-3FAD-6EC1-0294-89615F2DA30A}"/>
-              </a:ext>
-            </a:extLst>
-          </p:cNvPr>
-          <p:cNvSpPr>
-            <a:spLocks noGrp="1"/>
-          </p:cNvSpPr>
-          <p:nvPr>
-            <p:ph idx="1"/>
-          </p:nvPr>
-        </p:nvSpPr>
-        <p:spPr>
-          <a:xfrm>
-            <a:off x="55963" y="2289650"/>
-            <a:ext cx="11771062" cy="3694176"/>
-          </a:xfrm>
-        </p:spPr>
-        <p:txBody>
-          <a:bodyPr>
-            <a:normAutofit/>
-          </a:bodyPr>
-          <a:lstStyle/>
-          <a:p>
-            <a:r>
-              <a:rPr lang="en-GB" sz="2400" dirty="0"/>
-              <a:t>After reviewing more literature, other papers have also found n-step to be far more important than expected</a:t>
-            </a:r>
-          </a:p>
-          <a:p>
-            <a:r>
-              <a:rPr lang="en-GB" sz="2400" dirty="0"/>
-              <a:t>This paper reported that performance </a:t>
-            </a:r>
-            <a:r>
-              <a:rPr lang="en-GB" sz="2400" i="1" dirty="0"/>
-              <a:t>increased </a:t>
-            </a:r>
-            <a:r>
-              <a:rPr lang="en-GB" sz="2400" dirty="0"/>
-              <a:t>when both n-step was increased and batch size was decreased – however despite their testing, they did not find a good reason for why this was. My results may provide a reason.</a:t>
-            </a:r>
-          </a:p>
-          <a:p>
-            <a:r>
-              <a:rPr lang="en-GB" sz="2400" dirty="0"/>
-              <a:t>The reason for this is that they both of these parameter changes increased variance, hence they thought they were destabilising to learning. My results show that N-step has a very strong stabilising effect.</a:t>
-            </a:r>
-          </a:p>
-        </p:txBody>
-      </p:sp>
-    </p:spTree>
-    <p:extLst>
-      <p:ext uri="{BB962C8B-B14F-4D97-AF65-F5344CB8AC3E}">
-        <p14:creationId xmlns:p14="http://schemas.microsoft.com/office/powerpoint/2010/main" val="348773834"/>
-      </p:ext>
-    </p:extLst>
-  </p:cSld>
-  <p:clrMapOvr>
-    <a:masterClrMapping/>
-  </p:clrMapOvr>
-</p:sld>
-</file>
-
-<file path=ppt/slides/slide5.xml><?xml version="1.0" encoding="utf-8"?>
-<p:sld xmlns:a="http://schemas.openxmlformats.org/drawingml/2006/main" xmlns:r="http://schemas.openxmlformats.org/officeDocument/2006/relationships" xmlns:p="http://schemas.openxmlformats.org/presentationml/2006/main">
-  <p:cSld>
-    <p:bg>
-      <p:bgPr>
-        <a:solidFill>
-          <a:schemeClr val="bg1"/>
-        </a:solidFill>
-        <a:effectLst/>
-      </p:bgPr>
-    </p:bg>
-    <p:spTree>
-      <p:nvGrpSpPr>
-        <p:cNvPr id="1" name=""/>
-        <p:cNvGrpSpPr/>
-        <p:nvPr/>
-      </p:nvGrpSpPr>
-      <p:grpSpPr>
-        <a:xfrm>
-          <a:off x="0" y="0"/>
-          <a:ext cx="0" cy="0"/>
-          <a:chOff x="0" y="0"/>
-          <a:chExt cx="0" cy="0"/>
-        </a:xfrm>
-      </p:grpSpPr>
-      <p:sp useBgFill="1">
-        <p:nvSpPr>
-          <p:cNvPr id="20" name="Rectangle 9">
-            <a:extLst>
-              <a:ext uri="{FF2B5EF4-FFF2-40B4-BE49-F238E27FC236}">
-                <a16:creationId xmlns:a16="http://schemas.microsoft.com/office/drawing/2014/main" id="{84ECDE7A-6944-466D-8FFE-149A29BA6BAE}"/>
-              </a:ext>
-              <a:ext uri="{C183D7F6-B498-43B3-948B-1728B52AA6E4}">
-                <adec:decorative xmlns:adec="http://schemas.microsoft.com/office/drawing/2017/decorative" val="1"/>
-              </a:ext>
-            </a:extLst>
-          </p:cNvPr>
-          <p:cNvSpPr>
-            <a:spLocks noGrp="1" noRot="1" noChangeAspect="1" noMove="1" noResize="1" noEditPoints="1" noAdjustHandles="1" noChangeArrowheads="1" noChangeShapeType="1" noTextEdit="1"/>
-          </p:cNvSpPr>
-          <p:nvPr>
-            <p:extLst>
-              <p:ext uri="{386F3935-93C4-4BCD-93E2-E3B085C9AB24}">
-                <p16:designElem xmlns:p16="http://schemas.microsoft.com/office/powerpoint/2015/main" val="1"/>
-              </p:ext>
-            </p:extLst>
-          </p:nvPr>
-        </p:nvSpPr>
-        <p:spPr>
-          <a:xfrm>
-            <a:off x="0" y="0"/>
-            <a:ext cx="12192000" cy="6858000"/>
-          </a:xfrm>
-          <a:prstGeom prst="rect">
-            <a:avLst/>
-          </a:prstGeom>
-          <a:ln>
-            <a:noFill/>
-          </a:ln>
-        </p:spPr>
-        <p:style>
-          <a:lnRef idx="2">
-            <a:schemeClr val="accent1">
-              <a:shade val="50000"/>
-            </a:schemeClr>
-          </a:lnRef>
-          <a:fillRef idx="1">
-            <a:schemeClr val="accent1"/>
-          </a:fillRef>
-          <a:effectRef idx="0">
-            <a:schemeClr val="accent1"/>
-          </a:effectRef>
-          <a:fontRef idx="minor">
-            <a:schemeClr val="lt1"/>
-          </a:fontRef>
-        </p:style>
-        <p:txBody>
-          <a:bodyPr rtlCol="0" anchor="ctr"/>
-          <a:lstStyle/>
-          <a:p>
-            <a:pPr algn="ctr"/>
-            <a:endParaRPr lang="en-US"/>
-          </a:p>
-        </p:txBody>
-      </p:sp>
-      <p:sp useBgFill="1">
-        <p:nvSpPr>
-          <p:cNvPr id="21" name="Rectangle 11">
-            <a:extLst>
-              <a:ext uri="{FF2B5EF4-FFF2-40B4-BE49-F238E27FC236}">
-                <a16:creationId xmlns:a16="http://schemas.microsoft.com/office/drawing/2014/main" id="{B3420082-9415-44EC-802E-C77D71D59C57}"/>
-              </a:ext>
-              <a:ext uri="{C183D7F6-B498-43B3-948B-1728B52AA6E4}">
-                <adec:decorative xmlns:adec="http://schemas.microsoft.com/office/drawing/2017/decorative" val="1"/>
-              </a:ext>
-            </a:extLst>
-          </p:cNvPr>
-          <p:cNvSpPr>
-            <a:spLocks noGrp="1" noRot="1" noChangeAspect="1" noMove="1" noResize="1" noEditPoints="1" noAdjustHandles="1" noChangeArrowheads="1" noChangeShapeType="1" noTextEdit="1"/>
-          </p:cNvSpPr>
-          <p:nvPr>
-            <p:extLst>
-              <p:ext uri="{386F3935-93C4-4BCD-93E2-E3B085C9AB24}">
-                <p16:designElem xmlns:p16="http://schemas.microsoft.com/office/powerpoint/2015/main" val="1"/>
-              </p:ext>
-            </p:extLst>
-          </p:nvPr>
-        </p:nvSpPr>
-        <p:spPr>
-          <a:xfrm>
-            <a:off x="558209" y="0"/>
-            <a:ext cx="11167447" cy="2018806"/>
-          </a:xfrm>
-          <a:prstGeom prst="rect">
-            <a:avLst/>
-          </a:prstGeom>
-          <a:ln w="12700">
-            <a:solidFill>
-              <a:schemeClr val="tx2">
-                <a:lumMod val="10000"/>
-                <a:lumOff val="90000"/>
-              </a:schemeClr>
-            </a:solidFill>
-          </a:ln>
-          <a:effectLst>
-            <a:outerShdw blurRad="50800" dist="38100" dir="2700000" algn="tl" rotWithShape="0">
-              <a:schemeClr val="bg1">
-                <a:lumMod val="85000"/>
-                <a:alpha val="30000"/>
-              </a:schemeClr>
-            </a:outerShdw>
-          </a:effectLst>
-        </p:spPr>
-        <p:style>
-          <a:lnRef idx="2">
-            <a:schemeClr val="accent1">
-              <a:shade val="50000"/>
-            </a:schemeClr>
-          </a:lnRef>
-          <a:fillRef idx="1">
-            <a:schemeClr val="accent1"/>
-          </a:fillRef>
-          <a:effectRef idx="0">
-            <a:schemeClr val="accent1"/>
-          </a:effectRef>
-          <a:fontRef idx="minor">
-            <a:schemeClr val="lt1"/>
-          </a:fontRef>
-        </p:style>
-        <p:txBody>
-          <a:bodyPr rtlCol="0" anchor="ctr"/>
-          <a:lstStyle/>
-          <a:p>
-            <a:pPr marL="0" marR="0" lvl="0" indent="0" algn="ctr" defTabSz="914400" rtl="0" eaLnBrk="1" fontAlgn="auto" latinLnBrk="0" hangingPunct="1">
-              <a:lnSpc>
-                <a:spcPct val="100000"/>
-              </a:lnSpc>
-              <a:spcBef>
-                <a:spcPts val="0"/>
-              </a:spcBef>
-              <a:spcAft>
-                <a:spcPts val="0"/>
-              </a:spcAft>
-              <a:buClrTx/>
-              <a:buSzTx/>
-              <a:buFontTx/>
-              <a:buNone/>
-              <a:tabLst/>
-              <a:defRPr/>
-            </a:pPr>
-            <a:endParaRPr kumimoji="0" lang="en-US" sz="1800" b="0" i="0" u="none" strike="noStrike" kern="1200" cap="none" spc="0" normalizeH="0" baseline="0" noProof="0">
-              <a:ln>
-                <a:noFill/>
-              </a:ln>
-              <a:solidFill>
-                <a:prstClr val="white"/>
-              </a:solidFill>
-              <a:effectLst/>
-              <a:uLnTx/>
-              <a:uFillTx/>
-              <a:latin typeface="Calibri" panose="020F0502020204030204"/>
-              <a:ea typeface="+mn-ea"/>
-              <a:cs typeface="+mn-cs"/>
-            </a:endParaRPr>
-          </a:p>
-        </p:txBody>
-      </p:sp>
-      <p:sp useBgFill="1">
-        <p:nvSpPr>
-          <p:cNvPr id="22" name="Rectangle 13">
-            <a:extLst>
-              <a:ext uri="{FF2B5EF4-FFF2-40B4-BE49-F238E27FC236}">
-                <a16:creationId xmlns:a16="http://schemas.microsoft.com/office/drawing/2014/main" id="{55A52C45-1FCB-4636-A80F-2849B8226C01}"/>
-              </a:ext>
-              <a:ext uri="{C183D7F6-B498-43B3-948B-1728B52AA6E4}">
-                <adec:decorative xmlns:adec="http://schemas.microsoft.com/office/drawing/2017/decorative" val="1"/>
-              </a:ext>
-            </a:extLst>
-          </p:cNvPr>
-          <p:cNvSpPr>
-            <a:spLocks noGrp="1" noRot="1" noChangeAspect="1" noMove="1" noResize="1" noEditPoints="1" noAdjustHandles="1" noChangeArrowheads="1" noChangeShapeType="1" noTextEdit="1"/>
-          </p:cNvSpPr>
-          <p:nvPr>
-            <p:extLst>
-              <p:ext uri="{386F3935-93C4-4BCD-93E2-E3B085C9AB24}">
-                <p16:designElem xmlns:p16="http://schemas.microsoft.com/office/powerpoint/2015/main" val="1"/>
-              </p:ext>
-            </p:extLst>
-          </p:nvPr>
-        </p:nvSpPr>
-        <p:spPr>
-          <a:xfrm>
-            <a:off x="566928" y="0"/>
-            <a:ext cx="11155680" cy="2011680"/>
-          </a:xfrm>
-          <a:prstGeom prst="rect">
-            <a:avLst/>
-          </a:prstGeom>
-          <a:ln w="12700">
-            <a:noFill/>
-          </a:ln>
-          <a:effectLst/>
-        </p:spPr>
-        <p:style>
-          <a:lnRef idx="2">
-            <a:schemeClr val="accent1">
-              <a:shade val="50000"/>
-            </a:schemeClr>
-          </a:lnRef>
-          <a:fillRef idx="1">
-            <a:schemeClr val="accent1"/>
-          </a:fillRef>
-          <a:effectRef idx="0">
-            <a:schemeClr val="accent1"/>
-          </a:effectRef>
-          <a:fontRef idx="minor">
-            <a:schemeClr val="lt1"/>
-          </a:fontRef>
-        </p:style>
-        <p:txBody>
-          <a:bodyPr rtlCol="0" anchor="ctr"/>
-          <a:lstStyle/>
-          <a:p>
-            <a:pPr marL="0" marR="0" lvl="0" indent="0" algn="ctr" defTabSz="914400" rtl="0" eaLnBrk="1" fontAlgn="auto" latinLnBrk="0" hangingPunct="1">
-              <a:lnSpc>
-                <a:spcPct val="100000"/>
-              </a:lnSpc>
-              <a:spcBef>
-                <a:spcPts val="0"/>
-              </a:spcBef>
-              <a:spcAft>
-                <a:spcPts val="0"/>
-              </a:spcAft>
-              <a:buClrTx/>
-              <a:buSzTx/>
-              <a:buFontTx/>
-              <a:buNone/>
-              <a:tabLst/>
-              <a:defRPr/>
-            </a:pPr>
-            <a:endParaRPr kumimoji="0" lang="en-US" sz="1800" b="0" i="0" u="none" strike="noStrike" kern="1200" cap="none" spc="0" normalizeH="0" baseline="0" noProof="0">
-              <a:ln>
-                <a:noFill/>
-              </a:ln>
-              <a:solidFill>
-                <a:prstClr val="white"/>
-              </a:solidFill>
-              <a:effectLst/>
-              <a:uLnTx/>
-              <a:uFillTx/>
-              <a:latin typeface="Calibri" panose="020F0502020204030204"/>
-              <a:ea typeface="+mn-ea"/>
-              <a:cs typeface="+mn-cs"/>
-            </a:endParaRPr>
-          </a:p>
-        </p:txBody>
-      </p:sp>
-      <p:sp>
-        <p:nvSpPr>
-          <p:cNvPr id="2" name="Title 1">
-            <a:extLst>
-              <a:ext uri="{FF2B5EF4-FFF2-40B4-BE49-F238E27FC236}">
-                <a16:creationId xmlns:a16="http://schemas.microsoft.com/office/drawing/2014/main" id="{3F8D9252-F71B-03D3-ADBB-B7457E9DA741}"/>
-              </a:ext>
-            </a:extLst>
-          </p:cNvPr>
-          <p:cNvSpPr>
-            <a:spLocks noGrp="1"/>
-          </p:cNvSpPr>
-          <p:nvPr>
-            <p:ph type="title"/>
-          </p:nvPr>
-        </p:nvSpPr>
-        <p:spPr>
-          <a:xfrm>
-            <a:off x="1115568" y="548640"/>
-            <a:ext cx="10168128" cy="1179576"/>
-          </a:xfrm>
-        </p:spPr>
-        <p:txBody>
-          <a:bodyPr>
-            <a:normAutofit/>
-          </a:bodyPr>
-          <a:lstStyle/>
-          <a:p>
-            <a:r>
-              <a:rPr lang="en-GB" sz="3700"/>
-              <a:t>Literature – Revisiting fundamentals of Experience Replay</a:t>
-            </a:r>
-          </a:p>
-        </p:txBody>
-      </p:sp>
-      <p:sp>
-        <p:nvSpPr>
-          <p:cNvPr id="23" name="Rectangle 15">
-            <a:extLst>
-              <a:ext uri="{FF2B5EF4-FFF2-40B4-BE49-F238E27FC236}">
-                <a16:creationId xmlns:a16="http://schemas.microsoft.com/office/drawing/2014/main" id="{768EB4DD-3704-43AD-92B3-C4E0C6EA92CB}"/>
-              </a:ext>
-              <a:ext uri="{C183D7F6-B498-43B3-948B-1728B52AA6E4}">
-                <adec:decorative xmlns:adec="http://schemas.microsoft.com/office/drawing/2017/decorative" val="1"/>
-              </a:ext>
-            </a:extLst>
-          </p:cNvPr>
-          <p:cNvSpPr>
-            <a:spLocks noGrp="1" noRot="1" noChangeAspect="1" noMove="1" noResize="1" noEditPoints="1" noAdjustHandles="1" noChangeArrowheads="1" noChangeShapeType="1" noTextEdit="1"/>
-          </p:cNvSpPr>
-          <p:nvPr>
-            <p:extLst>
-              <p:ext uri="{386F3935-93C4-4BCD-93E2-E3B085C9AB24}">
-                <p16:designElem xmlns:p16="http://schemas.microsoft.com/office/powerpoint/2015/main" val="1"/>
-              </p:ext>
-            </p:extLst>
-          </p:nvPr>
-        </p:nvSpPr>
-        <p:spPr>
-          <a:xfrm>
-            <a:off x="498834" y="770799"/>
-            <a:ext cx="128016" cy="704088"/>
-          </a:xfrm>
-          <a:prstGeom prst="rect">
-            <a:avLst/>
-          </a:prstGeom>
-          <a:solidFill>
-            <a:schemeClr val="accent1"/>
-          </a:solidFill>
-          <a:ln>
-            <a:noFill/>
-          </a:ln>
-        </p:spPr>
-        <p:style>
-          <a:lnRef idx="2">
-            <a:schemeClr val="accent1">
-              <a:shade val="50000"/>
-            </a:schemeClr>
-          </a:lnRef>
-          <a:fillRef idx="1">
-            <a:schemeClr val="accent1"/>
-          </a:fillRef>
-          <a:effectRef idx="0">
-            <a:schemeClr val="accent1"/>
-          </a:effectRef>
-          <a:fontRef idx="minor">
-            <a:schemeClr val="lt1"/>
-          </a:fontRef>
-        </p:style>
-        <p:txBody>
-          <a:bodyPr rtlCol="0" anchor="ctr"/>
-          <a:lstStyle/>
-          <a:p>
-            <a:pPr marL="0" marR="0" lvl="0" indent="0" algn="ctr" defTabSz="914400" rtl="0" eaLnBrk="1" fontAlgn="auto" latinLnBrk="0" hangingPunct="1">
-              <a:lnSpc>
-                <a:spcPct val="100000"/>
-              </a:lnSpc>
-              <a:spcBef>
-                <a:spcPts val="0"/>
-              </a:spcBef>
-              <a:spcAft>
-                <a:spcPts val="0"/>
-              </a:spcAft>
-              <a:buClrTx/>
-              <a:buSzTx/>
-              <a:buFontTx/>
-              <a:buNone/>
-              <a:tabLst/>
-              <a:defRPr/>
-            </a:pPr>
-            <a:endParaRPr kumimoji="0" lang="en-US" sz="1800" b="0" i="0" u="none" strike="noStrike" kern="1200" cap="none" spc="0" normalizeH="0" baseline="0" noProof="0">
-              <a:ln>
-                <a:noFill/>
-              </a:ln>
-              <a:solidFill>
-                <a:prstClr val="white"/>
-              </a:solidFill>
-              <a:effectLst/>
-              <a:uLnTx/>
-              <a:uFillTx/>
-              <a:latin typeface="Calibri" panose="020F0502020204030204"/>
-              <a:ea typeface="+mn-ea"/>
-              <a:cs typeface="+mn-cs"/>
-            </a:endParaRPr>
-          </a:p>
-        </p:txBody>
-      </p:sp>
-      <p:pic>
-        <p:nvPicPr>
-          <p:cNvPr id="5" name="Picture 4">
-            <a:extLst>
-              <a:ext uri="{FF2B5EF4-FFF2-40B4-BE49-F238E27FC236}">
-                <a16:creationId xmlns:a16="http://schemas.microsoft.com/office/drawing/2014/main" id="{51AF53E2-BEDD-7145-E6AC-398E2250C9CD}"/>
-              </a:ext>
-            </a:extLst>
-          </p:cNvPr>
-          <p:cNvPicPr>
-            <a:picLocks noChangeAspect="1"/>
-          </p:cNvPicPr>
-          <p:nvPr/>
-        </p:nvPicPr>
-        <p:blipFill rotWithShape="1">
-          <a:blip r:embed="rId2"/>
-          <a:srcRect t="2431" r="2" b="2"/>
-          <a:stretch/>
-        </p:blipFill>
-        <p:spPr>
-          <a:xfrm>
-            <a:off x="127934" y="2499015"/>
-            <a:ext cx="5246096" cy="3224704"/>
-          </a:xfrm>
-          <a:prstGeom prst="rect">
-            <a:avLst/>
-          </a:prstGeom>
-        </p:spPr>
-      </p:pic>
-      <p:sp>
-        <p:nvSpPr>
-          <p:cNvPr id="3" name="Content Placeholder 2">
-            <a:extLst>
-              <a:ext uri="{FF2B5EF4-FFF2-40B4-BE49-F238E27FC236}">
-                <a16:creationId xmlns:a16="http://schemas.microsoft.com/office/drawing/2014/main" id="{871055B4-8B15-7455-C344-DAC31CBABF3A}"/>
-              </a:ext>
-            </a:extLst>
-          </p:cNvPr>
-          <p:cNvSpPr>
-            <a:spLocks noGrp="1"/>
-          </p:cNvSpPr>
-          <p:nvPr>
-            <p:ph idx="1"/>
-          </p:nvPr>
-        </p:nvSpPr>
-        <p:spPr>
-          <a:xfrm>
-            <a:off x="5127662" y="2358754"/>
-            <a:ext cx="6834634" cy="3694176"/>
-          </a:xfrm>
-        </p:spPr>
-        <p:txBody>
-          <a:bodyPr anchor="ctr">
-            <a:normAutofit/>
-          </a:bodyPr>
-          <a:lstStyle/>
-          <a:p>
-            <a:r>
-              <a:rPr lang="en-GB" sz="1800" dirty="0"/>
-              <a:t>This paper looked to find correlations between Experience Replay size, and the age of policies in the replay buffer.</a:t>
-            </a:r>
-          </a:p>
-          <a:p>
-            <a:r>
-              <a:rPr lang="en-GB" sz="1800" dirty="0"/>
-              <a:t>Despite this, what they found was that larger experience replays had massive performance gains, but </a:t>
-            </a:r>
-            <a:r>
-              <a:rPr lang="en-GB" sz="1800" b="1" dirty="0"/>
-              <a:t>only </a:t>
-            </a:r>
-            <a:r>
-              <a:rPr lang="en-GB" sz="1800" dirty="0"/>
-              <a:t>with n-step. Without n-step this improvement disappears entirely.</a:t>
-            </a:r>
-          </a:p>
-          <a:p>
-            <a:r>
-              <a:rPr lang="en-GB" sz="1800" dirty="0"/>
-              <a:t>Paper also found even in offline RL, where n-step was thought to be detrimental, n-step still increases performance.</a:t>
-            </a:r>
-          </a:p>
-          <a:p>
-            <a:r>
-              <a:rPr lang="en-GB" sz="1800" dirty="0"/>
-              <a:t>The paper also proposed some theories to explain this</a:t>
-            </a:r>
-          </a:p>
-        </p:txBody>
-      </p:sp>
-    </p:spTree>
-    <p:extLst>
-      <p:ext uri="{BB962C8B-B14F-4D97-AF65-F5344CB8AC3E}">
-        <p14:creationId xmlns:p14="http://schemas.microsoft.com/office/powerpoint/2010/main" val="2901269542"/>
-      </p:ext>
-    </p:extLst>
-  </p:cSld>
-  <p:clrMapOvr>
-    <a:masterClrMapping/>
-  </p:clrMapOvr>
-</p:sld>
-</file>
-
-<file path=ppt/slides/slide6.xml><?xml version="1.0" encoding="utf-8"?>
-<p:sld xmlns:a="http://schemas.openxmlformats.org/drawingml/2006/main" xmlns:r="http://schemas.openxmlformats.org/officeDocument/2006/relationships" xmlns:p="http://schemas.openxmlformats.org/presentationml/2006/main">
-  <p:cSld>
-    <p:spTree>
-      <p:nvGrpSpPr>
-        <p:cNvPr id="1" name=""/>
-        <p:cNvGrpSpPr/>
-        <p:nvPr/>
-      </p:nvGrpSpPr>
-      <p:grpSpPr>
-        <a:xfrm>
-          <a:off x="0" y="0"/>
-          <a:ext cx="0" cy="0"/>
-          <a:chOff x="0" y="0"/>
-          <a:chExt cx="0" cy="0"/>
-        </a:xfrm>
-      </p:grpSpPr>
-      <p:sp>
-        <p:nvSpPr>
-          <p:cNvPr id="2" name="Title 1">
-            <a:extLst>
-              <a:ext uri="{FF2B5EF4-FFF2-40B4-BE49-F238E27FC236}">
-                <a16:creationId xmlns:a16="http://schemas.microsoft.com/office/drawing/2014/main" id="{C2F3022F-4BE7-01A8-A1AD-76D43DF8C67C}"/>
-              </a:ext>
-            </a:extLst>
-          </p:cNvPr>
-          <p:cNvSpPr>
-            <a:spLocks noGrp="1"/>
-          </p:cNvSpPr>
-          <p:nvPr>
-            <p:ph type="title"/>
-          </p:nvPr>
-        </p:nvSpPr>
-        <p:spPr/>
-        <p:txBody>
-          <a:bodyPr/>
-          <a:lstStyle/>
-          <a:p>
-            <a:r>
-              <a:rPr lang="en-GB" dirty="0"/>
-              <a:t>Contrastive Factor</a:t>
-            </a:r>
-          </a:p>
-        </p:txBody>
-      </p:sp>
-      <p:sp>
-        <p:nvSpPr>
-          <p:cNvPr id="3" name="Content Placeholder 2">
-            <a:extLst>
-              <a:ext uri="{FF2B5EF4-FFF2-40B4-BE49-F238E27FC236}">
-                <a16:creationId xmlns:a16="http://schemas.microsoft.com/office/drawing/2014/main" id="{528066F7-09E5-1B27-C501-A13F58368B84}"/>
-              </a:ext>
-            </a:extLst>
-          </p:cNvPr>
-          <p:cNvSpPr>
-            <a:spLocks noGrp="1"/>
-          </p:cNvSpPr>
-          <p:nvPr>
-            <p:ph idx="1"/>
-          </p:nvPr>
-        </p:nvSpPr>
-        <p:spPr>
-          <a:xfrm>
-            <a:off x="263827" y="2080137"/>
-            <a:ext cx="11745031" cy="2801896"/>
-          </a:xfrm>
-        </p:spPr>
-        <p:txBody>
-          <a:bodyPr>
-            <a:normAutofit/>
-          </a:bodyPr>
-          <a:lstStyle/>
-          <a:p>
-            <a:r>
-              <a:rPr lang="en-GB" sz="2000" dirty="0"/>
-              <a:t>N-step decreases the reliance on bootstrapped targets – But is this the reason for the results?</a:t>
-            </a:r>
-          </a:p>
-          <a:p>
-            <a:r>
-              <a:rPr lang="en-GB" sz="2000" dirty="0"/>
-              <a:t>They tested this by adjusting the discount rate to have the same reliance on bootstrapped targets, and it to have a small impact, but not enough to justify the results.</a:t>
-            </a:r>
-          </a:p>
-          <a:p>
-            <a:r>
-              <a:rPr lang="en-GB" sz="2000" dirty="0"/>
-              <a:t>My Results: 0.999^10 = 0.99004</a:t>
-            </a:r>
-            <a:endParaRPr lang="en-GB" dirty="0"/>
-          </a:p>
-        </p:txBody>
-      </p:sp>
-      <p:graphicFrame>
-        <p:nvGraphicFramePr>
-          <p:cNvPr id="4" name="Table 3">
-            <a:extLst>
-              <a:ext uri="{FF2B5EF4-FFF2-40B4-BE49-F238E27FC236}">
-                <a16:creationId xmlns:a16="http://schemas.microsoft.com/office/drawing/2014/main" id="{FE4106D5-28F8-06C7-9A95-8A1F6029779D}"/>
-              </a:ext>
-            </a:extLst>
-          </p:cNvPr>
-          <p:cNvGraphicFramePr>
-            <a:graphicFrameLocks noGrp="1"/>
-          </p:cNvGraphicFramePr>
-          <p:nvPr>
-            <p:extLst>
-              <p:ext uri="{D42A27DB-BD31-4B8C-83A1-F6EECF244321}">
-                <p14:modId xmlns:p14="http://schemas.microsoft.com/office/powerpoint/2010/main" val="2425147276"/>
-              </p:ext>
-            </p:extLst>
-          </p:nvPr>
-        </p:nvGraphicFramePr>
-        <p:xfrm>
-          <a:off x="569047" y="3919546"/>
-          <a:ext cx="10433512" cy="2682240"/>
-        </p:xfrm>
-        <a:graphic>
-          <a:graphicData uri="http://schemas.openxmlformats.org/drawingml/2006/table">
-            <a:tbl>
-              <a:tblPr firstCol="1" bandRow="1">
-                <a:tableStyleId>{5C22544A-7EE6-4342-B048-85BDC9FD1C3A}</a:tableStyleId>
-              </a:tblPr>
-              <a:tblGrid>
-                <a:gridCol w="1783995">
-                  <a:extLst>
-                    <a:ext uri="{9D8B030D-6E8A-4147-A177-3AD203B41FA5}">
-                      <a16:colId xmlns:a16="http://schemas.microsoft.com/office/drawing/2014/main" val="2304146027"/>
-                    </a:ext>
-                  </a:extLst>
-                </a:gridCol>
-                <a:gridCol w="1177337">
-                  <a:extLst>
-                    <a:ext uri="{9D8B030D-6E8A-4147-A177-3AD203B41FA5}">
-                      <a16:colId xmlns:a16="http://schemas.microsoft.com/office/drawing/2014/main" val="3190687604"/>
-                    </a:ext>
-                  </a:extLst>
-                </a:gridCol>
-                <a:gridCol w="1235892">
-                  <a:extLst>
-                    <a:ext uri="{9D8B030D-6E8A-4147-A177-3AD203B41FA5}">
-                      <a16:colId xmlns:a16="http://schemas.microsoft.com/office/drawing/2014/main" val="2924148390"/>
-                    </a:ext>
-                  </a:extLst>
-                </a:gridCol>
-                <a:gridCol w="1868361">
-                  <a:extLst>
-                    <a:ext uri="{9D8B030D-6E8A-4147-A177-3AD203B41FA5}">
-                      <a16:colId xmlns:a16="http://schemas.microsoft.com/office/drawing/2014/main" val="3421807684"/>
-                    </a:ext>
-                  </a:extLst>
-                </a:gridCol>
-                <a:gridCol w="2264414">
-                  <a:extLst>
-                    <a:ext uri="{9D8B030D-6E8A-4147-A177-3AD203B41FA5}">
-                      <a16:colId xmlns:a16="http://schemas.microsoft.com/office/drawing/2014/main" val="1618338956"/>
-                    </a:ext>
-                  </a:extLst>
-                </a:gridCol>
-                <a:gridCol w="2103513">
-                  <a:extLst>
-                    <a:ext uri="{9D8B030D-6E8A-4147-A177-3AD203B41FA5}">
-                      <a16:colId xmlns:a16="http://schemas.microsoft.com/office/drawing/2014/main" val="2611217331"/>
-                    </a:ext>
-                  </a:extLst>
-                </a:gridCol>
-              </a:tblGrid>
-              <a:tr h="370840">
-                <a:tc>
-                  <a:txBody>
-                    <a:bodyPr/>
-                    <a:lstStyle/>
-                    <a:p>
-                      <a:endParaRPr lang="en-GB" sz="1800" dirty="0"/>
-                    </a:p>
-                  </a:txBody>
-                  <a:tcPr/>
-                </a:tc>
-                <a:tc>
-                  <a:txBody>
-                    <a:bodyPr/>
-                    <a:lstStyle/>
-                    <a:p>
-                      <a:r>
-                        <a:rPr lang="en-GB" sz="2400" dirty="0"/>
-                        <a:t>Early Churn</a:t>
-                      </a:r>
-                    </a:p>
-                  </a:txBody>
-                  <a:tcPr/>
-                </a:tc>
-                <a:tc>
-                  <a:txBody>
-                    <a:bodyPr/>
-                    <a:lstStyle/>
-                    <a:p>
-                      <a:r>
-                        <a:rPr lang="en-GB" sz="2400" dirty="0"/>
-                        <a:t>Late Churn</a:t>
-                      </a:r>
-                    </a:p>
-                  </a:txBody>
-                  <a:tcPr/>
-                </a:tc>
-                <a:tc>
-                  <a:txBody>
-                    <a:bodyPr/>
-                    <a:lstStyle/>
-                    <a:p>
-                      <a:r>
-                        <a:rPr lang="en-GB" sz="2400" dirty="0"/>
-                        <a:t>Performance</a:t>
-                      </a:r>
-                    </a:p>
-                  </a:txBody>
-                  <a:tcPr/>
-                </a:tc>
-                <a:tc>
-                  <a:txBody>
-                    <a:bodyPr/>
-                    <a:lstStyle/>
-                    <a:p>
-                      <a:r>
-                        <a:rPr lang="en-GB" sz="2400" dirty="0"/>
-                        <a:t>0% Churn Rate Early</a:t>
-                      </a:r>
-                    </a:p>
-                  </a:txBody>
-                  <a:tcPr/>
-                </a:tc>
-                <a:tc>
-                  <a:txBody>
-                    <a:bodyPr/>
-                    <a:lstStyle/>
-                    <a:p>
-                      <a:r>
-                        <a:rPr lang="en-GB" sz="2400" dirty="0"/>
-                        <a:t>0% Churn Rate Late</a:t>
-                      </a:r>
-                    </a:p>
-                  </a:txBody>
-                  <a:tcPr/>
-                </a:tc>
-                <a:extLst>
-                  <a:ext uri="{0D108BD9-81ED-4DB2-BD59-A6C34878D82A}">
-                    <a16:rowId xmlns:a16="http://schemas.microsoft.com/office/drawing/2014/main" val="713376397"/>
-                  </a:ext>
-                </a:extLst>
-              </a:tr>
-              <a:tr h="370840">
-                <a:tc>
-                  <a:txBody>
-                    <a:bodyPr/>
-                    <a:lstStyle/>
-                    <a:p>
-                      <a:r>
-                        <a:rPr lang="en-GB" sz="1600" dirty="0"/>
-                        <a:t>DDQN n-step=10, discount=0.99</a:t>
-                      </a:r>
-                    </a:p>
-                  </a:txBody>
-                  <a:tcPr/>
-                </a:tc>
-                <a:tc>
-                  <a:txBody>
-                    <a:bodyPr/>
-                    <a:lstStyle/>
-                    <a:p>
-                      <a:r>
-                        <a:rPr lang="en-GB" sz="2400" dirty="0"/>
-                        <a:t>3.8%</a:t>
-                      </a:r>
-                    </a:p>
-                  </a:txBody>
-                  <a:tcPr/>
-                </a:tc>
-                <a:tc>
-                  <a:txBody>
-                    <a:bodyPr/>
-                    <a:lstStyle/>
-                    <a:p>
-                      <a:r>
-                        <a:rPr lang="en-GB" sz="2400" dirty="0"/>
-                        <a:t>1.9%</a:t>
-                      </a:r>
-                    </a:p>
-                  </a:txBody>
-                  <a:tcPr/>
-                </a:tc>
-                <a:tc>
-                  <a:txBody>
-                    <a:bodyPr/>
-                    <a:lstStyle/>
-                    <a:p>
-                      <a:r>
-                        <a:rPr lang="en-GB" sz="2400" dirty="0"/>
-                        <a:t>?</a:t>
-                      </a:r>
-                    </a:p>
-                  </a:txBody>
-                  <a:tcPr/>
-                </a:tc>
-                <a:tc>
-                  <a:txBody>
-                    <a:bodyPr/>
-                    <a:lstStyle/>
-                    <a:p>
-                      <a:r>
-                        <a:rPr lang="en-GB" sz="2400" dirty="0"/>
-                        <a:t>9.1%</a:t>
-                      </a:r>
-                    </a:p>
-                  </a:txBody>
-                  <a:tcPr/>
-                </a:tc>
-                <a:tc>
-                  <a:txBody>
-                    <a:bodyPr/>
-                    <a:lstStyle/>
-                    <a:p>
-                      <a:r>
-                        <a:rPr lang="en-GB" sz="2400" dirty="0"/>
-                        <a:t>0%</a:t>
-                      </a:r>
-                    </a:p>
-                  </a:txBody>
-                  <a:tcPr/>
-                </a:tc>
-                <a:extLst>
-                  <a:ext uri="{0D108BD9-81ED-4DB2-BD59-A6C34878D82A}">
-                    <a16:rowId xmlns:a16="http://schemas.microsoft.com/office/drawing/2014/main" val="2152643525"/>
-                  </a:ext>
-                </a:extLst>
-              </a:tr>
-              <a:tr h="184638">
-                <a:tc>
-                  <a:txBody>
-                    <a:bodyPr/>
-                    <a:lstStyle/>
-                    <a:p>
-                      <a:r>
-                        <a:rPr lang="en-GB" sz="1600" dirty="0"/>
-                        <a:t>DDQN n-step=1</a:t>
-                      </a:r>
-                    </a:p>
-                    <a:p>
-                      <a:r>
-                        <a:rPr lang="en-GB" sz="1600" dirty="0"/>
-                        <a:t>Discount=0.99</a:t>
-                      </a:r>
-                    </a:p>
-                  </a:txBody>
-                  <a:tcPr/>
-                </a:tc>
-                <a:tc>
-                  <a:txBody>
-                    <a:bodyPr/>
-                    <a:lstStyle/>
-                    <a:p>
-                      <a:r>
-                        <a:rPr lang="en-GB" sz="2400" dirty="0"/>
-                        <a:t>10.9%</a:t>
-                      </a:r>
-                    </a:p>
-                  </a:txBody>
-                  <a:tcPr/>
-                </a:tc>
-                <a:tc>
-                  <a:txBody>
-                    <a:bodyPr/>
-                    <a:lstStyle/>
-                    <a:p>
-                      <a:r>
-                        <a:rPr lang="en-GB" sz="2400" dirty="0"/>
-                        <a:t>5.7%</a:t>
-                      </a:r>
-                    </a:p>
-                  </a:txBody>
-                  <a:tcPr/>
-                </a:tc>
-                <a:tc>
-                  <a:txBody>
-                    <a:bodyPr/>
-                    <a:lstStyle/>
-                    <a:p>
-                      <a:r>
-                        <a:rPr lang="en-GB" sz="2400" dirty="0"/>
-                        <a:t>0.036</a:t>
-                      </a:r>
-                    </a:p>
-                  </a:txBody>
-                  <a:tcPr/>
-                </a:tc>
-                <a:tc>
-                  <a:txBody>
-                    <a:bodyPr/>
-                    <a:lstStyle/>
-                    <a:p>
-                      <a:r>
-                        <a:rPr lang="en-GB" sz="2400" dirty="0"/>
-                        <a:t>29.2%</a:t>
-                      </a:r>
-                    </a:p>
-                  </a:txBody>
-                  <a:tcPr/>
-                </a:tc>
-                <a:tc>
-                  <a:txBody>
-                    <a:bodyPr/>
-                    <a:lstStyle/>
-                    <a:p>
-                      <a:r>
-                        <a:rPr lang="en-GB" sz="2400" dirty="0"/>
-                        <a:t>4.7%</a:t>
-                      </a:r>
-                    </a:p>
-                  </a:txBody>
-                  <a:tcPr/>
-                </a:tc>
-                <a:extLst>
-                  <a:ext uri="{0D108BD9-81ED-4DB2-BD59-A6C34878D82A}">
-                    <a16:rowId xmlns:a16="http://schemas.microsoft.com/office/drawing/2014/main" val="658415674"/>
-                  </a:ext>
-                </a:extLst>
-              </a:tr>
-              <a:tr h="184638">
-                <a:tc>
-                  <a:txBody>
-                    <a:bodyPr/>
-                    <a:lstStyle/>
-                    <a:p>
-                      <a:r>
-                        <a:rPr lang="en-GB" sz="1200" dirty="0"/>
-                        <a:t>DDQN n-step=10 discount=0.999</a:t>
-                      </a:r>
-                    </a:p>
-                  </a:txBody>
-                  <a:tcPr/>
-                </a:tc>
-                <a:tc>
-                  <a:txBody>
-                    <a:bodyPr/>
-                    <a:lstStyle/>
-                    <a:p>
-                      <a:r>
-                        <a:rPr lang="en-GB" dirty="0"/>
-                        <a:t>4.9%</a:t>
-                      </a:r>
-                    </a:p>
-                  </a:txBody>
-                  <a:tcPr/>
-                </a:tc>
-                <a:tc>
-                  <a:txBody>
-                    <a:bodyPr/>
-                    <a:lstStyle/>
-                    <a:p>
-                      <a:r>
-                        <a:rPr lang="en-GB" dirty="0"/>
-                        <a:t>2.5%</a:t>
-                      </a:r>
-                    </a:p>
-                  </a:txBody>
-                  <a:tcPr/>
-                </a:tc>
-                <a:tc>
-                  <a:txBody>
-                    <a:bodyPr/>
-                    <a:lstStyle/>
-                    <a:p>
-                      <a:r>
-                        <a:rPr lang="en-GB" dirty="0"/>
-                        <a:t>0.074</a:t>
-                      </a:r>
-                    </a:p>
-                  </a:txBody>
-                  <a:tcPr/>
-                </a:tc>
-                <a:tc>
-                  <a:txBody>
-                    <a:bodyPr/>
-                    <a:lstStyle/>
-                    <a:p>
-                      <a:r>
-                        <a:rPr lang="en-GB" dirty="0"/>
-                        <a:t>14.4%</a:t>
-                      </a:r>
-                    </a:p>
-                  </a:txBody>
-                  <a:tcPr/>
-                </a:tc>
-                <a:tc>
-                  <a:txBody>
-                    <a:bodyPr/>
-                    <a:lstStyle/>
-                    <a:p>
-                      <a:r>
-                        <a:rPr lang="en-GB" dirty="0"/>
-                        <a:t>4.2%</a:t>
-                      </a:r>
-                    </a:p>
-                  </a:txBody>
-                  <a:tcPr/>
-                </a:tc>
-                <a:extLst>
-                  <a:ext uri="{0D108BD9-81ED-4DB2-BD59-A6C34878D82A}">
-                    <a16:rowId xmlns:a16="http://schemas.microsoft.com/office/drawing/2014/main" val="700133118"/>
-                  </a:ext>
-                </a:extLst>
-              </a:tr>
-            </a:tbl>
-          </a:graphicData>
-        </a:graphic>
-      </p:graphicFrame>
-    </p:spTree>
-    <p:extLst>
-      <p:ext uri="{BB962C8B-B14F-4D97-AF65-F5344CB8AC3E}">
-        <p14:creationId xmlns:p14="http://schemas.microsoft.com/office/powerpoint/2010/main" val="8036713"/>
-      </p:ext>
-    </p:extLst>
-  </p:cSld>
-  <p:clrMapOvr>
-    <a:masterClrMapping/>
-  </p:clrMapOvr>
-</p:sld>
-</file>
-
-<file path=ppt/slides/slide7.xml><?xml version="1.0" encoding="utf-8"?>
-<p:sld xmlns:a="http://schemas.openxmlformats.org/drawingml/2006/main" xmlns:r="http://schemas.openxmlformats.org/officeDocument/2006/relationships" xmlns:p="http://schemas.openxmlformats.org/presentationml/2006/main">
-  <p:cSld>
-    <p:spTree>
-      <p:nvGrpSpPr>
-        <p:cNvPr id="1" name=""/>
-        <p:cNvGrpSpPr/>
-        <p:nvPr/>
-      </p:nvGrpSpPr>
-      <p:grpSpPr>
-        <a:xfrm>
-          <a:off x="0" y="0"/>
-          <a:ext cx="0" cy="0"/>
-          <a:chOff x="0" y="0"/>
-          <a:chExt cx="0" cy="0"/>
-        </a:xfrm>
-      </p:grpSpPr>
-      <p:sp>
-        <p:nvSpPr>
-          <p:cNvPr id="2" name="Title 1">
-            <a:extLst>
-              <a:ext uri="{FF2B5EF4-FFF2-40B4-BE49-F238E27FC236}">
-                <a16:creationId xmlns:a16="http://schemas.microsoft.com/office/drawing/2014/main" id="{D52ED94F-D203-DAF0-13FD-3B5DC617DDAA}"/>
-              </a:ext>
-            </a:extLst>
-          </p:cNvPr>
-          <p:cNvSpPr>
-            <a:spLocks noGrp="1"/>
-          </p:cNvSpPr>
-          <p:nvPr>
-            <p:ph type="title"/>
-          </p:nvPr>
-        </p:nvSpPr>
-        <p:spPr/>
-        <p:txBody>
-          <a:bodyPr/>
-          <a:lstStyle/>
-          <a:p>
-            <a:r>
-              <a:rPr lang="en-GB" dirty="0"/>
-              <a:t>The paper’s other explanation</a:t>
-            </a:r>
-          </a:p>
-        </p:txBody>
-      </p:sp>
-      <p:sp>
-        <p:nvSpPr>
-          <p:cNvPr id="3" name="Content Placeholder 2">
-            <a:extLst>
-              <a:ext uri="{FF2B5EF4-FFF2-40B4-BE49-F238E27FC236}">
-                <a16:creationId xmlns:a16="http://schemas.microsoft.com/office/drawing/2014/main" id="{164D25C3-E27C-C990-A161-032DA71B0D7A}"/>
-              </a:ext>
-            </a:extLst>
-          </p:cNvPr>
-          <p:cNvSpPr>
-            <a:spLocks noGrp="1"/>
-          </p:cNvSpPr>
-          <p:nvPr>
-            <p:ph idx="1"/>
-          </p:nvPr>
-        </p:nvSpPr>
-        <p:spPr>
-          <a:xfrm>
-            <a:off x="840855" y="2073804"/>
-            <a:ext cx="10168128" cy="3694176"/>
-          </a:xfrm>
-        </p:spPr>
-        <p:txBody>
-          <a:bodyPr>
-            <a:normAutofit/>
-          </a:bodyPr>
-          <a:lstStyle/>
-          <a:p>
-            <a:r>
-              <a:rPr lang="en-GB" sz="2000" dirty="0"/>
-              <a:t>The paper also found that larger replay capacities reduced variance, and again that n-step increases variance. They proposed the idea that this could be the reason for improved performance with larger replay buffers and larger n-step, and tested this.</a:t>
-            </a:r>
-          </a:p>
-          <a:p>
-            <a:r>
-              <a:rPr lang="en-GB" sz="2000" dirty="0"/>
-              <a:t>The results showed this could be partially responsible for the correlation, but was fairly weak.</a:t>
-            </a:r>
-          </a:p>
-          <a:p>
-            <a:r>
-              <a:rPr lang="en-GB" sz="2000" dirty="0"/>
-              <a:t>Regardless however, this does still not explain why high n-step decreases policy churn so much. My results also showed replay size has practically no impact on policy churn, at least with high N-step.</a:t>
-            </a:r>
-          </a:p>
-        </p:txBody>
-      </p:sp>
-      <p:graphicFrame>
-        <p:nvGraphicFramePr>
-          <p:cNvPr id="4" name="Table 3">
-            <a:extLst>
-              <a:ext uri="{FF2B5EF4-FFF2-40B4-BE49-F238E27FC236}">
-                <a16:creationId xmlns:a16="http://schemas.microsoft.com/office/drawing/2014/main" id="{149883E1-D026-5C56-3FD7-37D2B127404F}"/>
-              </a:ext>
-            </a:extLst>
-          </p:cNvPr>
-          <p:cNvGraphicFramePr>
-            <a:graphicFrameLocks noGrp="1"/>
-          </p:cNvGraphicFramePr>
-          <p:nvPr>
-            <p:extLst>
-              <p:ext uri="{D42A27DB-BD31-4B8C-83A1-F6EECF244321}">
-                <p14:modId xmlns:p14="http://schemas.microsoft.com/office/powerpoint/2010/main" val="651505941"/>
-              </p:ext>
-            </p:extLst>
-          </p:nvPr>
-        </p:nvGraphicFramePr>
-        <p:xfrm>
-          <a:off x="727765" y="5129785"/>
-          <a:ext cx="10486165" cy="1554480"/>
-        </p:xfrm>
-        <a:graphic>
-          <a:graphicData uri="http://schemas.openxmlformats.org/drawingml/2006/table">
-            <a:tbl>
-              <a:tblPr firstCol="1" bandRow="1">
-                <a:tableStyleId>{5C22544A-7EE6-4342-B048-85BDC9FD1C3A}</a:tableStyleId>
-              </a:tblPr>
-              <a:tblGrid>
-                <a:gridCol w="2017172">
-                  <a:extLst>
-                    <a:ext uri="{9D8B030D-6E8A-4147-A177-3AD203B41FA5}">
-                      <a16:colId xmlns:a16="http://schemas.microsoft.com/office/drawing/2014/main" val="2844020185"/>
-                    </a:ext>
-                  </a:extLst>
-                </a:gridCol>
-                <a:gridCol w="996813">
-                  <a:extLst>
-                    <a:ext uri="{9D8B030D-6E8A-4147-A177-3AD203B41FA5}">
-                      <a16:colId xmlns:a16="http://schemas.microsoft.com/office/drawing/2014/main" val="2844048310"/>
-                    </a:ext>
-                  </a:extLst>
-                </a:gridCol>
-                <a:gridCol w="1235892">
-                  <a:extLst>
-                    <a:ext uri="{9D8B030D-6E8A-4147-A177-3AD203B41FA5}">
-                      <a16:colId xmlns:a16="http://schemas.microsoft.com/office/drawing/2014/main" val="756468581"/>
-                    </a:ext>
-                  </a:extLst>
-                </a:gridCol>
-                <a:gridCol w="1691759">
-                  <a:extLst>
-                    <a:ext uri="{9D8B030D-6E8A-4147-A177-3AD203B41FA5}">
-                      <a16:colId xmlns:a16="http://schemas.microsoft.com/office/drawing/2014/main" val="2555887315"/>
-                    </a:ext>
-                  </a:extLst>
-                </a:gridCol>
-                <a:gridCol w="2441016">
-                  <a:extLst>
-                    <a:ext uri="{9D8B030D-6E8A-4147-A177-3AD203B41FA5}">
-                      <a16:colId xmlns:a16="http://schemas.microsoft.com/office/drawing/2014/main" val="1428250550"/>
-                    </a:ext>
-                  </a:extLst>
-                </a:gridCol>
-                <a:gridCol w="2103513">
-                  <a:extLst>
-                    <a:ext uri="{9D8B030D-6E8A-4147-A177-3AD203B41FA5}">
-                      <a16:colId xmlns:a16="http://schemas.microsoft.com/office/drawing/2014/main" val="3581840495"/>
-                    </a:ext>
-                  </a:extLst>
-                </a:gridCol>
-              </a:tblGrid>
-              <a:tr h="370840">
-                <a:tc>
-                  <a:txBody>
-                    <a:bodyPr/>
-                    <a:lstStyle/>
-                    <a:p>
-                      <a:endParaRPr lang="en-GB" sz="1400" dirty="0"/>
-                    </a:p>
-                  </a:txBody>
-                  <a:tcPr/>
-                </a:tc>
-                <a:tc>
-                  <a:txBody>
-                    <a:bodyPr/>
-                    <a:lstStyle/>
-                    <a:p>
-                      <a:r>
-                        <a:rPr lang="en-GB" dirty="0"/>
-                        <a:t>Early Churn</a:t>
-                      </a:r>
-                    </a:p>
-                  </a:txBody>
-                  <a:tcPr/>
-                </a:tc>
-                <a:tc>
-                  <a:txBody>
-                    <a:bodyPr/>
-                    <a:lstStyle/>
-                    <a:p>
-                      <a:r>
-                        <a:rPr lang="en-GB" dirty="0"/>
-                        <a:t>Late Churn</a:t>
-                      </a:r>
-                    </a:p>
-                  </a:txBody>
-                  <a:tcPr/>
-                </a:tc>
-                <a:tc>
-                  <a:txBody>
-                    <a:bodyPr/>
-                    <a:lstStyle/>
-                    <a:p>
-                      <a:r>
-                        <a:rPr lang="en-GB" dirty="0"/>
-                        <a:t>Performance</a:t>
-                      </a:r>
-                    </a:p>
-                  </a:txBody>
-                  <a:tcPr/>
-                </a:tc>
-                <a:tc>
-                  <a:txBody>
-                    <a:bodyPr/>
-                    <a:lstStyle/>
-                    <a:p>
-                      <a:r>
-                        <a:rPr lang="en-GB" dirty="0"/>
-                        <a:t>0% Churn Rate Early</a:t>
-                      </a:r>
-                    </a:p>
-                  </a:txBody>
-                  <a:tcPr/>
-                </a:tc>
-                <a:tc>
-                  <a:txBody>
-                    <a:bodyPr/>
-                    <a:lstStyle/>
-                    <a:p>
-                      <a:r>
-                        <a:rPr lang="en-GB" dirty="0"/>
-                        <a:t>0% Churn Rate Late</a:t>
-                      </a:r>
-                    </a:p>
-                  </a:txBody>
-                  <a:tcPr/>
-                </a:tc>
-                <a:extLst>
-                  <a:ext uri="{0D108BD9-81ED-4DB2-BD59-A6C34878D82A}">
-                    <a16:rowId xmlns:a16="http://schemas.microsoft.com/office/drawing/2014/main" val="736176851"/>
-                  </a:ext>
-                </a:extLst>
-              </a:tr>
-              <a:tr h="370840">
-                <a:tc>
-                  <a:txBody>
-                    <a:bodyPr/>
-                    <a:lstStyle/>
-                    <a:p>
-                      <a:r>
-                        <a:rPr lang="en-GB" sz="1200" dirty="0"/>
-                        <a:t>DDQN n-step=10</a:t>
-                      </a:r>
-                    </a:p>
-                    <a:p>
-                      <a:r>
-                        <a:rPr lang="en-GB" sz="1200" dirty="0" err="1"/>
-                        <a:t>Mem_size</a:t>
-                      </a:r>
-                      <a:r>
-                        <a:rPr lang="en-GB" sz="1200" dirty="0"/>
-                        <a:t>=100k</a:t>
-                      </a:r>
-                    </a:p>
-                  </a:txBody>
-                  <a:tcPr/>
-                </a:tc>
-                <a:tc>
-                  <a:txBody>
-                    <a:bodyPr/>
-                    <a:lstStyle/>
-                    <a:p>
-                      <a:r>
-                        <a:rPr lang="en-GB" dirty="0"/>
-                        <a:t>3.8%</a:t>
-                      </a:r>
-                    </a:p>
-                  </a:txBody>
-                  <a:tcPr/>
-                </a:tc>
-                <a:tc>
-                  <a:txBody>
-                    <a:bodyPr/>
-                    <a:lstStyle/>
-                    <a:p>
-                      <a:r>
-                        <a:rPr lang="en-GB" dirty="0"/>
-                        <a:t>1.9%</a:t>
-                      </a:r>
-                    </a:p>
-                  </a:txBody>
-                  <a:tcPr/>
-                </a:tc>
-                <a:tc>
-                  <a:txBody>
-                    <a:bodyPr/>
-                    <a:lstStyle/>
-                    <a:p>
-                      <a:r>
-                        <a:rPr lang="en-GB" dirty="0"/>
-                        <a:t>?</a:t>
-                      </a:r>
-                    </a:p>
-                  </a:txBody>
-                  <a:tcPr/>
-                </a:tc>
-                <a:tc>
-                  <a:txBody>
-                    <a:bodyPr/>
-                    <a:lstStyle/>
-                    <a:p>
-                      <a:r>
-                        <a:rPr lang="en-GB" dirty="0"/>
-                        <a:t>9.1%</a:t>
-                      </a:r>
-                    </a:p>
-                  </a:txBody>
-                  <a:tcPr/>
-                </a:tc>
-                <a:tc>
-                  <a:txBody>
-                    <a:bodyPr/>
-                    <a:lstStyle/>
-                    <a:p>
-                      <a:r>
-                        <a:rPr lang="en-GB" dirty="0"/>
-                        <a:t>0%</a:t>
-                      </a:r>
-                    </a:p>
-                  </a:txBody>
-                  <a:tcPr/>
-                </a:tc>
-                <a:extLst>
-                  <a:ext uri="{0D108BD9-81ED-4DB2-BD59-A6C34878D82A}">
-                    <a16:rowId xmlns:a16="http://schemas.microsoft.com/office/drawing/2014/main" val="3897330826"/>
-                  </a:ext>
-                </a:extLst>
-              </a:tr>
-              <a:tr h="370840">
-                <a:tc>
-                  <a:txBody>
-                    <a:bodyPr/>
-                    <a:lstStyle/>
-                    <a:p>
-                      <a:r>
-                        <a:rPr lang="en-GB" sz="1200" dirty="0"/>
-                        <a:t>DDQN n-step=10 </a:t>
-                      </a:r>
-                      <a:r>
-                        <a:rPr lang="en-GB" sz="1200" dirty="0" err="1"/>
-                        <a:t>mem_size</a:t>
-                      </a:r>
-                      <a:r>
-                        <a:rPr lang="en-GB" sz="1200" dirty="0"/>
-                        <a:t>=15k</a:t>
-                      </a:r>
-                    </a:p>
-                  </a:txBody>
-                  <a:tcPr/>
-                </a:tc>
-                <a:tc>
-                  <a:txBody>
-                    <a:bodyPr/>
-                    <a:lstStyle/>
-                    <a:p>
-                      <a:r>
-                        <a:rPr lang="en-GB" dirty="0"/>
-                        <a:t>3.7%</a:t>
-                      </a:r>
-                    </a:p>
-                  </a:txBody>
-                  <a:tcPr/>
-                </a:tc>
-                <a:tc>
-                  <a:txBody>
-                    <a:bodyPr/>
-                    <a:lstStyle/>
-                    <a:p>
-                      <a:r>
-                        <a:rPr lang="en-GB" dirty="0"/>
-                        <a:t>1.6%</a:t>
-                      </a:r>
-                    </a:p>
-                  </a:txBody>
-                  <a:tcPr/>
-                </a:tc>
-                <a:tc>
-                  <a:txBody>
-                    <a:bodyPr/>
-                    <a:lstStyle/>
-                    <a:p>
-                      <a:r>
-                        <a:rPr lang="en-GB" dirty="0"/>
-                        <a:t>0.057</a:t>
-                      </a:r>
-                    </a:p>
-                  </a:txBody>
-                  <a:tcPr/>
-                </a:tc>
-                <a:tc>
-                  <a:txBody>
-                    <a:bodyPr/>
-                    <a:lstStyle/>
-                    <a:p>
-                      <a:r>
-                        <a:rPr lang="en-GB" dirty="0"/>
-                        <a:t>8.1%</a:t>
-                      </a:r>
-                    </a:p>
-                  </a:txBody>
-                  <a:tcPr/>
-                </a:tc>
-                <a:tc>
-                  <a:txBody>
-                    <a:bodyPr/>
-                    <a:lstStyle/>
-                    <a:p>
-                      <a:r>
-                        <a:rPr lang="en-GB" dirty="0"/>
-                        <a:t>0%</a:t>
-                      </a:r>
-                    </a:p>
-                  </a:txBody>
-                  <a:tcPr/>
-                </a:tc>
-                <a:extLst>
-                  <a:ext uri="{0D108BD9-81ED-4DB2-BD59-A6C34878D82A}">
-                    <a16:rowId xmlns:a16="http://schemas.microsoft.com/office/drawing/2014/main" val="1869845496"/>
-                  </a:ext>
-                </a:extLst>
-              </a:tr>
-            </a:tbl>
-          </a:graphicData>
-        </a:graphic>
-      </p:graphicFrame>
-    </p:spTree>
-    <p:extLst>
-      <p:ext uri="{BB962C8B-B14F-4D97-AF65-F5344CB8AC3E}">
-        <p14:creationId xmlns:p14="http://schemas.microsoft.com/office/powerpoint/2010/main" val="3179127429"/>
-      </p:ext>
-    </p:extLst>
-  </p:cSld>
-  <p:clrMapOvr>
-    <a:masterClrMapping/>
-  </p:clrMapOvr>
-</p:sld>
-</file>
-
-<file path=ppt/slides/slide8.xml><?xml version="1.0" encoding="utf-8"?>
-<p:sld xmlns:a="http://schemas.openxmlformats.org/drawingml/2006/main" xmlns:r="http://schemas.openxmlformats.org/officeDocument/2006/relationships" xmlns:p="http://schemas.openxmlformats.org/presentationml/2006/main">
-  <p:cSld>
-    <p:bg>
-      <p:bgPr>
-        <a:solidFill>
-          <a:schemeClr val="bg1"/>
-        </a:solidFill>
-        <a:effectLst/>
-      </p:bgPr>
-    </p:bg>
-    <p:spTree>
-      <p:nvGrpSpPr>
-        <p:cNvPr id="1" name=""/>
-        <p:cNvGrpSpPr/>
-        <p:nvPr/>
-      </p:nvGrpSpPr>
-      <p:grpSpPr>
-        <a:xfrm>
-          <a:off x="0" y="0"/>
-          <a:ext cx="0" cy="0"/>
-          <a:chOff x="0" y="0"/>
-          <a:chExt cx="0" cy="0"/>
-        </a:xfrm>
-      </p:grpSpPr>
-      <p:sp useBgFill="1">
-        <p:nvSpPr>
-          <p:cNvPr id="10" name="Rectangle 9">
-            <a:extLst>
-              <a:ext uri="{FF2B5EF4-FFF2-40B4-BE49-F238E27FC236}">
-                <a16:creationId xmlns:a16="http://schemas.microsoft.com/office/drawing/2014/main" id="{0288C6B4-AFC3-407F-A595-EFFD38D4CCAF}"/>
-              </a:ext>
-              <a:ext uri="{C183D7F6-B498-43B3-948B-1728B52AA6E4}">
-                <adec:decorative xmlns:adec="http://schemas.microsoft.com/office/drawing/2017/decorative" val="1"/>
-              </a:ext>
-            </a:extLst>
-          </p:cNvPr>
-          <p:cNvSpPr>
-            <a:spLocks noGrp="1" noRot="1" noChangeAspect="1" noMove="1" noResize="1" noEditPoints="1" noAdjustHandles="1" noChangeArrowheads="1" noChangeShapeType="1" noTextEdit="1"/>
-          </p:cNvSpPr>
-          <p:nvPr>
-            <p:extLst>
-              <p:ext uri="{386F3935-93C4-4BCD-93E2-E3B085C9AB24}">
-                <p16:designElem xmlns:p16="http://schemas.microsoft.com/office/powerpoint/2015/main" val="1"/>
-              </p:ext>
-            </p:extLst>
-          </p:nvPr>
-        </p:nvSpPr>
-        <p:spPr>
-          <a:xfrm>
-            <a:off x="0" y="0"/>
-            <a:ext cx="12192000" cy="6858000"/>
-          </a:xfrm>
-          <a:prstGeom prst="rect">
-            <a:avLst/>
-          </a:prstGeom>
-          <a:ln>
-            <a:noFill/>
-          </a:ln>
-        </p:spPr>
-        <p:style>
-          <a:lnRef idx="2">
-            <a:schemeClr val="accent1">
-              <a:shade val="50000"/>
-            </a:schemeClr>
-          </a:lnRef>
-          <a:fillRef idx="1">
-            <a:schemeClr val="accent1"/>
-          </a:fillRef>
-          <a:effectRef idx="0">
-            <a:schemeClr val="accent1"/>
-          </a:effectRef>
-          <a:fontRef idx="minor">
-            <a:schemeClr val="lt1"/>
-          </a:fontRef>
-        </p:style>
-        <p:txBody>
-          <a:bodyPr rtlCol="0" anchor="ctr"/>
-          <a:lstStyle/>
-          <a:p>
-            <a:pPr algn="ctr"/>
-            <a:endParaRPr lang="en-US"/>
-          </a:p>
-        </p:txBody>
-      </p:sp>
-      <p:sp useBgFill="1">
-        <p:nvSpPr>
-          <p:cNvPr id="12" name="Freeform: Shape 11">
-            <a:extLst>
-              <a:ext uri="{FF2B5EF4-FFF2-40B4-BE49-F238E27FC236}">
-                <a16:creationId xmlns:a16="http://schemas.microsoft.com/office/drawing/2014/main" id="{CF236821-17FE-429B-8D2C-08E13A64EA40}"/>
-              </a:ext>
-              <a:ext uri="{C183D7F6-B498-43B3-948B-1728B52AA6E4}">
-                <adec:decorative xmlns:adec="http://schemas.microsoft.com/office/drawing/2017/decorative" val="1"/>
-              </a:ext>
-            </a:extLst>
-          </p:cNvPr>
-          <p:cNvSpPr>
-            <a:spLocks noGrp="1" noRot="1" noChangeAspect="1" noMove="1" noResize="1" noEditPoints="1" noAdjustHandles="1" noChangeArrowheads="1" noChangeShapeType="1" noTextEdit="1"/>
-          </p:cNvSpPr>
-          <p:nvPr>
-            <p:extLst>
-              <p:ext uri="{386F3935-93C4-4BCD-93E2-E3B085C9AB24}">
-                <p16:designElem xmlns:p16="http://schemas.microsoft.com/office/powerpoint/2015/main" val="1"/>
-              </p:ext>
-            </p:extLst>
-          </p:nvPr>
-        </p:nvSpPr>
-        <p:spPr>
-          <a:xfrm>
-            <a:off x="-1" y="0"/>
-            <a:ext cx="4455673" cy="6858000"/>
-          </a:xfrm>
-          <a:custGeom>
-            <a:avLst/>
-            <a:gdLst>
-              <a:gd name="connsiteX0" fmla="*/ 0 w 4455673"/>
-              <a:gd name="connsiteY0" fmla="*/ 0 h 6858000"/>
-              <a:gd name="connsiteX1" fmla="*/ 3242695 w 4455673"/>
-              <a:gd name="connsiteY1" fmla="*/ 0 h 6858000"/>
-              <a:gd name="connsiteX2" fmla="*/ 3305678 w 4455673"/>
-              <a:gd name="connsiteY2" fmla="*/ 69271 h 6858000"/>
-              <a:gd name="connsiteX3" fmla="*/ 4455673 w 4455673"/>
-              <a:gd name="connsiteY3" fmla="*/ 3429000 h 6858000"/>
-              <a:gd name="connsiteX4" fmla="*/ 3305678 w 4455673"/>
-              <a:gd name="connsiteY4" fmla="*/ 6788730 h 6858000"/>
-              <a:gd name="connsiteX5" fmla="*/ 3242695 w 4455673"/>
-              <a:gd name="connsiteY5" fmla="*/ 6858000 h 6858000"/>
-              <a:gd name="connsiteX6" fmla="*/ 0 w 4455673"/>
-              <a:gd name="connsiteY6" fmla="*/ 6858000 h 6858000"/>
-            </a:gdLst>
-            <a:ahLst/>
-            <a:cxnLst>
-              <a:cxn ang="0">
-                <a:pos x="connsiteX0" y="connsiteY0"/>
-              </a:cxn>
-              <a:cxn ang="0">
-                <a:pos x="connsiteX1" y="connsiteY1"/>
-              </a:cxn>
-              <a:cxn ang="0">
-                <a:pos x="connsiteX2" y="connsiteY2"/>
-              </a:cxn>
-              <a:cxn ang="0">
-                <a:pos x="connsiteX3" y="connsiteY3"/>
-              </a:cxn>
-              <a:cxn ang="0">
-                <a:pos x="connsiteX4" y="connsiteY4"/>
-              </a:cxn>
-              <a:cxn ang="0">
-                <a:pos x="connsiteX5" y="connsiteY5"/>
-              </a:cxn>
-              <a:cxn ang="0">
-                <a:pos x="connsiteX6" y="connsiteY6"/>
-              </a:cxn>
-            </a:cxnLst>
-            <a:rect l="l" t="t" r="r" b="b"/>
-            <a:pathLst>
-              <a:path w="4455673" h="6858000">
-                <a:moveTo>
-                  <a:pt x="0" y="0"/>
-                </a:moveTo>
-                <a:lnTo>
-                  <a:pt x="3242695" y="0"/>
-                </a:lnTo>
-                <a:lnTo>
-                  <a:pt x="3305678" y="69271"/>
-                </a:lnTo>
-                <a:cubicBezTo>
-                  <a:pt x="4016204" y="929100"/>
-                  <a:pt x="4455673" y="2116944"/>
-                  <a:pt x="4455673" y="3429000"/>
-                </a:cubicBezTo>
-                <a:cubicBezTo>
-                  <a:pt x="4455673" y="4741056"/>
-                  <a:pt x="4016204" y="5928900"/>
-                  <a:pt x="3305678" y="6788730"/>
-                </a:cubicBezTo>
-                <a:lnTo>
-                  <a:pt x="3242695" y="6858000"/>
-                </a:lnTo>
-                <a:lnTo>
-                  <a:pt x="0" y="6858000"/>
-                </a:lnTo>
-                <a:close/>
-              </a:path>
-            </a:pathLst>
-          </a:custGeom>
-          <a:ln w="9525">
-            <a:solidFill>
-              <a:schemeClr val="tx2">
-                <a:lumMod val="10000"/>
-                <a:lumOff val="90000"/>
-              </a:schemeClr>
-            </a:solidFill>
-          </a:ln>
-          <a:effectLst>
-            <a:outerShdw blurRad="50800" dist="38100" algn="l" rotWithShape="0">
-              <a:schemeClr val="bg1">
-                <a:lumMod val="85000"/>
-                <a:alpha val="30000"/>
-              </a:schemeClr>
-            </a:outerShdw>
-          </a:effectLst>
-        </p:spPr>
-        <p:style>
-          <a:lnRef idx="2">
-            <a:schemeClr val="accent1">
-              <a:shade val="50000"/>
-            </a:schemeClr>
-          </a:lnRef>
-          <a:fillRef idx="1">
-            <a:schemeClr val="accent1"/>
-          </a:fillRef>
-          <a:effectRef idx="0">
-            <a:schemeClr val="accent1"/>
-          </a:effectRef>
-          <a:fontRef idx="minor">
-            <a:schemeClr val="lt1"/>
-          </a:fontRef>
-        </p:style>
-        <p:txBody>
-          <a:bodyPr wrap="square" rtlCol="0" anchor="ctr">
-            <a:noAutofit/>
-          </a:bodyPr>
-          <a:lstStyle/>
-          <a:p>
-            <a:pPr marL="0" marR="0" lvl="0" indent="0" algn="ctr" defTabSz="914400" rtl="0" eaLnBrk="1" fontAlgn="auto" latinLnBrk="0" hangingPunct="1">
-              <a:lnSpc>
-                <a:spcPct val="100000"/>
-              </a:lnSpc>
-              <a:spcBef>
-                <a:spcPts val="0"/>
-              </a:spcBef>
-              <a:spcAft>
-                <a:spcPts val="0"/>
-              </a:spcAft>
-              <a:buClrTx/>
-              <a:buSzTx/>
-              <a:buFontTx/>
-              <a:buNone/>
-              <a:tabLst/>
-              <a:defRPr/>
-            </a:pPr>
-            <a:endParaRPr kumimoji="0" lang="en-US" sz="1800" b="0" i="0" u="none" strike="noStrike" kern="1200" cap="none" spc="0" normalizeH="0" baseline="0" noProof="0">
-              <a:ln>
-                <a:noFill/>
-              </a:ln>
-              <a:solidFill>
-                <a:prstClr val="white"/>
-              </a:solidFill>
-              <a:effectLst/>
-              <a:uLnTx/>
-              <a:uFillTx/>
-              <a:latin typeface="Calibri" panose="020F0502020204030204"/>
-              <a:ea typeface="+mn-ea"/>
-              <a:cs typeface="+mn-cs"/>
-            </a:endParaRPr>
-          </a:p>
-        </p:txBody>
-      </p:sp>
-      <p:sp useBgFill="1">
-        <p:nvSpPr>
-          <p:cNvPr id="14" name="Freeform: Shape 13">
-            <a:extLst>
-              <a:ext uri="{FF2B5EF4-FFF2-40B4-BE49-F238E27FC236}">
-                <a16:creationId xmlns:a16="http://schemas.microsoft.com/office/drawing/2014/main" id="{C0BDBCD2-E081-43AB-9119-C55465E59757}"/>
-              </a:ext>
-              <a:ext uri="{C183D7F6-B498-43B3-948B-1728B52AA6E4}">
-                <adec:decorative xmlns:adec="http://schemas.microsoft.com/office/drawing/2017/decorative" val="1"/>
-              </a:ext>
-            </a:extLst>
-          </p:cNvPr>
-          <p:cNvSpPr>
-            <a:spLocks noGrp="1" noRot="1" noChangeAspect="1" noMove="1" noResize="1" noEditPoints="1" noAdjustHandles="1" noChangeArrowheads="1" noChangeShapeType="1" noTextEdit="1"/>
-          </p:cNvSpPr>
-          <p:nvPr>
-            <p:extLst>
-              <p:ext uri="{386F3935-93C4-4BCD-93E2-E3B085C9AB24}">
-                <p16:designElem xmlns:p16="http://schemas.microsoft.com/office/powerpoint/2015/main" val="1"/>
-              </p:ext>
-            </p:extLst>
-          </p:nvPr>
-        </p:nvSpPr>
-        <p:spPr>
-          <a:xfrm>
-            <a:off x="0" y="0"/>
-            <a:ext cx="4446529" cy="6858000"/>
-          </a:xfrm>
-          <a:custGeom>
-            <a:avLst/>
-            <a:gdLst>
-              <a:gd name="connsiteX0" fmla="*/ 0 w 4446529"/>
-              <a:gd name="connsiteY0" fmla="*/ 0 h 6858000"/>
-              <a:gd name="connsiteX1" fmla="*/ 3233551 w 4446529"/>
-              <a:gd name="connsiteY1" fmla="*/ 0 h 6858000"/>
-              <a:gd name="connsiteX2" fmla="*/ 3296534 w 4446529"/>
-              <a:gd name="connsiteY2" fmla="*/ 69271 h 6858000"/>
-              <a:gd name="connsiteX3" fmla="*/ 4446529 w 4446529"/>
-              <a:gd name="connsiteY3" fmla="*/ 3429000 h 6858000"/>
-              <a:gd name="connsiteX4" fmla="*/ 3296534 w 4446529"/>
-              <a:gd name="connsiteY4" fmla="*/ 6788730 h 6858000"/>
-              <a:gd name="connsiteX5" fmla="*/ 3233551 w 4446529"/>
-              <a:gd name="connsiteY5" fmla="*/ 6858000 h 6858000"/>
-              <a:gd name="connsiteX6" fmla="*/ 0 w 4446529"/>
-              <a:gd name="connsiteY6" fmla="*/ 6858000 h 6858000"/>
-            </a:gdLst>
-            <a:ahLst/>
-            <a:cxnLst>
-              <a:cxn ang="0">
-                <a:pos x="connsiteX0" y="connsiteY0"/>
-              </a:cxn>
-              <a:cxn ang="0">
-                <a:pos x="connsiteX1" y="connsiteY1"/>
-              </a:cxn>
-              <a:cxn ang="0">
-                <a:pos x="connsiteX2" y="connsiteY2"/>
-              </a:cxn>
-              <a:cxn ang="0">
-                <a:pos x="connsiteX3" y="connsiteY3"/>
-              </a:cxn>
-              <a:cxn ang="0">
-                <a:pos x="connsiteX4" y="connsiteY4"/>
-              </a:cxn>
-              <a:cxn ang="0">
-                <a:pos x="connsiteX5" y="connsiteY5"/>
-              </a:cxn>
-              <a:cxn ang="0">
-                <a:pos x="connsiteX6" y="connsiteY6"/>
-              </a:cxn>
-            </a:cxnLst>
-            <a:rect l="l" t="t" r="r" b="b"/>
-            <a:pathLst>
-              <a:path w="4446529" h="6858000">
-                <a:moveTo>
-                  <a:pt x="0" y="0"/>
-                </a:moveTo>
-                <a:lnTo>
-                  <a:pt x="3233551" y="0"/>
-                </a:lnTo>
-                <a:lnTo>
-                  <a:pt x="3296534" y="69271"/>
-                </a:lnTo>
-                <a:cubicBezTo>
-                  <a:pt x="4007060" y="929100"/>
-                  <a:pt x="4446529" y="2116944"/>
-                  <a:pt x="4446529" y="3429000"/>
-                </a:cubicBezTo>
-                <a:cubicBezTo>
-                  <a:pt x="4446529" y="4741056"/>
-                  <a:pt x="4007060" y="5928900"/>
-                  <a:pt x="3296534" y="6788730"/>
-                </a:cubicBezTo>
-                <a:lnTo>
-                  <a:pt x="3233551" y="6858000"/>
-                </a:lnTo>
-                <a:lnTo>
-                  <a:pt x="0" y="6858000"/>
-                </a:lnTo>
-                <a:close/>
-              </a:path>
-            </a:pathLst>
-          </a:custGeom>
-          <a:ln w="9525">
-            <a:noFill/>
-          </a:ln>
-          <a:effectLst/>
-        </p:spPr>
-        <p:style>
-          <a:lnRef idx="2">
-            <a:schemeClr val="accent1">
-              <a:shade val="50000"/>
-            </a:schemeClr>
-          </a:lnRef>
-          <a:fillRef idx="1">
-            <a:schemeClr val="accent1"/>
-          </a:fillRef>
-          <a:effectRef idx="0">
-            <a:schemeClr val="accent1"/>
-          </a:effectRef>
-          <a:fontRef idx="minor">
-            <a:schemeClr val="lt1"/>
-          </a:fontRef>
-        </p:style>
-        <p:txBody>
-          <a:bodyPr wrap="square" rtlCol="0" anchor="ctr">
-            <a:noAutofit/>
-          </a:bodyPr>
-          <a:lstStyle/>
-          <a:p>
-            <a:pPr marL="0" marR="0" lvl="0" indent="0" algn="ctr" defTabSz="914400" rtl="0" eaLnBrk="1" fontAlgn="auto" latinLnBrk="0" hangingPunct="1">
-              <a:lnSpc>
-                <a:spcPct val="100000"/>
-              </a:lnSpc>
-              <a:spcBef>
-                <a:spcPts val="0"/>
-              </a:spcBef>
-              <a:spcAft>
-                <a:spcPts val="0"/>
-              </a:spcAft>
-              <a:buClrTx/>
-              <a:buSzTx/>
-              <a:buFontTx/>
-              <a:buNone/>
-              <a:tabLst/>
-              <a:defRPr/>
-            </a:pPr>
-            <a:endParaRPr kumimoji="0" lang="en-US" sz="1800" b="0" i="0" u="none" strike="noStrike" kern="1200" cap="none" spc="0" normalizeH="0" baseline="0" noProof="0">
-              <a:ln>
-                <a:noFill/>
-              </a:ln>
-              <a:solidFill>
-                <a:prstClr val="white"/>
-              </a:solidFill>
-              <a:effectLst/>
-              <a:uLnTx/>
-              <a:uFillTx/>
-              <a:latin typeface="Calibri" panose="020F0502020204030204"/>
-              <a:ea typeface="+mn-ea"/>
-              <a:cs typeface="+mn-cs"/>
-            </a:endParaRPr>
-          </a:p>
-        </p:txBody>
-      </p:sp>
-      <p:sp>
-        <p:nvSpPr>
-          <p:cNvPr id="2" name="Title 1">
-            <a:extLst>
-              <a:ext uri="{FF2B5EF4-FFF2-40B4-BE49-F238E27FC236}">
-                <a16:creationId xmlns:a16="http://schemas.microsoft.com/office/drawing/2014/main" id="{550499B2-8F62-7A1D-5106-2759B57C1C16}"/>
-              </a:ext>
-            </a:extLst>
-          </p:cNvPr>
-          <p:cNvSpPr>
-            <a:spLocks noGrp="1"/>
-          </p:cNvSpPr>
-          <p:nvPr>
-            <p:ph type="title"/>
-          </p:nvPr>
-        </p:nvSpPr>
-        <p:spPr>
-          <a:xfrm>
-            <a:off x="371094" y="1161288"/>
-            <a:ext cx="3438144" cy="1239012"/>
-          </a:xfrm>
-        </p:spPr>
-        <p:txBody>
-          <a:bodyPr anchor="ctr">
-            <a:normAutofit/>
-          </a:bodyPr>
-          <a:lstStyle/>
-          <a:p>
-            <a:r>
-              <a:rPr lang="en-GB" sz="2800"/>
-              <a:t>My First proposed theory</a:t>
-            </a:r>
-          </a:p>
-        </p:txBody>
-      </p:sp>
-      <p:sp>
-        <p:nvSpPr>
-          <p:cNvPr id="16" name="Rectangle 15">
-            <a:extLst>
-              <a:ext uri="{FF2B5EF4-FFF2-40B4-BE49-F238E27FC236}">
-                <a16:creationId xmlns:a16="http://schemas.microsoft.com/office/drawing/2014/main" id="{98E79BE4-34FE-485A-98A5-92CE8F7C4743}"/>
-              </a:ext>
-              <a:ext uri="{C183D7F6-B498-43B3-948B-1728B52AA6E4}">
-                <adec:decorative xmlns:adec="http://schemas.microsoft.com/office/drawing/2017/decorative" val="1"/>
-              </a:ext>
-            </a:extLst>
-          </p:cNvPr>
-          <p:cNvSpPr>
-            <a:spLocks noGrp="1" noRot="1" noChangeAspect="1" noMove="1" noResize="1" noEditPoints="1" noAdjustHandles="1" noChangeArrowheads="1" noChangeShapeType="1" noTextEdit="1"/>
-          </p:cNvSpPr>
-          <p:nvPr>
-            <p:extLst>
-              <p:ext uri="{386F3935-93C4-4BCD-93E2-E3B085C9AB24}">
-                <p16:designElem xmlns:p16="http://schemas.microsoft.com/office/powerpoint/2015/main" val="1"/>
-              </p:ext>
-            </p:extLst>
-          </p:nvPr>
-        </p:nvSpPr>
-        <p:spPr>
-          <a:xfrm>
-            <a:off x="0" y="1426546"/>
-            <a:ext cx="128016" cy="653903"/>
-          </a:xfrm>
-          <a:prstGeom prst="rect">
-            <a:avLst/>
-          </a:prstGeom>
-          <a:solidFill>
-            <a:schemeClr val="accent1"/>
-          </a:solidFill>
-          <a:ln>
-            <a:noFill/>
-          </a:ln>
-        </p:spPr>
-        <p:style>
-          <a:lnRef idx="2">
-            <a:schemeClr val="accent1">
-              <a:shade val="50000"/>
-            </a:schemeClr>
-          </a:lnRef>
-          <a:fillRef idx="1">
-            <a:schemeClr val="accent1"/>
-          </a:fillRef>
-          <a:effectRef idx="0">
-            <a:schemeClr val="accent1"/>
-          </a:effectRef>
-          <a:fontRef idx="minor">
-            <a:schemeClr val="lt1"/>
-          </a:fontRef>
-        </p:style>
-        <p:txBody>
-          <a:bodyPr rtlCol="0" anchor="ctr"/>
-          <a:lstStyle/>
-          <a:p>
-            <a:pPr marL="0" marR="0" lvl="0" indent="0" algn="ctr" defTabSz="914400" rtl="0" eaLnBrk="1" fontAlgn="auto" latinLnBrk="0" hangingPunct="1">
-              <a:lnSpc>
-                <a:spcPct val="100000"/>
-              </a:lnSpc>
-              <a:spcBef>
-                <a:spcPts val="0"/>
-              </a:spcBef>
-              <a:spcAft>
-                <a:spcPts val="0"/>
-              </a:spcAft>
-              <a:buClrTx/>
-              <a:buSzTx/>
-              <a:buFontTx/>
-              <a:buNone/>
-              <a:tabLst/>
-              <a:defRPr/>
-            </a:pPr>
-            <a:endParaRPr kumimoji="0" lang="en-US" sz="1800" b="0" i="0" u="none" strike="noStrike" kern="1200" cap="none" spc="0" normalizeH="0" baseline="0" noProof="0">
-              <a:ln>
-                <a:noFill/>
-              </a:ln>
-              <a:solidFill>
-                <a:prstClr val="white"/>
-              </a:solidFill>
-              <a:effectLst/>
-              <a:uLnTx/>
-              <a:uFillTx/>
-              <a:latin typeface="Calibri" panose="020F0502020204030204"/>
-              <a:ea typeface="+mn-ea"/>
-              <a:cs typeface="+mn-cs"/>
-            </a:endParaRPr>
-          </a:p>
-        </p:txBody>
-      </p:sp>
-      <p:sp>
-        <p:nvSpPr>
-          <p:cNvPr id="18" name="Rectangle 17">
-            <a:extLst>
-              <a:ext uri="{FF2B5EF4-FFF2-40B4-BE49-F238E27FC236}">
-                <a16:creationId xmlns:a16="http://schemas.microsoft.com/office/drawing/2014/main" id="{7A5F0580-5EE9-419F-96EE-B6529EF6E7D0}"/>
-              </a:ext>
-              <a:ext uri="{C183D7F6-B498-43B3-948B-1728B52AA6E4}">
-                <adec:decorative xmlns:adec="http://schemas.microsoft.com/office/drawing/2017/decorative" val="1"/>
-              </a:ext>
-            </a:extLst>
-          </p:cNvPr>
-          <p:cNvSpPr>
-            <a:spLocks noGrp="1" noRot="1" noChangeAspect="1" noMove="1" noResize="1" noEditPoints="1" noAdjustHandles="1" noChangeArrowheads="1" noChangeShapeType="1" noTextEdit="1"/>
-          </p:cNvSpPr>
-          <p:nvPr>
-            <p:extLst>
-              <p:ext uri="{386F3935-93C4-4BCD-93E2-E3B085C9AB24}">
-                <p16:designElem xmlns:p16="http://schemas.microsoft.com/office/powerpoint/2015/main" val="1"/>
-              </p:ext>
-            </p:extLst>
-          </p:nvPr>
-        </p:nvSpPr>
-        <p:spPr>
-          <a:xfrm>
-            <a:off x="395893" y="2443480"/>
-            <a:ext cx="3383280" cy="18288"/>
-          </a:xfrm>
-          <a:prstGeom prst="rect">
-            <a:avLst/>
-          </a:prstGeom>
-          <a:solidFill>
-            <a:schemeClr val="tx2">
-              <a:lumMod val="25000"/>
-              <a:lumOff val="75000"/>
-            </a:schemeClr>
-          </a:solidFill>
-          <a:ln w="3175">
-            <a:noFill/>
-          </a:ln>
-          <a:effectLst/>
-        </p:spPr>
-        <p:style>
-          <a:lnRef idx="2">
-            <a:schemeClr val="accent1">
-              <a:shade val="50000"/>
-            </a:schemeClr>
-          </a:lnRef>
-          <a:fillRef idx="1">
-            <a:schemeClr val="accent1"/>
-          </a:fillRef>
-          <a:effectRef idx="0">
-            <a:schemeClr val="accent1"/>
-          </a:effectRef>
-          <a:fontRef idx="minor">
-            <a:schemeClr val="lt1"/>
-          </a:fontRef>
-        </p:style>
-        <p:txBody>
-          <a:bodyPr rtlCol="0" anchor="ctr"/>
-          <a:lstStyle/>
-          <a:p>
-            <a:pPr marL="0" marR="0" lvl="0" indent="0" algn="ctr" defTabSz="914400" rtl="0" eaLnBrk="1" fontAlgn="auto" latinLnBrk="0" hangingPunct="1">
-              <a:lnSpc>
-                <a:spcPct val="100000"/>
-              </a:lnSpc>
-              <a:spcBef>
-                <a:spcPts val="0"/>
-              </a:spcBef>
-              <a:spcAft>
-                <a:spcPts val="0"/>
-              </a:spcAft>
-              <a:buClrTx/>
-              <a:buSzTx/>
-              <a:buFontTx/>
-              <a:buNone/>
-              <a:tabLst/>
-              <a:defRPr/>
-            </a:pPr>
-            <a:endParaRPr kumimoji="0" lang="en-US" sz="1800" b="0" i="0" u="none" strike="noStrike" kern="1200" cap="none" spc="0" normalizeH="0" baseline="0" noProof="0">
-              <a:ln>
-                <a:noFill/>
-              </a:ln>
-              <a:solidFill>
-                <a:prstClr val="white"/>
-              </a:solidFill>
-              <a:effectLst/>
-              <a:uLnTx/>
-              <a:uFillTx/>
-              <a:latin typeface="Calibri" panose="020F0502020204030204"/>
-              <a:ea typeface="+mn-ea"/>
-              <a:cs typeface="+mn-cs"/>
-            </a:endParaRPr>
-          </a:p>
-        </p:txBody>
-      </p:sp>
-      <p:sp>
-        <p:nvSpPr>
-          <p:cNvPr id="3" name="Content Placeholder 2">
-            <a:extLst>
-              <a:ext uri="{FF2B5EF4-FFF2-40B4-BE49-F238E27FC236}">
-                <a16:creationId xmlns:a16="http://schemas.microsoft.com/office/drawing/2014/main" id="{22B364E5-9DFE-2599-CBA1-96E37C898A10}"/>
-              </a:ext>
-            </a:extLst>
-          </p:cNvPr>
-          <p:cNvSpPr>
-            <a:spLocks noGrp="1"/>
-          </p:cNvSpPr>
-          <p:nvPr>
-            <p:ph idx="1"/>
-          </p:nvPr>
-        </p:nvSpPr>
-        <p:spPr>
-          <a:xfrm>
-            <a:off x="371094" y="2718054"/>
-            <a:ext cx="3438906" cy="3207258"/>
-          </a:xfrm>
-        </p:spPr>
-        <p:txBody>
-          <a:bodyPr anchor="t">
-            <a:normAutofit fontScale="92500" lnSpcReduction="20000"/>
-          </a:bodyPr>
-          <a:lstStyle/>
-          <a:p>
-            <a:r>
-              <a:rPr lang="en-GB" dirty="0"/>
-              <a:t>Overgeneralisation – perhaps n-step causes other actions to have be impacted less by gradient updates, hence stabilising training.</a:t>
-            </a:r>
-          </a:p>
-        </p:txBody>
-      </p:sp>
-      <p:pic>
-        <p:nvPicPr>
-          <p:cNvPr id="5" name="Picture 4" descr="A graph of a training step&#10;&#10;Description automatically generated with medium confidence">
-            <a:extLst>
-              <a:ext uri="{FF2B5EF4-FFF2-40B4-BE49-F238E27FC236}">
-                <a16:creationId xmlns:a16="http://schemas.microsoft.com/office/drawing/2014/main" id="{6B095E6A-8D43-D073-412D-0B8E635A7DC6}"/>
-              </a:ext>
-            </a:extLst>
-          </p:cNvPr>
-          <p:cNvPicPr>
-            <a:picLocks noChangeAspect="1"/>
-          </p:cNvPicPr>
-          <p:nvPr/>
-        </p:nvPicPr>
-        <p:blipFill>
-          <a:blip r:embed="rId2">
-            <a:extLst>
-              <a:ext uri="{28A0092B-C50C-407E-A947-70E740481C1C}">
-                <a14:useLocalDpi xmlns:a14="http://schemas.microsoft.com/office/drawing/2010/main" val="0"/>
-              </a:ext>
-            </a:extLst>
-          </a:blip>
-          <a:stretch>
-            <a:fillRect/>
-          </a:stretch>
-        </p:blipFill>
-        <p:spPr>
-          <a:xfrm>
-            <a:off x="4901184" y="883539"/>
-            <a:ext cx="6922008" cy="5191505"/>
-          </a:xfrm>
-          <a:prstGeom prst="rect">
-            <a:avLst/>
-          </a:prstGeom>
-        </p:spPr>
-      </p:pic>
-    </p:spTree>
-    <p:extLst>
-      <p:ext uri="{BB962C8B-B14F-4D97-AF65-F5344CB8AC3E}">
-        <p14:creationId xmlns:p14="http://schemas.microsoft.com/office/powerpoint/2010/main" val="2849297260"/>
-      </p:ext>
-    </p:extLst>
-  </p:cSld>
-  <p:clrMapOvr>
-    <a:masterClrMapping/>
-  </p:clrMapOvr>
-</p:sld>
-</file>
-
-<file path=ppt/slides/slide9.xml><?xml version="1.0" encoding="utf-8"?>
-<p:sld xmlns:a="http://schemas.openxmlformats.org/drawingml/2006/main" xmlns:r="http://schemas.openxmlformats.org/officeDocument/2006/relationships" xmlns:p="http://schemas.openxmlformats.org/presentationml/2006/main">
-  <p:cSld>
-    <p:spTree>
-      <p:nvGrpSpPr>
-        <p:cNvPr id="1" name=""/>
-        <p:cNvGrpSpPr/>
-        <p:nvPr/>
-      </p:nvGrpSpPr>
-      <p:grpSpPr>
-        <a:xfrm>
-          <a:off x="0" y="0"/>
-          <a:ext cx="0" cy="0"/>
-          <a:chOff x="0" y="0"/>
-          <a:chExt cx="0" cy="0"/>
-        </a:xfrm>
-      </p:grpSpPr>
-      <p:sp>
-        <p:nvSpPr>
-          <p:cNvPr id="2" name="Title 1">
-            <a:extLst>
-              <a:ext uri="{FF2B5EF4-FFF2-40B4-BE49-F238E27FC236}">
-                <a16:creationId xmlns:a16="http://schemas.microsoft.com/office/drawing/2014/main" id="{DE0FC697-C24A-A8D1-285B-51245DC9A492}"/>
-              </a:ext>
-            </a:extLst>
-          </p:cNvPr>
-          <p:cNvSpPr>
-            <a:spLocks noGrp="1"/>
-          </p:cNvSpPr>
-          <p:nvPr>
-            <p:ph type="title"/>
-          </p:nvPr>
-        </p:nvSpPr>
-        <p:spPr/>
-        <p:txBody>
-          <a:bodyPr>
-            <a:normAutofit/>
-          </a:bodyPr>
-          <a:lstStyle/>
-          <a:p>
-            <a:r>
-              <a:rPr lang="en-GB" dirty="0"/>
-              <a:t>This theory was dramatically wrong</a:t>
-            </a:r>
-          </a:p>
-        </p:txBody>
-      </p:sp>
-      <p:pic>
-        <p:nvPicPr>
-          <p:cNvPr id="5" name="Content Placeholder 4" descr="A graph of a line graph&#10;&#10;Description automatically generated with medium confidence">
-            <a:extLst>
-              <a:ext uri="{FF2B5EF4-FFF2-40B4-BE49-F238E27FC236}">
-                <a16:creationId xmlns:a16="http://schemas.microsoft.com/office/drawing/2014/main" id="{90098EA4-DD0A-228F-D5A8-103918823C79}"/>
-              </a:ext>
-            </a:extLst>
-          </p:cNvPr>
-          <p:cNvPicPr>
-            <a:picLocks noGrp="1" noChangeAspect="1"/>
-          </p:cNvPicPr>
-          <p:nvPr>
-            <p:ph idx="1"/>
-          </p:nvPr>
-        </p:nvPicPr>
-        <p:blipFill>
-          <a:blip r:embed="rId2">
-            <a:extLst>
-              <a:ext uri="{28A0092B-C50C-407E-A947-70E740481C1C}">
-                <a14:useLocalDpi xmlns:a14="http://schemas.microsoft.com/office/drawing/2010/main" val="0"/>
-              </a:ext>
-            </a:extLst>
-          </a:blip>
-          <a:stretch>
-            <a:fillRect/>
-          </a:stretch>
-        </p:blipFill>
-        <p:spPr>
-          <a:xfrm>
-            <a:off x="6551118" y="2160036"/>
-            <a:ext cx="4925482" cy="3694112"/>
-          </a:xfrm>
-        </p:spPr>
-      </p:pic>
-      <p:sp>
-        <p:nvSpPr>
-          <p:cNvPr id="6" name="TextBox 5">
-            <a:extLst>
-              <a:ext uri="{FF2B5EF4-FFF2-40B4-BE49-F238E27FC236}">
-                <a16:creationId xmlns:a16="http://schemas.microsoft.com/office/drawing/2014/main" id="{A50E758A-B16E-11AD-E591-7F70A4F8EA56}"/>
-              </a:ext>
-            </a:extLst>
-          </p:cNvPr>
-          <p:cNvSpPr txBox="1"/>
-          <p:nvPr/>
-        </p:nvSpPr>
-        <p:spPr>
-          <a:xfrm>
-            <a:off x="511886" y="3035791"/>
-            <a:ext cx="5848626" cy="3139321"/>
-          </a:xfrm>
-          <a:prstGeom prst="rect">
-            <a:avLst/>
-          </a:prstGeom>
-          <a:noFill/>
-        </p:spPr>
-        <p:txBody>
-          <a:bodyPr wrap="square" rtlCol="0">
-            <a:spAutoFit/>
-          </a:bodyPr>
-          <a:lstStyle/>
-          <a:p>
-            <a:r>
-              <a:rPr lang="en-GB" dirty="0"/>
-              <a:t>N-step massively </a:t>
-            </a:r>
-            <a:r>
-              <a:rPr lang="en-GB" b="1" dirty="0"/>
-              <a:t>increased </a:t>
-            </a:r>
-            <a:r>
-              <a:rPr lang="en-GB" dirty="0"/>
-              <a:t>how much gradient updates effected actions they were not intended for – the exact opposite of what I was hoping to find.</a:t>
-            </a:r>
-          </a:p>
-          <a:p>
-            <a:endParaRPr lang="en-GB" b="1" dirty="0"/>
-          </a:p>
-          <a:p>
-            <a:r>
-              <a:rPr lang="en-GB" dirty="0"/>
-              <a:t>I am still unsure of what conclusions to draw from this, as it seems highly strange that high n-step causes actions to generalise </a:t>
-            </a:r>
-            <a:r>
-              <a:rPr lang="en-GB" b="1" dirty="0"/>
-              <a:t>more</a:t>
-            </a:r>
-            <a:r>
-              <a:rPr lang="en-GB" dirty="0"/>
-              <a:t>, but the policy to change </a:t>
-            </a:r>
-            <a:r>
-              <a:rPr lang="en-GB" b="1" dirty="0"/>
-              <a:t>less</a:t>
-            </a:r>
-            <a:r>
-              <a:rPr lang="en-GB" dirty="0"/>
-              <a:t>.</a:t>
-            </a:r>
-          </a:p>
-          <a:p>
-            <a:endParaRPr lang="en-GB" dirty="0"/>
-          </a:p>
-          <a:p>
-            <a:r>
-              <a:rPr lang="en-GB" dirty="0"/>
-              <a:t>This was done on a single sample, so perhaps it is needed to repeat?</a:t>
-            </a:r>
-          </a:p>
-        </p:txBody>
-      </p:sp>
-    </p:spTree>
-    <p:extLst>
-      <p:ext uri="{BB962C8B-B14F-4D97-AF65-F5344CB8AC3E}">
-        <p14:creationId xmlns:p14="http://schemas.microsoft.com/office/powerpoint/2010/main" val="4115834218"/>
       </p:ext>
     </p:extLst>
   </p:cSld>
@@ -11549,15 +9855,6 @@
 </file>
 
 <file path=customXml/item1.xml><?xml version="1.0" encoding="utf-8"?>
-<?mso-contentType ?>
-<FormTemplates xmlns="http://schemas.microsoft.com/sharepoint/v3/contenttype/forms">
-  <Display>DocumentLibraryForm</Display>
-  <Edit>DocumentLibraryForm</Edit>
-  <New>DocumentLibraryForm</New>
-</FormTemplates>
-</file>
-
-<file path=customXml/item2.xml><?xml version="1.0" encoding="utf-8"?>
 <ct:contentTypeSchema xmlns:ct="http://schemas.microsoft.com/office/2006/metadata/contentType" xmlns:ma="http://schemas.microsoft.com/office/2006/metadata/properties/metaAttributes" ct:_="" ma:_="" ma:contentTypeName="Document" ma:contentTypeID="0x01010080EA5B84DD74DE40B36E4BC6020E6D9F" ma:contentTypeVersion="14" ma:contentTypeDescription="Create a new document." ma:contentTypeScope="" ma:versionID="28de449c72a5e47c5202139f2bf51550">
   <xsd:schema xmlns:xsd="http://www.w3.org/2001/XMLSchema" xmlns:xs="http://www.w3.org/2001/XMLSchema" xmlns:p="http://schemas.microsoft.com/office/2006/metadata/properties" xmlns:ns3="d7f5a7ab-2def-40a3-afd2-85d03e8f423c" xmlns:ns4="bd5b3ce5-9684-4633-a08f-c606343f8864" targetNamespace="http://schemas.microsoft.com/office/2006/metadata/properties" ma:root="true" ma:fieldsID="129c7dcc6397faf9c08502e0001ef98d" ns3:_="" ns4:_="">
     <xsd:import namespace="d7f5a7ab-2def-40a3-afd2-85d03e8f423c"/>
@@ -11786,6 +10083,15 @@
 </ct:contentTypeSchema>
 </file>
 
+<file path=customXml/item2.xml><?xml version="1.0" encoding="utf-8"?>
+<?mso-contentType ?>
+<FormTemplates xmlns="http://schemas.microsoft.com/sharepoint/v3/contenttype/forms">
+  <Display>DocumentLibraryForm</Display>
+  <Edit>DocumentLibraryForm</Edit>
+  <New>DocumentLibraryForm</New>
+</FormTemplates>
+</file>
+
 <file path=customXml/item3.xml><?xml version="1.0" encoding="utf-8"?>
 <p:properties xmlns:p="http://schemas.microsoft.com/office/2006/metadata/properties" xmlns:xsi="http://www.w3.org/2001/XMLSchema-instance" xmlns:pc="http://schemas.microsoft.com/office/infopath/2007/PartnerControls">
   <documentManagement>
@@ -11795,14 +10101,6 @@
 </file>
 
 <file path=customXml/itemProps1.xml><?xml version="1.0" encoding="utf-8"?>
-<ds:datastoreItem xmlns:ds="http://schemas.openxmlformats.org/officeDocument/2006/customXml" ds:itemID="{77AE5E60-3EE9-482E-890B-30FA5C1AAE15}">
-  <ds:schemaRefs>
-    <ds:schemaRef ds:uri="http://schemas.microsoft.com/sharepoint/v3/contenttype/forms"/>
-  </ds:schemaRefs>
-</ds:datastoreItem>
-</file>
-
-<file path=customXml/itemProps2.xml><?xml version="1.0" encoding="utf-8"?>
 <ds:datastoreItem xmlns:ds="http://schemas.openxmlformats.org/officeDocument/2006/customXml" ds:itemID="{62477F19-84E0-4B89-B81C-DC3E856BCFA1}">
   <ds:schemaRefs>
     <ds:schemaRef ds:uri="http://schemas.microsoft.com/office/2006/metadata/contentType"/>
@@ -11817,6 +10115,14 @@
     <ds:schemaRef ds:uri="http://purl.org/dc/elements/1.1/"/>
     <ds:schemaRef ds:uri="http://purl.org/dc/terms/"/>
     <ds:schemaRef ds:uri="http://schemas.microsoft.com/internal/obd"/>
+  </ds:schemaRefs>
+</ds:datastoreItem>
+</file>
+
+<file path=customXml/itemProps2.xml><?xml version="1.0" encoding="utf-8"?>
+<ds:datastoreItem xmlns:ds="http://schemas.openxmlformats.org/officeDocument/2006/customXml" ds:itemID="{77AE5E60-3EE9-482E-890B-30FA5C1AAE15}">
+  <ds:schemaRefs>
+    <ds:schemaRef ds:uri="http://schemas.microsoft.com/sharepoint/v3/contenttype/forms"/>
   </ds:schemaRefs>
 </ds:datastoreItem>
 </file>

--- a/FeasibilityStudy_07_09_2023.pptx
+++ b/FeasibilityStudy_07_09_2023.pptx
@@ -154,7 +154,7 @@
             </a:pPr>
             <a:r>
               <a:rPr lang="en-US" dirty="0"/>
-              <a:t>Late Churn (x)</a:t>
+              <a:t>Early Churn (x)</a:t>
             </a:r>
             <a:r>
               <a:rPr lang="en-US" baseline="0" dirty="0"/>
@@ -169,7 +169,7 @@
           <c:xMode val="edge"/>
           <c:yMode val="edge"/>
           <c:x val="0.18150187805494519"/>
-          <c:y val="2.3626231162673345E-2"/>
+          <c:y val="2.6579510058007513E-2"/>
         </c:manualLayout>
       </c:layout>
       <c:overlay val="0"/>
@@ -250,19 +250,19 @@
                 <c:formatCode>General</c:formatCode>
                 <c:ptCount val="5"/>
                 <c:pt idx="0">
-                  <c:v>1.4</c:v>
+                  <c:v>2.6</c:v>
                 </c:pt>
                 <c:pt idx="1">
-                  <c:v>1.9</c:v>
+                  <c:v>3.8</c:v>
                 </c:pt>
                 <c:pt idx="2">
-                  <c:v>2.6</c:v>
+                  <c:v>7.5</c:v>
                 </c:pt>
                 <c:pt idx="3">
-                  <c:v>1.8</c:v>
+                  <c:v>3</c:v>
                 </c:pt>
                 <c:pt idx="4">
-                  <c:v>1.5</c:v>
+                  <c:v>4</c:v>
                 </c:pt>
               </c:numCache>
             </c:numRef>
@@ -1187,7 +1187,7 @@
           <a:p>
             <a:fld id="{02AC24A9-CCB6-4F8D-B8DB-C2F3692CFA5A}" type="datetimeFigureOut">
               <a:rPr lang="en-US" smtClean="0"/>
-              <a:t>9/21/2023</a:t>
+              <a:t>9/22/2023</a:t>
             </a:fld>
             <a:endParaRPr lang="en-US" dirty="0"/>
           </a:p>
@@ -1557,7 +1557,7 @@
           <a:p>
             <a:fld id="{02AC24A9-CCB6-4F8D-B8DB-C2F3692CFA5A}" type="datetimeFigureOut">
               <a:rPr lang="en-US" smtClean="0"/>
-              <a:t>9/21/2023</a:t>
+              <a:t>9/22/2023</a:t>
             </a:fld>
             <a:endParaRPr lang="en-US"/>
           </a:p>
@@ -1766,7 +1766,7 @@
           <a:p>
             <a:fld id="{02AC24A9-CCB6-4F8D-B8DB-C2F3692CFA5A}" type="datetimeFigureOut">
               <a:rPr lang="en-US" smtClean="0"/>
-              <a:t>9/21/2023</a:t>
+              <a:t>9/22/2023</a:t>
             </a:fld>
             <a:endParaRPr lang="en-US"/>
           </a:p>
@@ -2236,7 +2236,7 @@
           <a:p>
             <a:fld id="{02AC24A9-CCB6-4F8D-B8DB-C2F3692CFA5A}" type="datetimeFigureOut">
               <a:rPr lang="en-US" smtClean="0"/>
-              <a:t>9/21/2023</a:t>
+              <a:t>9/22/2023</a:t>
             </a:fld>
             <a:endParaRPr lang="en-US"/>
           </a:p>
@@ -2690,7 +2690,7 @@
           <a:p>
             <a:fld id="{02AC24A9-CCB6-4F8D-B8DB-C2F3692CFA5A}" type="datetimeFigureOut">
               <a:rPr lang="en-US" smtClean="0"/>
-              <a:t>9/21/2023</a:t>
+              <a:t>9/22/2023</a:t>
             </a:fld>
             <a:endParaRPr lang="en-US"/>
           </a:p>
@@ -3222,7 +3222,7 @@
           <a:p>
             <a:fld id="{02AC24A9-CCB6-4F8D-B8DB-C2F3692CFA5A}" type="datetimeFigureOut">
               <a:rPr lang="en-US" smtClean="0"/>
-              <a:t>9/21/2023</a:t>
+              <a:t>9/22/2023</a:t>
             </a:fld>
             <a:endParaRPr lang="en-US"/>
           </a:p>
@@ -3921,7 +3921,7 @@
           <a:p>
             <a:fld id="{02AC24A9-CCB6-4F8D-B8DB-C2F3692CFA5A}" type="datetimeFigureOut">
               <a:rPr lang="en-US" smtClean="0"/>
-              <a:t>9/21/2023</a:t>
+              <a:t>9/22/2023</a:t>
             </a:fld>
             <a:endParaRPr lang="en-US"/>
           </a:p>
@@ -4250,7 +4250,7 @@
           <a:p>
             <a:fld id="{02AC24A9-CCB6-4F8D-B8DB-C2F3692CFA5A}" type="datetimeFigureOut">
               <a:rPr lang="en-US" smtClean="0"/>
-              <a:t>9/21/2023</a:t>
+              <a:t>9/22/2023</a:t>
             </a:fld>
             <a:endParaRPr lang="en-US"/>
           </a:p>
@@ -4363,7 +4363,7 @@
           <a:p>
             <a:fld id="{02AC24A9-CCB6-4F8D-B8DB-C2F3692CFA5A}" type="datetimeFigureOut">
               <a:rPr lang="en-US" smtClean="0"/>
-              <a:t>9/21/2023</a:t>
+              <a:t>9/22/2023</a:t>
             </a:fld>
             <a:endParaRPr lang="en-US"/>
           </a:p>
@@ -4858,7 +4858,7 @@
           <a:p>
             <a:fld id="{02AC24A9-CCB6-4F8D-B8DB-C2F3692CFA5A}" type="datetimeFigureOut">
               <a:rPr lang="en-US" smtClean="0"/>
-              <a:t>9/21/2023</a:t>
+              <a:t>9/22/2023</a:t>
             </a:fld>
             <a:endParaRPr lang="en-US" dirty="0"/>
           </a:p>
@@ -5335,7 +5335,7 @@
           <a:p>
             <a:fld id="{02AC24A9-CCB6-4F8D-B8DB-C2F3692CFA5A}" type="datetimeFigureOut">
               <a:rPr lang="en-US" smtClean="0"/>
-              <a:t>9/21/2023</a:t>
+              <a:t>9/22/2023</a:t>
             </a:fld>
             <a:endParaRPr lang="en-US"/>
           </a:p>
@@ -5578,7 +5578,7 @@
           <a:p>
             <a:fld id="{02AC24A9-CCB6-4F8D-B8DB-C2F3692CFA5A}" type="datetimeFigureOut">
               <a:rPr lang="en-US" smtClean="0"/>
-              <a:t>9/21/2023</a:t>
+              <a:t>9/22/2023</a:t>
             </a:fld>
             <a:endParaRPr lang="en-US"/>
           </a:p>
@@ -6242,8 +6242,8 @@
           <a:lstStyle/>
           <a:p>
             <a:r>
-              <a:rPr lang="en-GB" sz="2000"/>
-              <a:t>17/08/2023</a:t>
+              <a:rPr lang="en-GB" sz="2000" dirty="0"/>
+              <a:t>22/08/2023</a:t>
             </a:r>
           </a:p>
         </p:txBody>
@@ -6628,7 +6628,9 @@
           </a:xfrm>
         </p:spPr>
         <p:txBody>
-          <a:bodyPr/>
+          <a:bodyPr>
+            <a:normAutofit fontScale="92500"/>
+          </a:bodyPr>
           <a:lstStyle/>
           <a:p>
             <a:r>
@@ -6659,14 +6661,14 @@
           <p:nvPr>
             <p:extLst>
               <p:ext uri="{D42A27DB-BD31-4B8C-83A1-F6EECF244321}">
-                <p14:modId xmlns:p14="http://schemas.microsoft.com/office/powerpoint/2010/main" val="1185510097"/>
+                <p14:modId xmlns:p14="http://schemas.microsoft.com/office/powerpoint/2010/main" val="813119127"/>
               </p:ext>
             </p:extLst>
           </p:nvPr>
         </p:nvGraphicFramePr>
         <p:xfrm>
           <a:off x="282861" y="1409434"/>
-          <a:ext cx="10435147" cy="2651760"/>
+          <a:ext cx="10435147" cy="2895600"/>
         </p:xfrm>
         <a:graphic>
           <a:graphicData uri="http://schemas.openxmlformats.org/drawingml/2006/table">
@@ -6696,14 +6698,14 @@
                     </a:ext>
                   </a:extLst>
                 </a:gridCol>
-                <a:gridCol w="1868361">
+                <a:gridCol w="2019748">
                   <a:extLst>
                     <a:ext uri="{9D8B030D-6E8A-4147-A177-3AD203B41FA5}">
                       <a16:colId xmlns:a16="http://schemas.microsoft.com/office/drawing/2014/main" val="1334783072"/>
                     </a:ext>
                   </a:extLst>
                 </a:gridCol>
-                <a:gridCol w="2264414">
+                <a:gridCol w="2113027">
                   <a:extLst>
                     <a:ext uri="{9D8B030D-6E8A-4147-A177-3AD203B41FA5}">
                       <a16:colId xmlns:a16="http://schemas.microsoft.com/office/drawing/2014/main" val="2824663947"/>
@@ -7304,13 +7306,13 @@
             <p:ph idx="1"/>
             <p:extLst>
               <p:ext uri="{D42A27DB-BD31-4B8C-83A1-F6EECF244321}">
-                <p14:modId xmlns:p14="http://schemas.microsoft.com/office/powerpoint/2010/main" val="397287008"/>
+                <p14:modId xmlns:p14="http://schemas.microsoft.com/office/powerpoint/2010/main" val="3438023745"/>
               </p:ext>
             </p:extLst>
           </p:nvPr>
         </p:nvGraphicFramePr>
         <p:xfrm>
-          <a:off x="377782" y="2226419"/>
+          <a:off x="404145" y="1884978"/>
           <a:ext cx="7189088" cy="3307080"/>
         </p:xfrm>
         <a:graphic>
@@ -7320,14 +7322,14 @@
                 <a:tableStyleId>{5C22544A-7EE6-4342-B048-85BDC9FD1C3A}</a:tableStyleId>
               </a:tblPr>
               <a:tblGrid>
-                <a:gridCol w="1797272">
+                <a:gridCol w="1919605">
                   <a:extLst>
                     <a:ext uri="{9D8B030D-6E8A-4147-A177-3AD203B41FA5}">
                       <a16:colId xmlns:a16="http://schemas.microsoft.com/office/drawing/2014/main" val="3249405573"/>
                     </a:ext>
                   </a:extLst>
                 </a:gridCol>
-                <a:gridCol w="1797272">
+                <a:gridCol w="1674939">
                   <a:extLst>
                     <a:ext uri="{9D8B030D-6E8A-4147-A177-3AD203B41FA5}">
                       <a16:colId xmlns:a16="http://schemas.microsoft.com/office/drawing/2014/main" val="1374060826"/>
@@ -7808,7 +7810,7 @@
           <p:nvPr>
             <p:extLst>
               <p:ext uri="{D42A27DB-BD31-4B8C-83A1-F6EECF244321}">
-                <p14:modId xmlns:p14="http://schemas.microsoft.com/office/powerpoint/2010/main" val="4154133701"/>
+                <p14:modId xmlns:p14="http://schemas.microsoft.com/office/powerpoint/2010/main" val="3922228280"/>
               </p:ext>
             </p:extLst>
           </p:nvPr>
@@ -7932,13 +7934,13 @@
             <p:ph idx="1"/>
             <p:extLst>
               <p:ext uri="{D42A27DB-BD31-4B8C-83A1-F6EECF244321}">
-                <p14:modId xmlns:p14="http://schemas.microsoft.com/office/powerpoint/2010/main" val="4040666494"/>
+                <p14:modId xmlns:p14="http://schemas.microsoft.com/office/powerpoint/2010/main" val="1888024718"/>
               </p:ext>
             </p:extLst>
           </p:nvPr>
         </p:nvGraphicFramePr>
         <p:xfrm>
-          <a:off x="637563" y="1659865"/>
+          <a:off x="1929467" y="1728216"/>
           <a:ext cx="6962864" cy="4422154"/>
         </p:xfrm>
         <a:graphic>
@@ -8377,7 +8379,7 @@
         <p:spPr/>
         <p:txBody>
           <a:bodyPr>
-            <a:normAutofit lnSpcReduction="10000"/>
+            <a:normAutofit fontScale="92500" lnSpcReduction="20000"/>
           </a:bodyPr>
           <a:lstStyle/>
           <a:p>
@@ -10084,20 +10086,20 @@
 </file>
 
 <file path=customXml/item2.xml><?xml version="1.0" encoding="utf-8"?>
+<p:properties xmlns:p="http://schemas.microsoft.com/office/2006/metadata/properties" xmlns:xsi="http://www.w3.org/2001/XMLSchema-instance" xmlns:pc="http://schemas.microsoft.com/office/infopath/2007/PartnerControls">
+  <documentManagement>
+    <_activity xmlns="d7f5a7ab-2def-40a3-afd2-85d03e8f423c" xsi:nil="true"/>
+  </documentManagement>
+</p:properties>
+</file>
+
+<file path=customXml/item3.xml><?xml version="1.0" encoding="utf-8"?>
 <?mso-contentType ?>
 <FormTemplates xmlns="http://schemas.microsoft.com/sharepoint/v3/contenttype/forms">
   <Display>DocumentLibraryForm</Display>
   <Edit>DocumentLibraryForm</Edit>
   <New>DocumentLibraryForm</New>
 </FormTemplates>
-</file>
-
-<file path=customXml/item3.xml><?xml version="1.0" encoding="utf-8"?>
-<p:properties xmlns:p="http://schemas.microsoft.com/office/2006/metadata/properties" xmlns:xsi="http://www.w3.org/2001/XMLSchema-instance" xmlns:pc="http://schemas.microsoft.com/office/infopath/2007/PartnerControls">
-  <documentManagement>
-    <_activity xmlns="d7f5a7ab-2def-40a3-afd2-85d03e8f423c" xsi:nil="true"/>
-  </documentManagement>
-</p:properties>
 </file>
 
 <file path=customXml/itemProps1.xml><?xml version="1.0" encoding="utf-8"?>
@@ -10120,14 +10122,6 @@
 </file>
 
 <file path=customXml/itemProps2.xml><?xml version="1.0" encoding="utf-8"?>
-<ds:datastoreItem xmlns:ds="http://schemas.openxmlformats.org/officeDocument/2006/customXml" ds:itemID="{77AE5E60-3EE9-482E-890B-30FA5C1AAE15}">
-  <ds:schemaRefs>
-    <ds:schemaRef ds:uri="http://schemas.microsoft.com/sharepoint/v3/contenttype/forms"/>
-  </ds:schemaRefs>
-</ds:datastoreItem>
-</file>
-
-<file path=customXml/itemProps3.xml><?xml version="1.0" encoding="utf-8"?>
 <ds:datastoreItem xmlns:ds="http://schemas.openxmlformats.org/officeDocument/2006/customXml" ds:itemID="{79C4B124-6D81-4E57-9C18-D557619DF62D}">
   <ds:schemaRefs>
     <ds:schemaRef ds:uri="http://purl.org/dc/terms/"/>
@@ -10142,4 +10136,12 @@
     <ds:schemaRef ds:uri="d7f5a7ab-2def-40a3-afd2-85d03e8f423c"/>
   </ds:schemaRefs>
 </ds:datastoreItem>
+</file>
+
+<file path=customXml/itemProps3.xml><?xml version="1.0" encoding="utf-8"?>
+<ds:datastoreItem xmlns:ds="http://schemas.openxmlformats.org/officeDocument/2006/customXml" ds:itemID="{77AE5E60-3EE9-482E-890B-30FA5C1AAE15}">
+  <ds:schemaRefs>
+    <ds:schemaRef ds:uri="http://schemas.microsoft.com/sharepoint/v3/contenttype/forms"/>
+  </ds:schemaRefs>
+</ds:datastoreItem>
 </file>
--- a/FeasibilityStudy_07_09_2023.pptx
+++ b/FeasibilityStudy_07_09_2023.pptx
@@ -10,9 +10,11 @@
     <p:sldId id="262" r:id="rId7"/>
     <p:sldId id="272" r:id="rId8"/>
     <p:sldId id="273" r:id="rId9"/>
-    <p:sldId id="274" r:id="rId10"/>
-    <p:sldId id="260" r:id="rId11"/>
-    <p:sldId id="259" r:id="rId12"/>
+    <p:sldId id="275" r:id="rId10"/>
+    <p:sldId id="274" r:id="rId11"/>
+    <p:sldId id="260" r:id="rId12"/>
+    <p:sldId id="259" r:id="rId13"/>
+    <p:sldId id="276" r:id="rId14"/>
   </p:sldIdLst>
   <p:sldSz cx="12192000" cy="6858000"/>
   <p:notesSz cx="6858000" cy="9144000"/>
@@ -1187,7 +1189,7 @@
           <a:p>
             <a:fld id="{02AC24A9-CCB6-4F8D-B8DB-C2F3692CFA5A}" type="datetimeFigureOut">
               <a:rPr lang="en-US" smtClean="0"/>
-              <a:t>9/22/2023</a:t>
+              <a:t>9/25/2023</a:t>
             </a:fld>
             <a:endParaRPr lang="en-US" dirty="0"/>
           </a:p>
@@ -1557,7 +1559,7 @@
           <a:p>
             <a:fld id="{02AC24A9-CCB6-4F8D-B8DB-C2F3692CFA5A}" type="datetimeFigureOut">
               <a:rPr lang="en-US" smtClean="0"/>
-              <a:t>9/22/2023</a:t>
+              <a:t>9/25/2023</a:t>
             </a:fld>
             <a:endParaRPr lang="en-US"/>
           </a:p>
@@ -1766,7 +1768,7 @@
           <a:p>
             <a:fld id="{02AC24A9-CCB6-4F8D-B8DB-C2F3692CFA5A}" type="datetimeFigureOut">
               <a:rPr lang="en-US" smtClean="0"/>
-              <a:t>9/22/2023</a:t>
+              <a:t>9/25/2023</a:t>
             </a:fld>
             <a:endParaRPr lang="en-US"/>
           </a:p>
@@ -2236,7 +2238,7 @@
           <a:p>
             <a:fld id="{02AC24A9-CCB6-4F8D-B8DB-C2F3692CFA5A}" type="datetimeFigureOut">
               <a:rPr lang="en-US" smtClean="0"/>
-              <a:t>9/22/2023</a:t>
+              <a:t>9/25/2023</a:t>
             </a:fld>
             <a:endParaRPr lang="en-US"/>
           </a:p>
@@ -2690,7 +2692,7 @@
           <a:p>
             <a:fld id="{02AC24A9-CCB6-4F8D-B8DB-C2F3692CFA5A}" type="datetimeFigureOut">
               <a:rPr lang="en-US" smtClean="0"/>
-              <a:t>9/22/2023</a:t>
+              <a:t>9/25/2023</a:t>
             </a:fld>
             <a:endParaRPr lang="en-US"/>
           </a:p>
@@ -3222,7 +3224,7 @@
           <a:p>
             <a:fld id="{02AC24A9-CCB6-4F8D-B8DB-C2F3692CFA5A}" type="datetimeFigureOut">
               <a:rPr lang="en-US" smtClean="0"/>
-              <a:t>9/22/2023</a:t>
+              <a:t>9/25/2023</a:t>
             </a:fld>
             <a:endParaRPr lang="en-US"/>
           </a:p>
@@ -3921,7 +3923,7 @@
           <a:p>
             <a:fld id="{02AC24A9-CCB6-4F8D-B8DB-C2F3692CFA5A}" type="datetimeFigureOut">
               <a:rPr lang="en-US" smtClean="0"/>
-              <a:t>9/22/2023</a:t>
+              <a:t>9/25/2023</a:t>
             </a:fld>
             <a:endParaRPr lang="en-US"/>
           </a:p>
@@ -4250,7 +4252,7 @@
           <a:p>
             <a:fld id="{02AC24A9-CCB6-4F8D-B8DB-C2F3692CFA5A}" type="datetimeFigureOut">
               <a:rPr lang="en-US" smtClean="0"/>
-              <a:t>9/22/2023</a:t>
+              <a:t>9/25/2023</a:t>
             </a:fld>
             <a:endParaRPr lang="en-US"/>
           </a:p>
@@ -4363,7 +4365,7 @@
           <a:p>
             <a:fld id="{02AC24A9-CCB6-4F8D-B8DB-C2F3692CFA5A}" type="datetimeFigureOut">
               <a:rPr lang="en-US" smtClean="0"/>
-              <a:t>9/22/2023</a:t>
+              <a:t>9/25/2023</a:t>
             </a:fld>
             <a:endParaRPr lang="en-US"/>
           </a:p>
@@ -4858,7 +4860,7 @@
           <a:p>
             <a:fld id="{02AC24A9-CCB6-4F8D-B8DB-C2F3692CFA5A}" type="datetimeFigureOut">
               <a:rPr lang="en-US" smtClean="0"/>
-              <a:t>9/22/2023</a:t>
+              <a:t>9/25/2023</a:t>
             </a:fld>
             <a:endParaRPr lang="en-US" dirty="0"/>
           </a:p>
@@ -5335,7 +5337,7 @@
           <a:p>
             <a:fld id="{02AC24A9-CCB6-4F8D-B8DB-C2F3692CFA5A}" type="datetimeFigureOut">
               <a:rPr lang="en-US" smtClean="0"/>
-              <a:t>9/22/2023</a:t>
+              <a:t>9/25/2023</a:t>
             </a:fld>
             <a:endParaRPr lang="en-US"/>
           </a:p>
@@ -5578,7 +5580,7 @@
           <a:p>
             <a:fld id="{02AC24A9-CCB6-4F8D-B8DB-C2F3692CFA5A}" type="datetimeFigureOut">
               <a:rPr lang="en-US" smtClean="0"/>
-              <a:t>9/22/2023</a:t>
+              <a:t>9/25/2023</a:t>
             </a:fld>
             <a:endParaRPr lang="en-US"/>
           </a:p>
@@ -6454,6 +6456,244 @@
 </p:sld>
 </file>
 
+<file path=ppt/slides/slide10.xml><?xml version="1.0" encoding="utf-8"?>
+<p:sld xmlns:a="http://schemas.openxmlformats.org/drawingml/2006/main" xmlns:r="http://schemas.openxmlformats.org/officeDocument/2006/relationships" xmlns:p="http://schemas.openxmlformats.org/presentationml/2006/main">
+  <p:cSld>
+    <p:spTree>
+      <p:nvGrpSpPr>
+        <p:cNvPr id="1" name=""/>
+        <p:cNvGrpSpPr/>
+        <p:nvPr/>
+      </p:nvGrpSpPr>
+      <p:grpSpPr>
+        <a:xfrm>
+          <a:off x="0" y="0"/>
+          <a:ext cx="0" cy="0"/>
+          <a:chOff x="0" y="0"/>
+          <a:chExt cx="0" cy="0"/>
+        </a:xfrm>
+      </p:grpSpPr>
+      <p:sp>
+        <p:nvSpPr>
+          <p:cNvPr id="2" name="Title 1">
+            <a:extLst>
+              <a:ext uri="{FF2B5EF4-FFF2-40B4-BE49-F238E27FC236}">
+                <a16:creationId xmlns:a16="http://schemas.microsoft.com/office/drawing/2014/main" id="{24B9C0BC-532D-D351-1CE0-AB8E1842A634}"/>
+              </a:ext>
+            </a:extLst>
+          </p:cNvPr>
+          <p:cNvSpPr>
+            <a:spLocks noGrp="1"/>
+          </p:cNvSpPr>
+          <p:nvPr>
+            <p:ph type="title"/>
+          </p:nvPr>
+        </p:nvSpPr>
+        <p:spPr/>
+        <p:txBody>
+          <a:bodyPr/>
+          <a:lstStyle/>
+          <a:p>
+            <a:r>
+              <a:rPr lang="en-GB" dirty="0"/>
+              <a:t>Ultra-reliable – 5 Run repeats</a:t>
+            </a:r>
+          </a:p>
+        </p:txBody>
+      </p:sp>
+      <p:graphicFrame>
+        <p:nvGraphicFramePr>
+          <p:cNvPr id="4" name="Content Placeholder 3">
+            <a:extLst>
+              <a:ext uri="{FF2B5EF4-FFF2-40B4-BE49-F238E27FC236}">
+                <a16:creationId xmlns:a16="http://schemas.microsoft.com/office/drawing/2014/main" id="{4164FEBF-9FCF-D46D-8E5D-74C8FDEDA3E9}"/>
+              </a:ext>
+            </a:extLst>
+          </p:cNvPr>
+          <p:cNvGraphicFramePr>
+            <a:graphicFrameLocks noGrp="1"/>
+          </p:cNvGraphicFramePr>
+          <p:nvPr>
+            <p:ph idx="1"/>
+            <p:extLst>
+              <p:ext uri="{D42A27DB-BD31-4B8C-83A1-F6EECF244321}">
+                <p14:modId xmlns:p14="http://schemas.microsoft.com/office/powerpoint/2010/main" val="2701996081"/>
+              </p:ext>
+            </p:extLst>
+          </p:nvPr>
+        </p:nvGraphicFramePr>
+        <p:xfrm>
+          <a:off x="771456" y="2248384"/>
+          <a:ext cx="5953410" cy="741680"/>
+        </p:xfrm>
+        <a:graphic>
+          <a:graphicData uri="http://schemas.openxmlformats.org/drawingml/2006/table">
+            <a:tbl>
+              <a:tblPr firstCol="1" bandRow="1">
+                <a:tableStyleId>{5C22544A-7EE6-4342-B048-85BDC9FD1C3A}</a:tableStyleId>
+              </a:tblPr>
+              <a:tblGrid>
+                <a:gridCol w="2028946">
+                  <a:extLst>
+                    <a:ext uri="{9D8B030D-6E8A-4147-A177-3AD203B41FA5}">
+                      <a16:colId xmlns:a16="http://schemas.microsoft.com/office/drawing/2014/main" val="1480766151"/>
+                    </a:ext>
+                  </a:extLst>
+                </a:gridCol>
+                <a:gridCol w="996813">
+                  <a:extLst>
+                    <a:ext uri="{9D8B030D-6E8A-4147-A177-3AD203B41FA5}">
+                      <a16:colId xmlns:a16="http://schemas.microsoft.com/office/drawing/2014/main" val="1779393713"/>
+                    </a:ext>
+                  </a:extLst>
+                </a:gridCol>
+                <a:gridCol w="1235892">
+                  <a:extLst>
+                    <a:ext uri="{9D8B030D-6E8A-4147-A177-3AD203B41FA5}">
+                      <a16:colId xmlns:a16="http://schemas.microsoft.com/office/drawing/2014/main" val="3895533353"/>
+                    </a:ext>
+                  </a:extLst>
+                </a:gridCol>
+                <a:gridCol w="1691759">
+                  <a:extLst>
+                    <a:ext uri="{9D8B030D-6E8A-4147-A177-3AD203B41FA5}">
+                      <a16:colId xmlns:a16="http://schemas.microsoft.com/office/drawing/2014/main" val="2183006850"/>
+                    </a:ext>
+                  </a:extLst>
+                </a:gridCol>
+              </a:tblGrid>
+              <a:tr h="370840">
+                <a:tc>
+                  <a:txBody>
+                    <a:bodyPr/>
+                    <a:lstStyle/>
+                    <a:p>
+                      <a:endParaRPr lang="en-GB" sz="1050" dirty="0"/>
+                    </a:p>
+                  </a:txBody>
+                  <a:tcPr/>
+                </a:tc>
+                <a:tc>
+                  <a:txBody>
+                    <a:bodyPr/>
+                    <a:lstStyle/>
+                    <a:p>
+                      <a:r>
+                        <a:rPr lang="en-GB" sz="1200" dirty="0"/>
+                        <a:t>Early Churn</a:t>
+                      </a:r>
+                    </a:p>
+                  </a:txBody>
+                  <a:tcPr/>
+                </a:tc>
+                <a:tc>
+                  <a:txBody>
+                    <a:bodyPr/>
+                    <a:lstStyle/>
+                    <a:p>
+                      <a:r>
+                        <a:rPr lang="en-GB" sz="1200" dirty="0"/>
+                        <a:t>Late Churn</a:t>
+                      </a:r>
+                    </a:p>
+                  </a:txBody>
+                  <a:tcPr/>
+                </a:tc>
+                <a:tc>
+                  <a:txBody>
+                    <a:bodyPr/>
+                    <a:lstStyle/>
+                    <a:p>
+                      <a:r>
+                        <a:rPr lang="en-GB" sz="1200" dirty="0"/>
+                        <a:t>Performance</a:t>
+                      </a:r>
+                    </a:p>
+                  </a:txBody>
+                  <a:tcPr/>
+                </a:tc>
+                <a:extLst>
+                  <a:ext uri="{0D108BD9-81ED-4DB2-BD59-A6C34878D82A}">
+                    <a16:rowId xmlns:a16="http://schemas.microsoft.com/office/drawing/2014/main" val="2396724531"/>
+                  </a:ext>
+                </a:extLst>
+              </a:tr>
+              <a:tr h="370840">
+                <a:tc>
+                  <a:txBody>
+                    <a:bodyPr/>
+                    <a:lstStyle/>
+                    <a:p>
+                      <a:r>
+                        <a:rPr lang="en-GB" sz="1000" dirty="0"/>
+                        <a:t>DDQN</a:t>
+                      </a:r>
+                    </a:p>
+                  </a:txBody>
+                  <a:tcPr/>
+                </a:tc>
+                <a:tc>
+                  <a:txBody>
+                    <a:bodyPr/>
+                    <a:lstStyle/>
+                    <a:p>
+                      <a:r>
+                        <a:rPr lang="en-GB" sz="1200" dirty="0"/>
+                        <a:t>3.7%</a:t>
+                      </a:r>
+                    </a:p>
+                  </a:txBody>
+                  <a:tcPr/>
+                </a:tc>
+                <a:tc>
+                  <a:txBody>
+                    <a:bodyPr/>
+                    <a:lstStyle/>
+                    <a:p>
+                      <a:r>
+                        <a:rPr lang="en-GB" sz="1200" dirty="0"/>
+                        <a:t>1.8%</a:t>
+                      </a:r>
+                    </a:p>
+                  </a:txBody>
+                  <a:tcPr/>
+                </a:tc>
+                <a:tc>
+                  <a:txBody>
+                    <a:bodyPr/>
+                    <a:lstStyle/>
+                    <a:p>
+                      <a:r>
+                        <a:rPr lang="en-GB" sz="1200" dirty="0"/>
+                        <a:t>0.082</a:t>
+                      </a:r>
+                    </a:p>
+                  </a:txBody>
+                  <a:tcPr/>
+                </a:tc>
+                <a:extLst>
+                  <a:ext uri="{0D108BD9-81ED-4DB2-BD59-A6C34878D82A}">
+                    <a16:rowId xmlns:a16="http://schemas.microsoft.com/office/drawing/2014/main" val="3538636818"/>
+                  </a:ext>
+                </a:extLst>
+              </a:tr>
+            </a:tbl>
+          </a:graphicData>
+        </a:graphic>
+      </p:graphicFrame>
+    </p:spTree>
+    <p:extLst>
+      <p:ext uri="{BB962C8B-B14F-4D97-AF65-F5344CB8AC3E}">
+        <p14:creationId xmlns:p14="http://schemas.microsoft.com/office/powerpoint/2010/main" val="2459990870"/>
+      </p:ext>
+    </p:extLst>
+  </p:cSld>
+  <p:clrMapOvr>
+    <a:masterClrMapping/>
+  </p:clrMapOvr>
+</p:sld>
+</file>
+
 <file path=ppt/slides/slide2.xml><?xml version="1.0" encoding="utf-8"?>
 <p:sld xmlns:a="http://schemas.openxmlformats.org/drawingml/2006/main" xmlns:r="http://schemas.openxmlformats.org/officeDocument/2006/relationships" xmlns:p="http://schemas.openxmlformats.org/presentationml/2006/main">
   <p:cSld>
@@ -7306,7 +7546,7 @@
             <p:ph idx="1"/>
             <p:extLst>
               <p:ext uri="{D42A27DB-BD31-4B8C-83A1-F6EECF244321}">
-                <p14:modId xmlns:p14="http://schemas.microsoft.com/office/powerpoint/2010/main" val="3438023745"/>
+                <p14:modId xmlns:p14="http://schemas.microsoft.com/office/powerpoint/2010/main" val="1464103706"/>
               </p:ext>
             </p:extLst>
           </p:nvPr>
@@ -7755,7 +7995,7 @@
                     <a:p>
                       <a:r>
                         <a:rPr lang="en-GB" dirty="0"/>
-                        <a:t>4%</a:t>
+                        <a:t>4.9%</a:t>
                       </a:r>
                     </a:p>
                   </a:txBody>
@@ -7768,7 +8008,7 @@
                     <a:p>
                       <a:r>
                         <a:rPr lang="en-GB" dirty="0"/>
-                        <a:t>1.5%</a:t>
+                        <a:t>2.5%</a:t>
                       </a:r>
                     </a:p>
                   </a:txBody>
@@ -7874,6 +8114,583 @@
 </file>
 
 <file path=ppt/slides/slide6.xml><?xml version="1.0" encoding="utf-8"?>
+<p:sld xmlns:a="http://schemas.openxmlformats.org/drawingml/2006/main" xmlns:r="http://schemas.openxmlformats.org/officeDocument/2006/relationships" xmlns:p="http://schemas.openxmlformats.org/presentationml/2006/main">
+  <p:cSld>
+    <p:spTree>
+      <p:nvGrpSpPr>
+        <p:cNvPr id="1" name=""/>
+        <p:cNvGrpSpPr/>
+        <p:nvPr/>
+      </p:nvGrpSpPr>
+      <p:grpSpPr>
+        <a:xfrm>
+          <a:off x="0" y="0"/>
+          <a:ext cx="0" cy="0"/>
+          <a:chOff x="0" y="0"/>
+          <a:chExt cx="0" cy="0"/>
+        </a:xfrm>
+      </p:grpSpPr>
+      <p:sp>
+        <p:nvSpPr>
+          <p:cNvPr id="2" name="Title 1">
+            <a:extLst>
+              <a:ext uri="{FF2B5EF4-FFF2-40B4-BE49-F238E27FC236}">
+                <a16:creationId xmlns:a16="http://schemas.microsoft.com/office/drawing/2014/main" id="{817C01D3-8A8D-B282-B68D-5CD95A38D6A5}"/>
+              </a:ext>
+            </a:extLst>
+          </p:cNvPr>
+          <p:cNvSpPr>
+            <a:spLocks noGrp="1"/>
+          </p:cNvSpPr>
+          <p:nvPr>
+            <p:ph type="title"/>
+          </p:nvPr>
+        </p:nvSpPr>
+        <p:spPr/>
+        <p:txBody>
+          <a:bodyPr/>
+          <a:lstStyle/>
+          <a:p>
+            <a:r>
+              <a:rPr lang="en-GB" dirty="0"/>
+              <a:t>Reward Proportion (All Games)</a:t>
+            </a:r>
+          </a:p>
+        </p:txBody>
+      </p:sp>
+      <p:sp>
+        <p:nvSpPr>
+          <p:cNvPr id="3" name="Content Placeholder 2">
+            <a:extLst>
+              <a:ext uri="{FF2B5EF4-FFF2-40B4-BE49-F238E27FC236}">
+                <a16:creationId xmlns:a16="http://schemas.microsoft.com/office/drawing/2014/main" id="{32BF866D-CDBC-E76C-079D-695ABFBF2E4D}"/>
+              </a:ext>
+            </a:extLst>
+          </p:cNvPr>
+          <p:cNvSpPr>
+            <a:spLocks noGrp="1"/>
+          </p:cNvSpPr>
+          <p:nvPr>
+            <p:ph idx="1"/>
+          </p:nvPr>
+        </p:nvSpPr>
+        <p:spPr/>
+        <p:txBody>
+          <a:bodyPr/>
+          <a:lstStyle/>
+          <a:p>
+            <a:endParaRPr lang="en-GB"/>
+          </a:p>
+        </p:txBody>
+      </p:sp>
+      <p:graphicFrame>
+        <p:nvGraphicFramePr>
+          <p:cNvPr id="4" name="Table 4">
+            <a:extLst>
+              <a:ext uri="{FF2B5EF4-FFF2-40B4-BE49-F238E27FC236}">
+                <a16:creationId xmlns:a16="http://schemas.microsoft.com/office/drawing/2014/main" id="{E5A1B714-120D-F540-E267-4D5F441BC504}"/>
+              </a:ext>
+            </a:extLst>
+          </p:cNvPr>
+          <p:cNvGraphicFramePr>
+            <a:graphicFrameLocks/>
+          </p:cNvGraphicFramePr>
+          <p:nvPr>
+            <p:extLst>
+              <p:ext uri="{D42A27DB-BD31-4B8C-83A1-F6EECF244321}">
+                <p14:modId xmlns:p14="http://schemas.microsoft.com/office/powerpoint/2010/main" val="3816934221"/>
+              </p:ext>
+            </p:extLst>
+          </p:nvPr>
+        </p:nvGraphicFramePr>
+        <p:xfrm>
+          <a:off x="400220" y="1728216"/>
+          <a:ext cx="7758740" cy="4083913"/>
+        </p:xfrm>
+        <a:graphic>
+          <a:graphicData uri="http://schemas.openxmlformats.org/drawingml/2006/table">
+            <a:tbl>
+              <a:tblPr firstRow="1" bandRow="1">
+                <a:tableStyleId>{5C22544A-7EE6-4342-B048-85BDC9FD1C3A}</a:tableStyleId>
+              </a:tblPr>
+              <a:tblGrid>
+                <a:gridCol w="2071711">
+                  <a:extLst>
+                    <a:ext uri="{9D8B030D-6E8A-4147-A177-3AD203B41FA5}">
+                      <a16:colId xmlns:a16="http://schemas.microsoft.com/office/drawing/2014/main" val="3249405573"/>
+                    </a:ext>
+                  </a:extLst>
+                </a:gridCol>
+                <a:gridCol w="1807659">
+                  <a:extLst>
+                    <a:ext uri="{9D8B030D-6E8A-4147-A177-3AD203B41FA5}">
+                      <a16:colId xmlns:a16="http://schemas.microsoft.com/office/drawing/2014/main" val="1374060826"/>
+                    </a:ext>
+                  </a:extLst>
+                </a:gridCol>
+                <a:gridCol w="1939685">
+                  <a:extLst>
+                    <a:ext uri="{9D8B030D-6E8A-4147-A177-3AD203B41FA5}">
+                      <a16:colId xmlns:a16="http://schemas.microsoft.com/office/drawing/2014/main" val="3289418570"/>
+                    </a:ext>
+                  </a:extLst>
+                </a:gridCol>
+                <a:gridCol w="1939685">
+                  <a:extLst>
+                    <a:ext uri="{9D8B030D-6E8A-4147-A177-3AD203B41FA5}">
+                      <a16:colId xmlns:a16="http://schemas.microsoft.com/office/drawing/2014/main" val="1928808689"/>
+                    </a:ext>
+                  </a:extLst>
+                </a:gridCol>
+              </a:tblGrid>
+              <a:tr h="790435">
+                <a:tc>
+                  <a:txBody>
+                    <a:bodyPr/>
+                    <a:lstStyle/>
+                    <a:p>
+                      <a:r>
+                        <a:rPr lang="en-GB" dirty="0"/>
+                        <a:t>Algorithm</a:t>
+                      </a:r>
+                    </a:p>
+                  </a:txBody>
+                  <a:tcPr/>
+                </a:tc>
+                <a:tc>
+                  <a:txBody>
+                    <a:bodyPr/>
+                    <a:lstStyle/>
+                    <a:p>
+                      <a:r>
+                        <a:rPr lang="en-GB" dirty="0"/>
+                        <a:t>Early Churn</a:t>
+                      </a:r>
+                    </a:p>
+                  </a:txBody>
+                  <a:tcPr/>
+                </a:tc>
+                <a:tc>
+                  <a:txBody>
+                    <a:bodyPr/>
+                    <a:lstStyle/>
+                    <a:p>
+                      <a:r>
+                        <a:rPr lang="en-GB" dirty="0"/>
+                        <a:t>Late Churn</a:t>
+                      </a:r>
+                    </a:p>
+                  </a:txBody>
+                  <a:tcPr/>
+                </a:tc>
+                <a:tc>
+                  <a:txBody>
+                    <a:bodyPr/>
+                    <a:lstStyle/>
+                    <a:p>
+                      <a:r>
+                        <a:rPr lang="en-GB" dirty="0"/>
+                        <a:t>Final Reward Proportion </a:t>
+                      </a:r>
+                    </a:p>
+                  </a:txBody>
+                  <a:tcPr/>
+                </a:tc>
+                <a:extLst>
+                  <a:ext uri="{0D108BD9-81ED-4DB2-BD59-A6C34878D82A}">
+                    <a16:rowId xmlns:a16="http://schemas.microsoft.com/office/drawing/2014/main" val="2451696198"/>
+                  </a:ext>
+                </a:extLst>
+              </a:tr>
+              <a:tr h="457950">
+                <a:tc>
+                  <a:txBody>
+                    <a:bodyPr/>
+                    <a:lstStyle/>
+                    <a:p>
+                      <a:r>
+                        <a:rPr lang="en-GB" dirty="0"/>
+                        <a:t>DDQN n=10</a:t>
+                      </a:r>
+                    </a:p>
+                  </a:txBody>
+                  <a:tcPr/>
+                </a:tc>
+                <a:tc>
+                  <a:txBody>
+                    <a:bodyPr/>
+                    <a:lstStyle/>
+                    <a:p>
+                      <a:r>
+                        <a:rPr lang="en-GB" dirty="0"/>
+                        <a:t>3.8%</a:t>
+                      </a:r>
+                    </a:p>
+                  </a:txBody>
+                  <a:tcPr/>
+                </a:tc>
+                <a:tc>
+                  <a:txBody>
+                    <a:bodyPr/>
+                    <a:lstStyle/>
+                    <a:p>
+                      <a:r>
+                        <a:rPr lang="en-GB" dirty="0"/>
+                        <a:t>1.9%</a:t>
+                      </a:r>
+                    </a:p>
+                  </a:txBody>
+                  <a:tcPr/>
+                </a:tc>
+                <a:tc>
+                  <a:txBody>
+                    <a:bodyPr/>
+                    <a:lstStyle/>
+                    <a:p>
+                      <a:r>
+                        <a:rPr lang="en-GB" dirty="0"/>
+                        <a:t>15.4%</a:t>
+                      </a:r>
+                    </a:p>
+                  </a:txBody>
+                  <a:tcPr/>
+                </a:tc>
+                <a:extLst>
+                  <a:ext uri="{0D108BD9-81ED-4DB2-BD59-A6C34878D82A}">
+                    <a16:rowId xmlns:a16="http://schemas.microsoft.com/office/drawing/2014/main" val="123266473"/>
+                  </a:ext>
+                </a:extLst>
+              </a:tr>
+              <a:tr h="457950">
+                <a:tc>
+                  <a:txBody>
+                    <a:bodyPr/>
+                    <a:lstStyle/>
+                    <a:p>
+                      <a:pPr marL="0" marR="0" lvl="0" indent="0" algn="l" defTabSz="914400" rtl="0" eaLnBrk="1" fontAlgn="auto" latinLnBrk="0" hangingPunct="1">
+                        <a:lnSpc>
+                          <a:spcPct val="100000"/>
+                        </a:lnSpc>
+                        <a:spcBef>
+                          <a:spcPts val="0"/>
+                        </a:spcBef>
+                        <a:spcAft>
+                          <a:spcPts val="0"/>
+                        </a:spcAft>
+                        <a:buClrTx/>
+                        <a:buSzTx/>
+                        <a:buFontTx/>
+                        <a:buNone/>
+                        <a:tabLst/>
+                        <a:defRPr/>
+                      </a:pPr>
+                      <a:r>
+                        <a:rPr lang="en-GB" dirty="0"/>
+                        <a:t>DDQN n=3</a:t>
+                      </a:r>
+                    </a:p>
+                  </a:txBody>
+                  <a:tcPr/>
+                </a:tc>
+                <a:tc>
+                  <a:txBody>
+                    <a:bodyPr/>
+                    <a:lstStyle/>
+                    <a:p>
+                      <a:r>
+                        <a:rPr lang="en-GB" dirty="0"/>
+                        <a:t>5.6%</a:t>
+                      </a:r>
+                    </a:p>
+                  </a:txBody>
+                  <a:tcPr/>
+                </a:tc>
+                <a:tc>
+                  <a:txBody>
+                    <a:bodyPr/>
+                    <a:lstStyle/>
+                    <a:p>
+                      <a:r>
+                        <a:rPr lang="en-GB" dirty="0"/>
+                        <a:t>2.8%</a:t>
+                      </a:r>
+                    </a:p>
+                  </a:txBody>
+                  <a:tcPr/>
+                </a:tc>
+                <a:tc>
+                  <a:txBody>
+                    <a:bodyPr/>
+                    <a:lstStyle/>
+                    <a:p>
+                      <a:endParaRPr lang="en-GB" dirty="0"/>
+                    </a:p>
+                  </a:txBody>
+                  <a:tcPr/>
+                </a:tc>
+                <a:extLst>
+                  <a:ext uri="{0D108BD9-81ED-4DB2-BD59-A6C34878D82A}">
+                    <a16:rowId xmlns:a16="http://schemas.microsoft.com/office/drawing/2014/main" val="3376540661"/>
+                  </a:ext>
+                </a:extLst>
+              </a:tr>
+              <a:tr h="457950">
+                <a:tc>
+                  <a:txBody>
+                    <a:bodyPr/>
+                    <a:lstStyle/>
+                    <a:p>
+                      <a:pPr marL="0" marR="0" lvl="0" indent="0" algn="l" defTabSz="914400" rtl="0" eaLnBrk="1" fontAlgn="auto" latinLnBrk="0" hangingPunct="1">
+                        <a:lnSpc>
+                          <a:spcPct val="100000"/>
+                        </a:lnSpc>
+                        <a:spcBef>
+                          <a:spcPts val="0"/>
+                        </a:spcBef>
+                        <a:spcAft>
+                          <a:spcPts val="0"/>
+                        </a:spcAft>
+                        <a:buClrTx/>
+                        <a:buSzTx/>
+                        <a:buFontTx/>
+                        <a:buNone/>
+                        <a:tabLst/>
+                        <a:defRPr/>
+                      </a:pPr>
+                      <a:r>
+                        <a:rPr lang="en-GB" dirty="0"/>
+                        <a:t>DDQN n=1</a:t>
+                      </a:r>
+                    </a:p>
+                  </a:txBody>
+                  <a:tcPr/>
+                </a:tc>
+                <a:tc>
+                  <a:txBody>
+                    <a:bodyPr/>
+                    <a:lstStyle/>
+                    <a:p>
+                      <a:r>
+                        <a:rPr lang="en-GB" dirty="0"/>
+                        <a:t>10.9%</a:t>
+                      </a:r>
+                    </a:p>
+                  </a:txBody>
+                  <a:tcPr/>
+                </a:tc>
+                <a:tc>
+                  <a:txBody>
+                    <a:bodyPr/>
+                    <a:lstStyle/>
+                    <a:p>
+                      <a:r>
+                        <a:rPr lang="en-GB" dirty="0"/>
+                        <a:t>5.7%</a:t>
+                      </a:r>
+                    </a:p>
+                  </a:txBody>
+                  <a:tcPr/>
+                </a:tc>
+                <a:tc>
+                  <a:txBody>
+                    <a:bodyPr/>
+                    <a:lstStyle/>
+                    <a:p>
+                      <a:endParaRPr lang="en-GB" dirty="0"/>
+                    </a:p>
+                  </a:txBody>
+                  <a:tcPr/>
+                </a:tc>
+                <a:extLst>
+                  <a:ext uri="{0D108BD9-81ED-4DB2-BD59-A6C34878D82A}">
+                    <a16:rowId xmlns:a16="http://schemas.microsoft.com/office/drawing/2014/main" val="2232296025"/>
+                  </a:ext>
+                </a:extLst>
+              </a:tr>
+              <a:tr h="790435">
+                <a:tc>
+                  <a:txBody>
+                    <a:bodyPr/>
+                    <a:lstStyle/>
+                    <a:p>
+                      <a:pPr marL="0" marR="0" lvl="0" indent="0" algn="l" defTabSz="914400" rtl="0" eaLnBrk="1" fontAlgn="auto" latinLnBrk="0" hangingPunct="1">
+                        <a:lnSpc>
+                          <a:spcPct val="100000"/>
+                        </a:lnSpc>
+                        <a:spcBef>
+                          <a:spcPts val="0"/>
+                        </a:spcBef>
+                        <a:spcAft>
+                          <a:spcPts val="0"/>
+                        </a:spcAft>
+                        <a:buClrTx/>
+                        <a:buSzTx/>
+                        <a:buFontTx/>
+                        <a:buNone/>
+                        <a:tabLst/>
+                        <a:defRPr/>
+                      </a:pPr>
+                      <a:r>
+                        <a:rPr lang="en-GB" dirty="0"/>
+                        <a:t>DDQN n=1, discount=0.904</a:t>
+                      </a:r>
+                    </a:p>
+                  </a:txBody>
+                  <a:tcPr/>
+                </a:tc>
+                <a:tc>
+                  <a:txBody>
+                    <a:bodyPr/>
+                    <a:lstStyle/>
+                    <a:p>
+                      <a:r>
+                        <a:rPr lang="en-GB" dirty="0"/>
+                        <a:t>4.6%</a:t>
+                      </a:r>
+                    </a:p>
+                  </a:txBody>
+                  <a:tcPr/>
+                </a:tc>
+                <a:tc>
+                  <a:txBody>
+                    <a:bodyPr/>
+                    <a:lstStyle/>
+                    <a:p>
+                      <a:r>
+                        <a:rPr lang="en-GB" dirty="0"/>
+                        <a:t>2.4%</a:t>
+                      </a:r>
+                    </a:p>
+                  </a:txBody>
+                  <a:tcPr/>
+                </a:tc>
+                <a:tc>
+                  <a:txBody>
+                    <a:bodyPr/>
+                    <a:lstStyle/>
+                    <a:p>
+                      <a:endParaRPr lang="en-GB" dirty="0"/>
+                    </a:p>
+                  </a:txBody>
+                  <a:tcPr/>
+                </a:tc>
+                <a:extLst>
+                  <a:ext uri="{0D108BD9-81ED-4DB2-BD59-A6C34878D82A}">
+                    <a16:rowId xmlns:a16="http://schemas.microsoft.com/office/drawing/2014/main" val="723787262"/>
+                  </a:ext>
+                </a:extLst>
+              </a:tr>
+              <a:tr h="1129193">
+                <a:tc>
+                  <a:txBody>
+                    <a:bodyPr/>
+                    <a:lstStyle/>
+                    <a:p>
+                      <a:pPr marL="0" marR="0" lvl="0" indent="0" algn="l" defTabSz="914400" rtl="0" eaLnBrk="1" fontAlgn="auto" latinLnBrk="0" hangingPunct="1">
+                        <a:lnSpc>
+                          <a:spcPct val="100000"/>
+                        </a:lnSpc>
+                        <a:spcBef>
+                          <a:spcPts val="0"/>
+                        </a:spcBef>
+                        <a:spcAft>
+                          <a:spcPts val="0"/>
+                        </a:spcAft>
+                        <a:buClrTx/>
+                        <a:buSzTx/>
+                        <a:buFontTx/>
+                        <a:buNone/>
+                        <a:tabLst/>
+                        <a:defRPr/>
+                      </a:pPr>
+                      <a:r>
+                        <a:rPr lang="en-GB" dirty="0"/>
+                        <a:t>DDQN n=10, discount=0.999</a:t>
+                      </a:r>
+                    </a:p>
+                    <a:p>
+                      <a:pPr marL="0" marR="0" lvl="0" indent="0" algn="l" defTabSz="914400" rtl="0" eaLnBrk="1" fontAlgn="auto" latinLnBrk="0" hangingPunct="1">
+                        <a:lnSpc>
+                          <a:spcPct val="100000"/>
+                        </a:lnSpc>
+                        <a:spcBef>
+                          <a:spcPts val="0"/>
+                        </a:spcBef>
+                        <a:spcAft>
+                          <a:spcPts val="0"/>
+                        </a:spcAft>
+                        <a:buClrTx/>
+                        <a:buSzTx/>
+                        <a:buFontTx/>
+                        <a:buNone/>
+                        <a:tabLst/>
+                        <a:defRPr/>
+                      </a:pPr>
+                      <a:endParaRPr lang="en-GB" dirty="0"/>
+                    </a:p>
+                  </a:txBody>
+                  <a:tcPr/>
+                </a:tc>
+                <a:tc>
+                  <a:txBody>
+                    <a:bodyPr/>
+                    <a:lstStyle/>
+                    <a:p>
+                      <a:r>
+                        <a:rPr lang="en-GB" dirty="0"/>
+                        <a:t>4%</a:t>
+                      </a:r>
+                    </a:p>
+                  </a:txBody>
+                  <a:tcPr/>
+                </a:tc>
+                <a:tc>
+                  <a:txBody>
+                    <a:bodyPr/>
+                    <a:lstStyle/>
+                    <a:p>
+                      <a:r>
+                        <a:rPr lang="en-GB" dirty="0"/>
+                        <a:t>1.5%</a:t>
+                      </a:r>
+                    </a:p>
+                  </a:txBody>
+                  <a:tcPr/>
+                </a:tc>
+                <a:tc>
+                  <a:txBody>
+                    <a:bodyPr/>
+                    <a:lstStyle/>
+                    <a:p>
+                      <a:endParaRPr lang="en-GB" dirty="0"/>
+                    </a:p>
+                  </a:txBody>
+                  <a:tcPr/>
+                </a:tc>
+                <a:extLst>
+                  <a:ext uri="{0D108BD9-81ED-4DB2-BD59-A6C34878D82A}">
+                    <a16:rowId xmlns:a16="http://schemas.microsoft.com/office/drawing/2014/main" val="886877885"/>
+                  </a:ext>
+                </a:extLst>
+              </a:tr>
+            </a:tbl>
+          </a:graphicData>
+        </a:graphic>
+      </p:graphicFrame>
+    </p:spTree>
+    <p:extLst>
+      <p:ext uri="{BB962C8B-B14F-4D97-AF65-F5344CB8AC3E}">
+        <p14:creationId xmlns:p14="http://schemas.microsoft.com/office/powerpoint/2010/main" val="1902870085"/>
+      </p:ext>
+    </p:extLst>
+  </p:cSld>
+  <p:clrMapOvr>
+    <a:masterClrMapping/>
+  </p:clrMapOvr>
+</p:sld>
+</file>
+
+<file path=ppt/slides/slide7.xml><?xml version="1.0" encoding="utf-8"?>
 <p:sld xmlns:a="http://schemas.openxmlformats.org/drawingml/2006/main" xmlns:r="http://schemas.openxmlformats.org/officeDocument/2006/relationships" xmlns:p="http://schemas.openxmlformats.org/presentationml/2006/main">
   <p:cSld>
     <p:spTree>
@@ -8315,7 +9132,7 @@
 </p:sld>
 </file>
 
-<file path=ppt/slides/slide7.xml><?xml version="1.0" encoding="utf-8"?>
+<file path=ppt/slides/slide8.xml><?xml version="1.0" encoding="utf-8"?>
 <p:sld xmlns:a="http://schemas.openxmlformats.org/drawingml/2006/main" xmlns:r="http://schemas.openxmlformats.org/officeDocument/2006/relationships" xmlns:p="http://schemas.openxmlformats.org/presentationml/2006/main">
   <p:cSld>
     <p:spTree>
@@ -8443,7 +9260,7 @@
 </p:sld>
 </file>
 
-<file path=ppt/slides/slide8.xml><?xml version="1.0" encoding="utf-8"?>
+<file path=ppt/slides/slide9.xml><?xml version="1.0" encoding="utf-8"?>
 <p:sld xmlns:a="http://schemas.openxmlformats.org/drawingml/2006/main" xmlns:r="http://schemas.openxmlformats.org/officeDocument/2006/relationships" xmlns:p="http://schemas.openxmlformats.org/presentationml/2006/main">
   <p:cSld>
     <p:spTree>
@@ -8509,14 +9326,14 @@
             <p:ph idx="1"/>
             <p:extLst>
               <p:ext uri="{D42A27DB-BD31-4B8C-83A1-F6EECF244321}">
-                <p14:modId xmlns:p14="http://schemas.microsoft.com/office/powerpoint/2010/main" val="983385370"/>
+                <p14:modId xmlns:p14="http://schemas.microsoft.com/office/powerpoint/2010/main" val="2573941933"/>
               </p:ext>
             </p:extLst>
           </p:nvPr>
         </p:nvGraphicFramePr>
         <p:xfrm>
-          <a:off x="510181" y="1084905"/>
-          <a:ext cx="10497939" cy="5375107"/>
+          <a:off x="364669" y="1012695"/>
+          <a:ext cx="10497939" cy="5232556"/>
         </p:xfrm>
         <a:graphic>
           <a:graphicData uri="http://schemas.openxmlformats.org/drawingml/2006/table">
@@ -8574,18 +9391,18 @@
                     <a:bodyPr/>
                     <a:lstStyle/>
                     <a:p>
-                      <a:endParaRPr lang="en-GB" sz="1400" dirty="0"/>
-                    </a:p>
-                  </a:txBody>
-                  <a:tcPr/>
-                </a:tc>
-                <a:tc>
-                  <a:txBody>
-                    <a:bodyPr/>
-                    <a:lstStyle/>
-                    <a:p>
-                      <a:r>
-                        <a:rPr lang="en-GB" dirty="0"/>
+                      <a:endParaRPr lang="en-GB" sz="1050" dirty="0"/>
+                    </a:p>
+                  </a:txBody>
+                  <a:tcPr/>
+                </a:tc>
+                <a:tc>
+                  <a:txBody>
+                    <a:bodyPr/>
+                    <a:lstStyle/>
+                    <a:p>
+                      <a:r>
+                        <a:rPr lang="en-GB" sz="1200" dirty="0"/>
                         <a:t>Early Churn</a:t>
                       </a:r>
                     </a:p>
@@ -8598,7 +9415,7 @@
                     <a:lstStyle/>
                     <a:p>
                       <a:r>
-                        <a:rPr lang="en-GB" dirty="0"/>
+                        <a:rPr lang="en-GB" sz="1200" dirty="0"/>
                         <a:t>Late Churn</a:t>
                       </a:r>
                     </a:p>
@@ -8611,7 +9428,7 @@
                     <a:lstStyle/>
                     <a:p>
                       <a:r>
-                        <a:rPr lang="en-GB" dirty="0"/>
+                        <a:rPr lang="en-GB" sz="1200" dirty="0"/>
                         <a:t>Performance</a:t>
                       </a:r>
                     </a:p>
@@ -8624,7 +9441,7 @@
                     <a:lstStyle/>
                     <a:p>
                       <a:r>
-                        <a:rPr lang="en-GB" dirty="0"/>
+                        <a:rPr lang="en-GB" sz="1200" dirty="0"/>
                         <a:t>0% Churn Rate Early</a:t>
                       </a:r>
                     </a:p>
@@ -8637,7 +9454,7 @@
                     <a:lstStyle/>
                     <a:p>
                       <a:r>
-                        <a:rPr lang="en-GB" dirty="0"/>
+                        <a:rPr lang="en-GB" sz="1200" dirty="0"/>
                         <a:t>0% Churn Rate Late</a:t>
                       </a:r>
                     </a:p>
@@ -8657,20 +9474,20 @@
                     <a:lstStyle/>
                     <a:p>
                       <a:r>
+                        <a:rPr lang="en-GB" sz="1000" dirty="0"/>
+                        <a:t>DDQN</a:t>
+                      </a:r>
+                    </a:p>
+                  </a:txBody>
+                  <a:tcPr/>
+                </a:tc>
+                <a:tc>
+                  <a:txBody>
+                    <a:bodyPr/>
+                    <a:lstStyle/>
+                    <a:p>
+                      <a:r>
                         <a:rPr lang="en-GB" sz="1200" dirty="0"/>
-                        <a:t>DDQN</a:t>
-                      </a:r>
-                    </a:p>
-                  </a:txBody>
-                  <a:tcPr/>
-                </a:tc>
-                <a:tc>
-                  <a:txBody>
-                    <a:bodyPr/>
-                    <a:lstStyle/>
-                    <a:p>
-                      <a:r>
-                        <a:rPr lang="en-GB" dirty="0"/>
                         <a:t>3.8%</a:t>
                       </a:r>
                     </a:p>
@@ -8683,7 +9500,7 @@
                     <a:lstStyle/>
                     <a:p>
                       <a:r>
-                        <a:rPr lang="en-GB" dirty="0"/>
+                        <a:rPr lang="en-GB" sz="1200" dirty="0"/>
                         <a:t>1.9%</a:t>
                       </a:r>
                     </a:p>
@@ -8696,20 +9513,20 @@
                     <a:lstStyle/>
                     <a:p>
                       <a:r>
-                        <a:rPr lang="en-GB" dirty="0"/>
-                        <a:t>?</a:t>
-                      </a:r>
-                    </a:p>
-                  </a:txBody>
-                  <a:tcPr/>
-                </a:tc>
-                <a:tc>
-                  <a:txBody>
-                    <a:bodyPr/>
-                    <a:lstStyle/>
-                    <a:p>
-                      <a:r>
-                        <a:rPr lang="en-GB" dirty="0"/>
+                        <a:rPr lang="en-GB" sz="1200" dirty="0"/>
+                        <a:t>0.096</a:t>
+                      </a:r>
+                    </a:p>
+                  </a:txBody>
+                  <a:tcPr/>
+                </a:tc>
+                <a:tc>
+                  <a:txBody>
+                    <a:bodyPr/>
+                    <a:lstStyle/>
+                    <a:p>
+                      <a:r>
+                        <a:rPr lang="en-GB" sz="1200" dirty="0"/>
                         <a:t>9.1%</a:t>
                       </a:r>
                     </a:p>
@@ -8722,7 +9539,7 @@
                     <a:lstStyle/>
                     <a:p>
                       <a:r>
-                        <a:rPr lang="en-GB" dirty="0"/>
+                        <a:rPr lang="en-GB" sz="1200" dirty="0"/>
                         <a:t>0%</a:t>
                       </a:r>
                     </a:p>
@@ -8742,20 +9559,20 @@
                     <a:lstStyle/>
                     <a:p>
                       <a:r>
+                        <a:rPr lang="en-GB" sz="1000" dirty="0"/>
+                        <a:t>DDQN bs=16</a:t>
+                      </a:r>
+                    </a:p>
+                  </a:txBody>
+                  <a:tcPr/>
+                </a:tc>
+                <a:tc>
+                  <a:txBody>
+                    <a:bodyPr/>
+                    <a:lstStyle/>
+                    <a:p>
+                      <a:r>
                         <a:rPr lang="en-GB" sz="1200" dirty="0"/>
-                        <a:t>DDQN bs=16</a:t>
-                      </a:r>
-                    </a:p>
-                  </a:txBody>
-                  <a:tcPr/>
-                </a:tc>
-                <a:tc>
-                  <a:txBody>
-                    <a:bodyPr/>
-                    <a:lstStyle/>
-                    <a:p>
-                      <a:r>
-                        <a:rPr lang="en-GB" dirty="0"/>
                         <a:t>3.2%</a:t>
                       </a:r>
                     </a:p>
@@ -8768,7 +9585,7 @@
                     <a:lstStyle/>
                     <a:p>
                       <a:r>
-                        <a:rPr lang="en-GB" dirty="0"/>
+                        <a:rPr lang="en-GB" sz="1200" dirty="0"/>
                         <a:t>1.6%</a:t>
                       </a:r>
                     </a:p>
@@ -8781,7 +9598,7 @@
                     <a:lstStyle/>
                     <a:p>
                       <a:r>
-                        <a:rPr lang="en-GB" dirty="0"/>
+                        <a:rPr lang="en-GB" sz="1200" dirty="0"/>
                         <a:t>0.104</a:t>
                       </a:r>
                     </a:p>
@@ -8794,7 +9611,7 @@
                     <a:lstStyle/>
                     <a:p>
                       <a:r>
-                        <a:rPr lang="en-GB" dirty="0"/>
+                        <a:rPr lang="en-GB" sz="1200" dirty="0"/>
                         <a:t>14.8%</a:t>
                       </a:r>
                     </a:p>
@@ -8807,7 +9624,7 @@
                     <a:lstStyle/>
                     <a:p>
                       <a:r>
-                        <a:rPr lang="en-GB" dirty="0"/>
+                        <a:rPr lang="en-GB" sz="1200" dirty="0"/>
                         <a:t>0%</a:t>
                       </a:r>
                     </a:p>
@@ -8827,20 +9644,20 @@
                     <a:lstStyle/>
                     <a:p>
                       <a:r>
+                        <a:rPr lang="en-GB" sz="1000" dirty="0"/>
+                        <a:t>DDQN discount=0.999</a:t>
+                      </a:r>
+                    </a:p>
+                  </a:txBody>
+                  <a:tcPr/>
+                </a:tc>
+                <a:tc>
+                  <a:txBody>
+                    <a:bodyPr/>
+                    <a:lstStyle/>
+                    <a:p>
+                      <a:r>
                         <a:rPr lang="en-GB" sz="1200" dirty="0"/>
-                        <a:t>DDQN discount=0.999</a:t>
-                      </a:r>
-                    </a:p>
-                  </a:txBody>
-                  <a:tcPr/>
-                </a:tc>
-                <a:tc>
-                  <a:txBody>
-                    <a:bodyPr/>
-                    <a:lstStyle/>
-                    <a:p>
-                      <a:r>
-                        <a:rPr lang="en-GB" dirty="0"/>
                         <a:t>4.9%</a:t>
                       </a:r>
                     </a:p>
@@ -8853,7 +9670,7 @@
                     <a:lstStyle/>
                     <a:p>
                       <a:r>
-                        <a:rPr lang="en-GB" dirty="0"/>
+                        <a:rPr lang="en-GB" sz="1200" dirty="0"/>
                         <a:t>2.5%</a:t>
                       </a:r>
                     </a:p>
@@ -8866,7 +9683,7 @@
                     <a:lstStyle/>
                     <a:p>
                       <a:r>
-                        <a:rPr lang="en-GB" dirty="0"/>
+                        <a:rPr lang="en-GB" sz="1200" dirty="0"/>
                         <a:t>0.074</a:t>
                       </a:r>
                     </a:p>
@@ -8879,7 +9696,7 @@
                     <a:lstStyle/>
                     <a:p>
                       <a:r>
-                        <a:rPr lang="en-GB" dirty="0"/>
+                        <a:rPr lang="en-GB" sz="1200" dirty="0"/>
                         <a:t>14.4%</a:t>
                       </a:r>
                     </a:p>
@@ -8892,7 +9709,7 @@
                     <a:lstStyle/>
                     <a:p>
                       <a:r>
-                        <a:rPr lang="en-GB" dirty="0"/>
+                        <a:rPr lang="en-GB" sz="1200" dirty="0"/>
                         <a:t>4.2%</a:t>
                       </a:r>
                     </a:p>
@@ -8929,7 +9746,7 @@
                         <a:defRPr/>
                       </a:pPr>
                       <a:r>
-                        <a:rPr lang="en-GB" sz="1200" dirty="0"/>
+                        <a:rPr lang="en-GB" sz="1000" dirty="0"/>
                         <a:t>DDQN</a:t>
                       </a:r>
                     </a:p>
@@ -8952,20 +9769,20 @@
                         <a:defRPr/>
                       </a:pPr>
                       <a:r>
+                        <a:rPr lang="en-GB" sz="1000" dirty="0"/>
+                        <a:t>Lr=0.00025</a:t>
+                      </a:r>
+                    </a:p>
+                  </a:txBody>
+                  <a:tcPr/>
+                </a:tc>
+                <a:tc>
+                  <a:txBody>
+                    <a:bodyPr/>
+                    <a:lstStyle/>
+                    <a:p>
+                      <a:r>
                         <a:rPr lang="en-GB" sz="1200" dirty="0"/>
-                        <a:t>Lr=0.00025</a:t>
-                      </a:r>
-                    </a:p>
-                  </a:txBody>
-                  <a:tcPr/>
-                </a:tc>
-                <a:tc>
-                  <a:txBody>
-                    <a:bodyPr/>
-                    <a:lstStyle/>
-                    <a:p>
-                      <a:r>
-                        <a:rPr lang="en-GB" dirty="0"/>
                         <a:t>3.8%</a:t>
                       </a:r>
                     </a:p>
@@ -8978,7 +9795,7 @@
                     <a:lstStyle/>
                     <a:p>
                       <a:r>
-                        <a:rPr lang="en-GB" dirty="0"/>
+                        <a:rPr lang="en-GB" sz="1200" dirty="0"/>
                         <a:t>1.7%</a:t>
                       </a:r>
                     </a:p>
@@ -8991,7 +9808,7 @@
                     <a:lstStyle/>
                     <a:p>
                       <a:r>
-                        <a:rPr lang="en-GB" dirty="0"/>
+                        <a:rPr lang="en-GB" sz="1200" dirty="0"/>
                         <a:t>0.061</a:t>
                       </a:r>
                     </a:p>
@@ -9004,7 +9821,7 @@
                     <a:lstStyle/>
                     <a:p>
                       <a:r>
-                        <a:rPr lang="en-GB" dirty="0"/>
+                        <a:rPr lang="en-GB" sz="1200" dirty="0"/>
                         <a:t>7.8%</a:t>
                       </a:r>
                     </a:p>
@@ -9017,7 +9834,7 @@
                     <a:lstStyle/>
                     <a:p>
                       <a:r>
-                        <a:rPr lang="en-GB" dirty="0"/>
+                        <a:rPr lang="en-GB" sz="1200" dirty="0"/>
                         <a:t>0%</a:t>
                       </a:r>
                     </a:p>
@@ -9037,20 +9854,20 @@
                     <a:lstStyle/>
                     <a:p>
                       <a:r>
+                        <a:rPr lang="en-GB" sz="1000" dirty="0"/>
+                        <a:t>DDQN n-step=3,</a:t>
+                      </a:r>
+                    </a:p>
+                  </a:txBody>
+                  <a:tcPr/>
+                </a:tc>
+                <a:tc>
+                  <a:txBody>
+                    <a:bodyPr/>
+                    <a:lstStyle/>
+                    <a:p>
+                      <a:r>
                         <a:rPr lang="en-GB" sz="1200" dirty="0"/>
-                        <a:t>DDQN n-step=3,</a:t>
-                      </a:r>
-                    </a:p>
-                  </a:txBody>
-                  <a:tcPr/>
-                </a:tc>
-                <a:tc>
-                  <a:txBody>
-                    <a:bodyPr/>
-                    <a:lstStyle/>
-                    <a:p>
-                      <a:r>
-                        <a:rPr lang="en-GB" dirty="0"/>
                         <a:t>5.6%</a:t>
                       </a:r>
                     </a:p>
@@ -9063,7 +9880,7 @@
                     <a:lstStyle/>
                     <a:p>
                       <a:r>
-                        <a:rPr lang="en-GB" dirty="0"/>
+                        <a:rPr lang="en-GB" sz="1200" dirty="0"/>
                         <a:t>2.8%</a:t>
                       </a:r>
                     </a:p>
@@ -9076,7 +9893,7 @@
                     <a:lstStyle/>
                     <a:p>
                       <a:r>
-                        <a:rPr lang="en-GB" dirty="0"/>
+                        <a:rPr lang="en-GB" sz="1200" dirty="0"/>
                         <a:t>0.127</a:t>
                       </a:r>
                     </a:p>
@@ -9089,7 +9906,7 @@
                     <a:lstStyle/>
                     <a:p>
                       <a:r>
-                        <a:rPr lang="en-GB" dirty="0"/>
+                        <a:rPr lang="en-GB" sz="1200" dirty="0"/>
                         <a:t>15.7%</a:t>
                       </a:r>
                     </a:p>
@@ -9102,7 +9919,7 @@
                     <a:lstStyle/>
                     <a:p>
                       <a:r>
-                        <a:rPr lang="en-GB" dirty="0"/>
+                        <a:rPr lang="en-GB" sz="1200" dirty="0"/>
                         <a:t>3.8%</a:t>
                       </a:r>
                     </a:p>
@@ -9122,20 +9939,20 @@
                     <a:lstStyle/>
                     <a:p>
                       <a:r>
+                        <a:rPr lang="en-GB" sz="1000" dirty="0"/>
+                        <a:t>DDQN n-step=1</a:t>
+                      </a:r>
+                    </a:p>
+                  </a:txBody>
+                  <a:tcPr/>
+                </a:tc>
+                <a:tc>
+                  <a:txBody>
+                    <a:bodyPr/>
+                    <a:lstStyle/>
+                    <a:p>
+                      <a:r>
                         <a:rPr lang="en-GB" sz="1200" dirty="0"/>
-                        <a:t>DDQN n-step=1</a:t>
-                      </a:r>
-                    </a:p>
-                  </a:txBody>
-                  <a:tcPr/>
-                </a:tc>
-                <a:tc>
-                  <a:txBody>
-                    <a:bodyPr/>
-                    <a:lstStyle/>
-                    <a:p>
-                      <a:r>
-                        <a:rPr lang="en-GB" dirty="0"/>
                         <a:t>10.9%</a:t>
                       </a:r>
                     </a:p>
@@ -9148,7 +9965,7 @@
                     <a:lstStyle/>
                     <a:p>
                       <a:r>
-                        <a:rPr lang="en-GB" dirty="0"/>
+                        <a:rPr lang="en-GB" sz="1200" dirty="0"/>
                         <a:t>5.7%</a:t>
                       </a:r>
                     </a:p>
@@ -9161,7 +9978,7 @@
                     <a:lstStyle/>
                     <a:p>
                       <a:r>
-                        <a:rPr lang="en-GB" dirty="0"/>
+                        <a:rPr lang="en-GB" sz="1200" dirty="0"/>
                         <a:t>0.036</a:t>
                       </a:r>
                     </a:p>
@@ -9174,7 +9991,7 @@
                     <a:lstStyle/>
                     <a:p>
                       <a:r>
-                        <a:rPr lang="en-GB" dirty="0"/>
+                        <a:rPr lang="en-GB" sz="1200" dirty="0"/>
                         <a:t>29.2%</a:t>
                       </a:r>
                     </a:p>
@@ -9187,7 +10004,7 @@
                     <a:lstStyle/>
                     <a:p>
                       <a:r>
-                        <a:rPr lang="en-GB" dirty="0"/>
+                        <a:rPr lang="en-GB" sz="1200" dirty="0"/>
                         <a:t>4.7%</a:t>
                       </a:r>
                     </a:p>
@@ -9207,20 +10024,20 @@
                     <a:lstStyle/>
                     <a:p>
                       <a:r>
+                        <a:rPr lang="en-GB" sz="1000" dirty="0"/>
+                        <a:t>DDQN n-step=20</a:t>
+                      </a:r>
+                    </a:p>
+                  </a:txBody>
+                  <a:tcPr/>
+                </a:tc>
+                <a:tc>
+                  <a:txBody>
+                    <a:bodyPr/>
+                    <a:lstStyle/>
+                    <a:p>
+                      <a:r>
                         <a:rPr lang="en-GB" sz="1200" dirty="0"/>
-                        <a:t>DDQN n-step=20</a:t>
-                      </a:r>
-                    </a:p>
-                  </a:txBody>
-                  <a:tcPr/>
-                </a:tc>
-                <a:tc>
-                  <a:txBody>
-                    <a:bodyPr/>
-                    <a:lstStyle/>
-                    <a:p>
-                      <a:r>
-                        <a:rPr lang="en-GB" dirty="0"/>
                         <a:t>3.2%</a:t>
                       </a:r>
                     </a:p>
@@ -9233,7 +10050,7 @@
                     <a:lstStyle/>
                     <a:p>
                       <a:r>
-                        <a:rPr lang="en-GB" dirty="0"/>
+                        <a:rPr lang="en-GB" sz="1200" dirty="0"/>
                         <a:t>1.6%</a:t>
                       </a:r>
                     </a:p>
@@ -9246,7 +10063,7 @@
                     <a:lstStyle/>
                     <a:p>
                       <a:r>
-                        <a:rPr lang="en-GB" dirty="0"/>
+                        <a:rPr lang="en-GB" sz="1200" dirty="0"/>
                         <a:t>0.055</a:t>
                       </a:r>
                     </a:p>
@@ -9259,7 +10076,7 @@
                     <a:lstStyle/>
                     <a:p>
                       <a:r>
-                        <a:rPr lang="en-GB" dirty="0"/>
+                        <a:rPr lang="en-GB" sz="1200" dirty="0"/>
                         <a:t>7.8%</a:t>
                       </a:r>
                     </a:p>
@@ -9272,7 +10089,7 @@
                     <a:lstStyle/>
                     <a:p>
                       <a:r>
-                        <a:rPr lang="en-GB" dirty="0"/>
+                        <a:rPr lang="en-GB" sz="1200" dirty="0"/>
                         <a:t>0%</a:t>
                       </a:r>
                     </a:p>
@@ -9292,41 +10109,41 @@
                     <a:lstStyle/>
                     <a:p>
                       <a:r>
+                        <a:rPr lang="en-GB" sz="1000" dirty="0"/>
+                        <a:t>DDQN </a:t>
+                      </a:r>
+                      <a:r>
+                        <a:rPr lang="en-GB" sz="1000" dirty="0" err="1"/>
+                        <a:t>mem_size</a:t>
+                      </a:r>
+                      <a:r>
+                        <a:rPr lang="en-GB" sz="1000" dirty="0"/>
+                        <a:t>=15k</a:t>
+                      </a:r>
+                    </a:p>
+                  </a:txBody>
+                  <a:tcPr/>
+                </a:tc>
+                <a:tc>
+                  <a:txBody>
+                    <a:bodyPr/>
+                    <a:lstStyle/>
+                    <a:p>
+                      <a:r>
                         <a:rPr lang="en-GB" sz="1200" dirty="0"/>
-                        <a:t>DDQN </a:t>
-                      </a:r>
-                      <a:r>
-                        <a:rPr lang="en-GB" sz="1200" dirty="0" err="1"/>
-                        <a:t>mem_size</a:t>
-                      </a:r>
+                        <a:t>3.7%</a:t>
+                      </a:r>
+                    </a:p>
+                  </a:txBody>
+                  <a:tcPr/>
+                </a:tc>
+                <a:tc>
+                  <a:txBody>
+                    <a:bodyPr/>
+                    <a:lstStyle/>
+                    <a:p>
                       <a:r>
                         <a:rPr lang="en-GB" sz="1200" dirty="0"/>
-                        <a:t>=15k</a:t>
-                      </a:r>
-                    </a:p>
-                  </a:txBody>
-                  <a:tcPr/>
-                </a:tc>
-                <a:tc>
-                  <a:txBody>
-                    <a:bodyPr/>
-                    <a:lstStyle/>
-                    <a:p>
-                      <a:r>
-                        <a:rPr lang="en-GB" dirty="0"/>
-                        <a:t>3.7%</a:t>
-                      </a:r>
-                    </a:p>
-                  </a:txBody>
-                  <a:tcPr/>
-                </a:tc>
-                <a:tc>
-                  <a:txBody>
-                    <a:bodyPr/>
-                    <a:lstStyle/>
-                    <a:p>
-                      <a:r>
-                        <a:rPr lang="en-GB" dirty="0"/>
                         <a:t>1.6%</a:t>
                       </a:r>
                     </a:p>
@@ -9339,7 +10156,7 @@
                     <a:lstStyle/>
                     <a:p>
                       <a:r>
-                        <a:rPr lang="en-GB" dirty="0"/>
+                        <a:rPr lang="en-GB" sz="1200" dirty="0"/>
                         <a:t>0.057</a:t>
                       </a:r>
                     </a:p>
@@ -9352,7 +10169,7 @@
                     <a:lstStyle/>
                     <a:p>
                       <a:r>
-                        <a:rPr lang="en-GB" dirty="0"/>
+                        <a:rPr lang="en-GB" sz="1200" dirty="0"/>
                         <a:t>8.1%</a:t>
                       </a:r>
                     </a:p>
@@ -9365,7 +10182,7 @@
                     <a:lstStyle/>
                     <a:p>
                       <a:r>
-                        <a:rPr lang="en-GB" dirty="0"/>
+                        <a:rPr lang="en-GB" sz="1200" dirty="0"/>
                         <a:t>0%</a:t>
                       </a:r>
                     </a:p>
@@ -9378,7 +10195,25 @@
                   </a:ext>
                 </a:extLst>
               </a:tr>
-              <a:tr h="561197">
+              <a:tr h="289429">
+                <a:tc>
+                  <a:txBody>
+                    <a:bodyPr/>
+                    <a:lstStyle/>
+                    <a:p>
+                      <a:r>
+                        <a:rPr lang="en-GB" sz="1000" dirty="0"/>
+                        <a:t>DDQN n=1 </a:t>
+                      </a:r>
+                      <a:r>
+                        <a:rPr lang="en-GB" sz="1000" dirty="0" err="1"/>
+                        <a:t>spread_high</a:t>
+                      </a:r>
+                      <a:endParaRPr lang="en-GB" sz="1000" dirty="0"/>
+                    </a:p>
+                  </a:txBody>
+                  <a:tcPr/>
+                </a:tc>
                 <a:tc>
                   <a:txBody>
                     <a:bodyPr/>
@@ -9386,24 +10221,6 @@
                     <a:p>
                       <a:r>
                         <a:rPr lang="en-GB" sz="1200" dirty="0"/>
-                        <a:t>DDQN n=1 </a:t>
-                      </a:r>
-                      <a:r>
-                        <a:rPr lang="en-GB" sz="1200" dirty="0" err="1"/>
-                        <a:t>spread_high</a:t>
-                      </a:r>
-                      <a:endParaRPr lang="en-GB" sz="1200" dirty="0"/>
-                    </a:p>
-                  </a:txBody>
-                  <a:tcPr/>
-                </a:tc>
-                <a:tc>
-                  <a:txBody>
-                    <a:bodyPr/>
-                    <a:lstStyle/>
-                    <a:p>
-                      <a:r>
-                        <a:rPr lang="en-GB" dirty="0"/>
                         <a:t>11.3%</a:t>
                       </a:r>
                     </a:p>
@@ -9416,7 +10233,7 @@
                     <a:lstStyle/>
                     <a:p>
                       <a:r>
-                        <a:rPr lang="en-GB" dirty="0"/>
+                        <a:rPr lang="en-GB" sz="1200" dirty="0"/>
                         <a:t>5.5%</a:t>
                       </a:r>
                     </a:p>
@@ -9429,7 +10246,7 @@
                     <a:lstStyle/>
                     <a:p>
                       <a:r>
-                        <a:rPr lang="en-GB" dirty="0"/>
+                        <a:rPr lang="en-GB" sz="1200" dirty="0"/>
                         <a:t>0.043</a:t>
                       </a:r>
                     </a:p>
@@ -9442,7 +10259,7 @@
                     <a:lstStyle/>
                     <a:p>
                       <a:r>
-                        <a:rPr lang="en-GB" dirty="0"/>
+                        <a:rPr lang="en-GB" sz="1200" dirty="0"/>
                         <a:t>30.1%</a:t>
                       </a:r>
                     </a:p>
@@ -9455,7 +10272,7 @@
                     <a:lstStyle/>
                     <a:p>
                       <a:r>
-                        <a:rPr lang="en-GB" dirty="0"/>
+                        <a:rPr lang="en-GB" sz="1200" dirty="0"/>
                         <a:t>4.4%</a:t>
                       </a:r>
                     </a:p>
@@ -9468,7 +10285,20 @@
                   </a:ext>
                 </a:extLst>
               </a:tr>
-              <a:tr h="561197">
+              <a:tr h="316629">
+                <a:tc>
+                  <a:txBody>
+                    <a:bodyPr/>
+                    <a:lstStyle/>
+                    <a:p>
+                      <a:r>
+                        <a:rPr lang="en-GB" sz="1000" dirty="0"/>
+                        <a:t>DDQN n=1, discount=0.904</a:t>
+                      </a:r>
+                    </a:p>
+                  </a:txBody>
+                  <a:tcPr/>
+                </a:tc>
                 <a:tc>
                   <a:txBody>
                     <a:bodyPr/>
@@ -9476,19 +10306,6 @@
                     <a:p>
                       <a:r>
                         <a:rPr lang="en-GB" sz="1200" dirty="0"/>
-                        <a:t>DDQN n=1, discount=0.904</a:t>
-                      </a:r>
-                    </a:p>
-                  </a:txBody>
-                  <a:tcPr/>
-                </a:tc>
-                <a:tc>
-                  <a:txBody>
-                    <a:bodyPr/>
-                    <a:lstStyle/>
-                    <a:p>
-                      <a:r>
-                        <a:rPr lang="en-GB" dirty="0"/>
                         <a:t>4.6%</a:t>
                       </a:r>
                     </a:p>
@@ -9501,7 +10318,7 @@
                     <a:lstStyle/>
                     <a:p>
                       <a:r>
-                        <a:rPr lang="en-GB" dirty="0"/>
+                        <a:rPr lang="en-GB" sz="1200" dirty="0"/>
                         <a:t>2.4%</a:t>
                       </a:r>
                     </a:p>
@@ -9514,7 +10331,7 @@
                     <a:lstStyle/>
                     <a:p>
                       <a:r>
-                        <a:rPr lang="en-GB" dirty="0"/>
+                        <a:rPr lang="en-GB" sz="1200" dirty="0"/>
                         <a:t>0.126</a:t>
                       </a:r>
                     </a:p>
@@ -9527,7 +10344,7 @@
                     <a:lstStyle/>
                     <a:p>
                       <a:r>
-                        <a:rPr lang="en-GB" dirty="0"/>
+                        <a:rPr lang="en-GB" sz="1200" dirty="0"/>
                         <a:t>12.8%</a:t>
                       </a:r>
                     </a:p>
@@ -9540,7 +10357,7 @@
                     <a:lstStyle/>
                     <a:p>
                       <a:r>
-                        <a:rPr lang="en-GB" dirty="0"/>
+                        <a:rPr lang="en-GB" sz="1200" dirty="0"/>
                         <a:t>0%</a:t>
                       </a:r>
                     </a:p>
@@ -9553,7 +10370,20 @@
                   </a:ext>
                 </a:extLst>
               </a:tr>
-              <a:tr h="561197">
+              <a:tr h="363706">
+                <a:tc>
+                  <a:txBody>
+                    <a:bodyPr/>
+                    <a:lstStyle/>
+                    <a:p>
+                      <a:r>
+                        <a:rPr lang="en-GB" sz="1000" dirty="0"/>
+                        <a:t>DDQN Augmentations</a:t>
+                      </a:r>
+                    </a:p>
+                  </a:txBody>
+                  <a:tcPr/>
+                </a:tc>
                 <a:tc>
                   <a:txBody>
                     <a:bodyPr/>
@@ -9561,19 +10391,6 @@
                     <a:p>
                       <a:r>
                         <a:rPr lang="en-GB" sz="1200" dirty="0"/>
-                        <a:t>DDQN Augmentations</a:t>
-                      </a:r>
-                    </a:p>
-                  </a:txBody>
-                  <a:tcPr/>
-                </a:tc>
-                <a:tc>
-                  <a:txBody>
-                    <a:bodyPr/>
-                    <a:lstStyle/>
-                    <a:p>
-                      <a:r>
-                        <a:rPr lang="en-GB" dirty="0"/>
                         <a:t>3.3%</a:t>
                       </a:r>
                     </a:p>
@@ -9586,7 +10403,7 @@
                     <a:lstStyle/>
                     <a:p>
                       <a:r>
-                        <a:rPr lang="en-GB" dirty="0"/>
+                        <a:rPr lang="en-GB" sz="1200" dirty="0"/>
                         <a:t>1.6%</a:t>
                       </a:r>
                     </a:p>
@@ -9599,7 +10416,7 @@
                     <a:lstStyle/>
                     <a:p>
                       <a:r>
-                        <a:rPr lang="en-GB" dirty="0"/>
+                        <a:rPr lang="en-GB" sz="1200" dirty="0"/>
                         <a:t>0.160</a:t>
                       </a:r>
                     </a:p>
@@ -9612,7 +10429,7 @@
                     <a:lstStyle/>
                     <a:p>
                       <a:r>
-                        <a:rPr lang="en-GB" dirty="0"/>
+                        <a:rPr lang="en-GB" sz="1200" dirty="0"/>
                         <a:t>19.4%</a:t>
                       </a:r>
                     </a:p>
@@ -9625,7 +10442,7 @@
                     <a:lstStyle/>
                     <a:p>
                       <a:r>
-                        <a:rPr lang="en-GB" dirty="0"/>
+                        <a:rPr lang="en-GB" sz="1200" dirty="0"/>
                         <a:t>4.0%</a:t>
                       </a:r>
                     </a:p>
@@ -9635,6 +10452,231 @@
                 <a:extLst>
                   <a:ext uri="{0D108BD9-81ED-4DB2-BD59-A6C34878D82A}">
                     <a16:rowId xmlns:a16="http://schemas.microsoft.com/office/drawing/2014/main" val="2462069891"/>
+                  </a:ext>
+                </a:extLst>
+              </a:tr>
+              <a:tr h="313578">
+                <a:tc>
+                  <a:txBody>
+                    <a:bodyPr/>
+                    <a:lstStyle/>
+                    <a:p>
+                      <a:r>
+                        <a:rPr lang="en-GB" sz="1000" dirty="0"/>
+                        <a:t>DDDQN</a:t>
+                      </a:r>
+                    </a:p>
+                  </a:txBody>
+                  <a:tcPr/>
+                </a:tc>
+                <a:tc>
+                  <a:txBody>
+                    <a:bodyPr/>
+                    <a:lstStyle/>
+                    <a:p>
+                      <a:r>
+                        <a:rPr lang="en-GB" sz="1200" dirty="0"/>
+                        <a:t>2.2%</a:t>
+                      </a:r>
+                    </a:p>
+                  </a:txBody>
+                  <a:tcPr/>
+                </a:tc>
+                <a:tc>
+                  <a:txBody>
+                    <a:bodyPr/>
+                    <a:lstStyle/>
+                    <a:p>
+                      <a:r>
+                        <a:rPr lang="en-GB" sz="1200" dirty="0"/>
+                        <a:t>1.3%</a:t>
+                      </a:r>
+                    </a:p>
+                  </a:txBody>
+                  <a:tcPr/>
+                </a:tc>
+                <a:tc>
+                  <a:txBody>
+                    <a:bodyPr/>
+                    <a:lstStyle/>
+                    <a:p>
+                      <a:r>
+                        <a:rPr lang="en-GB" sz="1200" dirty="0"/>
+                        <a:t>0.075</a:t>
+                      </a:r>
+                    </a:p>
+                  </a:txBody>
+                  <a:tcPr/>
+                </a:tc>
+                <a:tc>
+                  <a:txBody>
+                    <a:bodyPr/>
+                    <a:lstStyle/>
+                    <a:p>
+                      <a:r>
+                        <a:rPr lang="en-GB" sz="1200" dirty="0"/>
+                        <a:t>8%</a:t>
+                      </a:r>
+                    </a:p>
+                  </a:txBody>
+                  <a:tcPr/>
+                </a:tc>
+                <a:tc>
+                  <a:txBody>
+                    <a:bodyPr/>
+                    <a:lstStyle/>
+                    <a:p>
+                      <a:r>
+                        <a:rPr lang="en-GB" sz="1200" dirty="0"/>
+                        <a:t>0%</a:t>
+                      </a:r>
+                    </a:p>
+                  </a:txBody>
+                  <a:tcPr/>
+                </a:tc>
+                <a:extLst>
+                  <a:ext uri="{0D108BD9-81ED-4DB2-BD59-A6C34878D82A}">
+                    <a16:rowId xmlns:a16="http://schemas.microsoft.com/office/drawing/2014/main" val="2763395851"/>
+                  </a:ext>
+                </a:extLst>
+              </a:tr>
+              <a:tr h="301021">
+                <a:tc>
+                  <a:txBody>
+                    <a:bodyPr/>
+                    <a:lstStyle/>
+                    <a:p>
+                      <a:r>
+                        <a:rPr lang="en-GB" sz="1000" dirty="0"/>
+                        <a:t>DDQN target update=16</a:t>
+                      </a:r>
+                    </a:p>
+                  </a:txBody>
+                  <a:tcPr/>
+                </a:tc>
+                <a:tc>
+                  <a:txBody>
+                    <a:bodyPr/>
+                    <a:lstStyle/>
+                    <a:p>
+                      <a:endParaRPr lang="en-GB" sz="1200" dirty="0"/>
+                    </a:p>
+                  </a:txBody>
+                  <a:tcPr/>
+                </a:tc>
+                <a:tc>
+                  <a:txBody>
+                    <a:bodyPr/>
+                    <a:lstStyle/>
+                    <a:p>
+                      <a:endParaRPr lang="en-GB" sz="1200" dirty="0"/>
+                    </a:p>
+                  </a:txBody>
+                  <a:tcPr/>
+                </a:tc>
+                <a:tc>
+                  <a:txBody>
+                    <a:bodyPr/>
+                    <a:lstStyle/>
+                    <a:p>
+                      <a:endParaRPr lang="en-GB" sz="1200" dirty="0"/>
+                    </a:p>
+                  </a:txBody>
+                  <a:tcPr/>
+                </a:tc>
+                <a:tc>
+                  <a:txBody>
+                    <a:bodyPr/>
+                    <a:lstStyle/>
+                    <a:p>
+                      <a:endParaRPr lang="en-GB" sz="1200" dirty="0"/>
+                    </a:p>
+                  </a:txBody>
+                  <a:tcPr/>
+                </a:tc>
+                <a:tc>
+                  <a:txBody>
+                    <a:bodyPr/>
+                    <a:lstStyle/>
+                    <a:p>
+                      <a:endParaRPr lang="en-GB" sz="1200" dirty="0"/>
+                    </a:p>
+                  </a:txBody>
+                  <a:tcPr/>
+                </a:tc>
+                <a:extLst>
+                  <a:ext uri="{0D108BD9-81ED-4DB2-BD59-A6C34878D82A}">
+                    <a16:rowId xmlns:a16="http://schemas.microsoft.com/office/drawing/2014/main" val="3569701499"/>
+                  </a:ext>
+                </a:extLst>
+              </a:tr>
+              <a:tr h="561197">
+                <a:tc>
+                  <a:txBody>
+                    <a:bodyPr/>
+                    <a:lstStyle/>
+                    <a:p>
+                      <a:r>
+                        <a:rPr lang="en-GB" sz="1000" dirty="0"/>
+                        <a:t>DDQN Update Interval=4</a:t>
+                      </a:r>
+                    </a:p>
+                  </a:txBody>
+                  <a:tcPr/>
+                </a:tc>
+                <a:tc>
+                  <a:txBody>
+                    <a:bodyPr/>
+                    <a:lstStyle/>
+                    <a:p>
+                      <a:endParaRPr lang="en-GB" sz="1200" dirty="0"/>
+                    </a:p>
+                  </a:txBody>
+                  <a:tcPr/>
+                </a:tc>
+                <a:tc>
+                  <a:txBody>
+                    <a:bodyPr/>
+                    <a:lstStyle/>
+                    <a:p>
+                      <a:endParaRPr lang="en-GB" sz="1200" dirty="0"/>
+                    </a:p>
+                  </a:txBody>
+                  <a:tcPr/>
+                </a:tc>
+                <a:tc>
+                  <a:txBody>
+                    <a:bodyPr/>
+                    <a:lstStyle/>
+                    <a:p>
+                      <a:endParaRPr lang="en-GB" sz="1200" dirty="0"/>
+                    </a:p>
+                  </a:txBody>
+                  <a:tcPr/>
+                </a:tc>
+                <a:tc>
+                  <a:txBody>
+                    <a:bodyPr/>
+                    <a:lstStyle/>
+                    <a:p>
+                      <a:endParaRPr lang="en-GB" sz="1200" dirty="0"/>
+                    </a:p>
+                  </a:txBody>
+                  <a:tcPr/>
+                </a:tc>
+                <a:tc>
+                  <a:txBody>
+                    <a:bodyPr/>
+                    <a:lstStyle/>
+                    <a:p>
+                      <a:endParaRPr lang="en-GB" sz="1200" dirty="0"/>
+                    </a:p>
+                  </a:txBody>
+                  <a:tcPr/>
+                </a:tc>
+                <a:extLst>
+                  <a:ext uri="{0D108BD9-81ED-4DB2-BD59-A6C34878D82A}">
+                    <a16:rowId xmlns:a16="http://schemas.microsoft.com/office/drawing/2014/main" val="4041687575"/>
                   </a:ext>
                 </a:extLst>
               </a:tr>

--- a/FeasibilityStudy_07_09_2023.pptx
+++ b/FeasibilityStudy_07_09_2023.pptx
@@ -1189,7 +1189,7 @@
           <a:p>
             <a:fld id="{02AC24A9-CCB6-4F8D-B8DB-C2F3692CFA5A}" type="datetimeFigureOut">
               <a:rPr lang="en-US" smtClean="0"/>
-              <a:t>9/25/2023</a:t>
+              <a:t>9/26/2023</a:t>
             </a:fld>
             <a:endParaRPr lang="en-US" dirty="0"/>
           </a:p>
@@ -1559,7 +1559,7 @@
           <a:p>
             <a:fld id="{02AC24A9-CCB6-4F8D-B8DB-C2F3692CFA5A}" type="datetimeFigureOut">
               <a:rPr lang="en-US" smtClean="0"/>
-              <a:t>9/25/2023</a:t>
+              <a:t>9/26/2023</a:t>
             </a:fld>
             <a:endParaRPr lang="en-US"/>
           </a:p>
@@ -1768,7 +1768,7 @@
           <a:p>
             <a:fld id="{02AC24A9-CCB6-4F8D-B8DB-C2F3692CFA5A}" type="datetimeFigureOut">
               <a:rPr lang="en-US" smtClean="0"/>
-              <a:t>9/25/2023</a:t>
+              <a:t>9/26/2023</a:t>
             </a:fld>
             <a:endParaRPr lang="en-US"/>
           </a:p>
@@ -2238,7 +2238,7 @@
           <a:p>
             <a:fld id="{02AC24A9-CCB6-4F8D-B8DB-C2F3692CFA5A}" type="datetimeFigureOut">
               <a:rPr lang="en-US" smtClean="0"/>
-              <a:t>9/25/2023</a:t>
+              <a:t>9/26/2023</a:t>
             </a:fld>
             <a:endParaRPr lang="en-US"/>
           </a:p>
@@ -2692,7 +2692,7 @@
           <a:p>
             <a:fld id="{02AC24A9-CCB6-4F8D-B8DB-C2F3692CFA5A}" type="datetimeFigureOut">
               <a:rPr lang="en-US" smtClean="0"/>
-              <a:t>9/25/2023</a:t>
+              <a:t>9/26/2023</a:t>
             </a:fld>
             <a:endParaRPr lang="en-US"/>
           </a:p>
@@ -3224,7 +3224,7 @@
           <a:p>
             <a:fld id="{02AC24A9-CCB6-4F8D-B8DB-C2F3692CFA5A}" type="datetimeFigureOut">
               <a:rPr lang="en-US" smtClean="0"/>
-              <a:t>9/25/2023</a:t>
+              <a:t>9/26/2023</a:t>
             </a:fld>
             <a:endParaRPr lang="en-US"/>
           </a:p>
@@ -3923,7 +3923,7 @@
           <a:p>
             <a:fld id="{02AC24A9-CCB6-4F8D-B8DB-C2F3692CFA5A}" type="datetimeFigureOut">
               <a:rPr lang="en-US" smtClean="0"/>
-              <a:t>9/25/2023</a:t>
+              <a:t>9/26/2023</a:t>
             </a:fld>
             <a:endParaRPr lang="en-US"/>
           </a:p>
@@ -4252,7 +4252,7 @@
           <a:p>
             <a:fld id="{02AC24A9-CCB6-4F8D-B8DB-C2F3692CFA5A}" type="datetimeFigureOut">
               <a:rPr lang="en-US" smtClean="0"/>
-              <a:t>9/25/2023</a:t>
+              <a:t>9/26/2023</a:t>
             </a:fld>
             <a:endParaRPr lang="en-US"/>
           </a:p>
@@ -4365,7 +4365,7 @@
           <a:p>
             <a:fld id="{02AC24A9-CCB6-4F8D-B8DB-C2F3692CFA5A}" type="datetimeFigureOut">
               <a:rPr lang="en-US" smtClean="0"/>
-              <a:t>9/25/2023</a:t>
+              <a:t>9/26/2023</a:t>
             </a:fld>
             <a:endParaRPr lang="en-US"/>
           </a:p>
@@ -4860,7 +4860,7 @@
           <a:p>
             <a:fld id="{02AC24A9-CCB6-4F8D-B8DB-C2F3692CFA5A}" type="datetimeFigureOut">
               <a:rPr lang="en-US" smtClean="0"/>
-              <a:t>9/25/2023</a:t>
+              <a:t>9/26/2023</a:t>
             </a:fld>
             <a:endParaRPr lang="en-US" dirty="0"/>
           </a:p>
@@ -5337,7 +5337,7 @@
           <a:p>
             <a:fld id="{02AC24A9-CCB6-4F8D-B8DB-C2F3692CFA5A}" type="datetimeFigureOut">
               <a:rPr lang="en-US" smtClean="0"/>
-              <a:t>9/25/2023</a:t>
+              <a:t>9/26/2023</a:t>
             </a:fld>
             <a:endParaRPr lang="en-US"/>
           </a:p>
@@ -5580,7 +5580,7 @@
           <a:p>
             <a:fld id="{02AC24A9-CCB6-4F8D-B8DB-C2F3692CFA5A}" type="datetimeFigureOut">
               <a:rPr lang="en-US" smtClean="0"/>
-              <a:t>9/25/2023</a:t>
+              <a:t>9/26/2023</a:t>
             </a:fld>
             <a:endParaRPr lang="en-US"/>
           </a:p>
@@ -10899,6 +10899,14 @@
 </file>
 
 <file path=customXml/item1.xml><?xml version="1.0" encoding="utf-8"?>
+<p:properties xmlns:p="http://schemas.microsoft.com/office/2006/metadata/properties" xmlns:xsi="http://www.w3.org/2001/XMLSchema-instance" xmlns:pc="http://schemas.microsoft.com/office/infopath/2007/PartnerControls">
+  <documentManagement>
+    <_activity xmlns="d7f5a7ab-2def-40a3-afd2-85d03e8f423c" xsi:nil="true"/>
+  </documentManagement>
+</p:properties>
+</file>
+
+<file path=customXml/item2.xml><?xml version="1.0" encoding="utf-8"?>
 <ct:contentTypeSchema xmlns:ct="http://schemas.microsoft.com/office/2006/metadata/contentType" xmlns:ma="http://schemas.microsoft.com/office/2006/metadata/properties/metaAttributes" ct:_="" ma:_="" ma:contentTypeName="Document" ma:contentTypeID="0x01010080EA5B84DD74DE40B36E4BC6020E6D9F" ma:contentTypeVersion="14" ma:contentTypeDescription="Create a new document." ma:contentTypeScope="" ma:versionID="28de449c72a5e47c5202139f2bf51550">
   <xsd:schema xmlns:xsd="http://www.w3.org/2001/XMLSchema" xmlns:xs="http://www.w3.org/2001/XMLSchema" xmlns:p="http://schemas.microsoft.com/office/2006/metadata/properties" xmlns:ns3="d7f5a7ab-2def-40a3-afd2-85d03e8f423c" xmlns:ns4="bd5b3ce5-9684-4633-a08f-c606343f8864" targetNamespace="http://schemas.microsoft.com/office/2006/metadata/properties" ma:root="true" ma:fieldsID="129c7dcc6397faf9c08502e0001ef98d" ns3:_="" ns4:_="">
     <xsd:import namespace="d7f5a7ab-2def-40a3-afd2-85d03e8f423c"/>
@@ -11127,14 +11135,6 @@
 </ct:contentTypeSchema>
 </file>
 
-<file path=customXml/item2.xml><?xml version="1.0" encoding="utf-8"?>
-<p:properties xmlns:p="http://schemas.microsoft.com/office/2006/metadata/properties" xmlns:xsi="http://www.w3.org/2001/XMLSchema-instance" xmlns:pc="http://schemas.microsoft.com/office/infopath/2007/PartnerControls">
-  <documentManagement>
-    <_activity xmlns="d7f5a7ab-2def-40a3-afd2-85d03e8f423c" xsi:nil="true"/>
-  </documentManagement>
-</p:properties>
-</file>
-
 <file path=customXml/item3.xml><?xml version="1.0" encoding="utf-8"?>
 <?mso-contentType ?>
 <FormTemplates xmlns="http://schemas.microsoft.com/sharepoint/v3/contenttype/forms">
@@ -11145,6 +11145,23 @@
 </file>
 
 <file path=customXml/itemProps1.xml><?xml version="1.0" encoding="utf-8"?>
+<ds:datastoreItem xmlns:ds="http://schemas.openxmlformats.org/officeDocument/2006/customXml" ds:itemID="{79C4B124-6D81-4E57-9C18-D557619DF62D}">
+  <ds:schemaRefs>
+    <ds:schemaRef ds:uri="http://purl.org/dc/terms/"/>
+    <ds:schemaRef ds:uri="http://schemas.microsoft.com/office/2006/documentManagement/types"/>
+    <ds:schemaRef ds:uri="http://schemas.microsoft.com/office/2006/metadata/properties"/>
+    <ds:schemaRef ds:uri="bd5b3ce5-9684-4633-a08f-c606343f8864"/>
+    <ds:schemaRef ds:uri="http://schemas.microsoft.com/office/infopath/2007/PartnerControls"/>
+    <ds:schemaRef ds:uri="http://purl.org/dc/dcmitype/"/>
+    <ds:schemaRef ds:uri="http://purl.org/dc/elements/1.1/"/>
+    <ds:schemaRef ds:uri="http://www.w3.org/XML/1998/namespace"/>
+    <ds:schemaRef ds:uri="http://schemas.openxmlformats.org/package/2006/metadata/core-properties"/>
+    <ds:schemaRef ds:uri="d7f5a7ab-2def-40a3-afd2-85d03e8f423c"/>
+  </ds:schemaRefs>
+</ds:datastoreItem>
+</file>
+
+<file path=customXml/itemProps2.xml><?xml version="1.0" encoding="utf-8"?>
 <ds:datastoreItem xmlns:ds="http://schemas.openxmlformats.org/officeDocument/2006/customXml" ds:itemID="{62477F19-84E0-4B89-B81C-DC3E856BCFA1}">
   <ds:schemaRefs>
     <ds:schemaRef ds:uri="http://schemas.microsoft.com/office/2006/metadata/contentType"/>
@@ -11163,23 +11180,6 @@
 </ds:datastoreItem>
 </file>
 
-<file path=customXml/itemProps2.xml><?xml version="1.0" encoding="utf-8"?>
-<ds:datastoreItem xmlns:ds="http://schemas.openxmlformats.org/officeDocument/2006/customXml" ds:itemID="{79C4B124-6D81-4E57-9C18-D557619DF62D}">
-  <ds:schemaRefs>
-    <ds:schemaRef ds:uri="http://purl.org/dc/terms/"/>
-    <ds:schemaRef ds:uri="http://schemas.microsoft.com/office/2006/documentManagement/types"/>
-    <ds:schemaRef ds:uri="http://schemas.microsoft.com/office/2006/metadata/properties"/>
-    <ds:schemaRef ds:uri="bd5b3ce5-9684-4633-a08f-c606343f8864"/>
-    <ds:schemaRef ds:uri="http://schemas.microsoft.com/office/infopath/2007/PartnerControls"/>
-    <ds:schemaRef ds:uri="http://purl.org/dc/dcmitype/"/>
-    <ds:schemaRef ds:uri="http://purl.org/dc/elements/1.1/"/>
-    <ds:schemaRef ds:uri="http://www.w3.org/XML/1998/namespace"/>
-    <ds:schemaRef ds:uri="http://schemas.openxmlformats.org/package/2006/metadata/core-properties"/>
-    <ds:schemaRef ds:uri="d7f5a7ab-2def-40a3-afd2-85d03e8f423c"/>
-  </ds:schemaRefs>
-</ds:datastoreItem>
-</file>
-
 <file path=customXml/itemProps3.xml><?xml version="1.0" encoding="utf-8"?>
 <ds:datastoreItem xmlns:ds="http://schemas.openxmlformats.org/officeDocument/2006/customXml" ds:itemID="{77AE5E60-3EE9-482E-890B-30FA5C1AAE15}">
   <ds:schemaRefs>
